--- a/Apple/Apple.pptx
+++ b/Apple/Apple.pptx
@@ -1,34 +1,41 @@
 
 <file path=ppt/presentation.xml><?xml version="1.0" encoding="utf-8"?>
-<p:presentation xmlns:a="http://schemas.openxmlformats.org/drawingml/2006/main" xmlns:r="http://schemas.openxmlformats.org/officeDocument/2006/relationships" xmlns:mc="http://schemas.openxmlformats.org/markup-compatibility/2006" xmlns:mv="urn:schemas-microsoft-com:mac:vml" xmlns:p="http://schemas.openxmlformats.org/presentationml/2006/main" xmlns:c="http://schemas.openxmlformats.org/drawingml/2006/chart" xmlns:dgm="http://schemas.openxmlformats.org/drawingml/2006/diagram" xmlns:o="urn:schemas-microsoft-com:office:office" xmlns:v="urn:schemas-microsoft-com:vml" xmlns:pvml="urn:schemas-microsoft-com:office:powerpoint" xmlns:com="http://schemas.openxmlformats.org/drawingml/2006/compatibility" xmlns:p14="http://schemas.microsoft.com/office/powerpoint/2010/main" xmlns:p15="http://schemas.microsoft.com/office/powerpoint/2012/main" autoCompressPictures="0" embedTrueTypeFonts="1" strictFirstAndLastChars="0" saveSubsetFonts="1">
+<p:presentation xmlns:a="http://schemas.openxmlformats.org/drawingml/2006/main" xmlns:r="http://schemas.openxmlformats.org/officeDocument/2006/relationships" xmlns:p="http://schemas.openxmlformats.org/presentationml/2006/main" strictFirstAndLastChars="0" embedTrueTypeFonts="1" saveSubsetFonts="1" autoCompressPictures="0">
   <p:sldMasterIdLst>
-    <p:sldMasterId id="2147483659" r:id="rId4"/>
+    <p:sldMasterId id="2147483659" r:id="rId1"/>
   </p:sldMasterIdLst>
   <p:notesMasterIdLst>
-    <p:notesMasterId r:id="rId5"/>
+    <p:notesMasterId r:id="rId9"/>
   </p:notesMasterIdLst>
   <p:sldIdLst>
-    <p:sldId id="256" r:id="rId6"/>
-    <p:sldId id="257" r:id="rId7"/>
-    <p:sldId id="258" r:id="rId8"/>
-    <p:sldId id="259" r:id="rId9"/>
-    <p:sldId id="260" r:id="rId10"/>
-    <p:sldId id="261" r:id="rId11"/>
-    <p:sldId id="262" r:id="rId12"/>
+    <p:sldId id="256" r:id="rId2"/>
+    <p:sldId id="257" r:id="rId3"/>
+    <p:sldId id="258" r:id="rId4"/>
+    <p:sldId id="259" r:id="rId5"/>
+    <p:sldId id="260" r:id="rId6"/>
+    <p:sldId id="261" r:id="rId7"/>
+    <p:sldId id="262" r:id="rId8"/>
   </p:sldIdLst>
-  <p:sldSz cy="5143500" cx="9144000"/>
+  <p:sldSz cx="9144000" cy="5143500" type="screen16x9"/>
   <p:notesSz cx="6858000" cy="9144000"/>
   <p:embeddedFontLst>
     <p:embeddedFont>
-      <p:font typeface="Roboto"/>
-      <p:regular r:id="rId13"/>
-      <p:bold r:id="rId14"/>
-      <p:italic r:id="rId15"/>
-      <p:boldItalic r:id="rId16"/>
+      <p:font typeface="Georgia" panose="02040502050405020303" pitchFamily="18" charset="0"/>
+      <p:regular r:id="rId10"/>
+      <p:bold r:id="rId11"/>
+      <p:italic r:id="rId12"/>
+      <p:boldItalic r:id="rId13"/>
+    </p:embeddedFont>
+    <p:embeddedFont>
+      <p:font typeface="Roboto" panose="02000000000000000000" pitchFamily="2" charset="0"/>
+      <p:regular r:id="rId14"/>
+      <p:bold r:id="rId15"/>
+      <p:italic r:id="rId16"/>
+      <p:boldItalic r:id="rId17"/>
     </p:embeddedFont>
   </p:embeddedFontLst>
   <p:defaultTextStyle>
-    <a:defPPr lvl="0" marR="0" rtl="0" algn="l">
+    <a:defPPr marR="0" lvl="0" algn="l" rtl="0">
       <a:lnSpc>
         <a:spcPct val="100000"/>
       </a:lnSpc>
@@ -39,7 +46,7 @@
         <a:spcPts val="0"/>
       </a:spcAft>
     </a:defPPr>
-    <a:lvl1pPr lvl="0" marR="0" rtl="0" algn="l">
+    <a:lvl1pPr marR="0" lvl="0" algn="l" rtl="0">
       <a:lnSpc>
         <a:spcPct val="100000"/>
       </a:lnSpc>
@@ -53,7 +60,7 @@
         <a:srgbClr val="000000"/>
       </a:buClr>
       <a:buFont typeface="Arial"/>
-      <a:defRPr b="0" i="0" sz="1400" u="none" cap="none" strike="noStrike">
+      <a:defRPr sz="1400" b="0" i="0" u="none" strike="noStrike" cap="none">
         <a:solidFill>
           <a:srgbClr val="000000"/>
         </a:solidFill>
@@ -63,7 +70,7 @@
         <a:sym typeface="Arial"/>
       </a:defRPr>
     </a:lvl1pPr>
-    <a:lvl2pPr lvl="1" marR="0" rtl="0" algn="l">
+    <a:lvl2pPr marR="0" lvl="1" algn="l" rtl="0">
       <a:lnSpc>
         <a:spcPct val="100000"/>
       </a:lnSpc>
@@ -77,7 +84,7 @@
         <a:srgbClr val="000000"/>
       </a:buClr>
       <a:buFont typeface="Arial"/>
-      <a:defRPr b="0" i="0" sz="1400" u="none" cap="none" strike="noStrike">
+      <a:defRPr sz="1400" b="0" i="0" u="none" strike="noStrike" cap="none">
         <a:solidFill>
           <a:srgbClr val="000000"/>
         </a:solidFill>
@@ -87,7 +94,7 @@
         <a:sym typeface="Arial"/>
       </a:defRPr>
     </a:lvl2pPr>
-    <a:lvl3pPr lvl="2" marR="0" rtl="0" algn="l">
+    <a:lvl3pPr marR="0" lvl="2" algn="l" rtl="0">
       <a:lnSpc>
         <a:spcPct val="100000"/>
       </a:lnSpc>
@@ -101,7 +108,7 @@
         <a:srgbClr val="000000"/>
       </a:buClr>
       <a:buFont typeface="Arial"/>
-      <a:defRPr b="0" i="0" sz="1400" u="none" cap="none" strike="noStrike">
+      <a:defRPr sz="1400" b="0" i="0" u="none" strike="noStrike" cap="none">
         <a:solidFill>
           <a:srgbClr val="000000"/>
         </a:solidFill>
@@ -111,7 +118,7 @@
         <a:sym typeface="Arial"/>
       </a:defRPr>
     </a:lvl3pPr>
-    <a:lvl4pPr lvl="3" marR="0" rtl="0" algn="l">
+    <a:lvl4pPr marR="0" lvl="3" algn="l" rtl="0">
       <a:lnSpc>
         <a:spcPct val="100000"/>
       </a:lnSpc>
@@ -125,7 +132,7 @@
         <a:srgbClr val="000000"/>
       </a:buClr>
       <a:buFont typeface="Arial"/>
-      <a:defRPr b="0" i="0" sz="1400" u="none" cap="none" strike="noStrike">
+      <a:defRPr sz="1400" b="0" i="0" u="none" strike="noStrike" cap="none">
         <a:solidFill>
           <a:srgbClr val="000000"/>
         </a:solidFill>
@@ -135,7 +142,7 @@
         <a:sym typeface="Arial"/>
       </a:defRPr>
     </a:lvl4pPr>
-    <a:lvl5pPr lvl="4" marR="0" rtl="0" algn="l">
+    <a:lvl5pPr marR="0" lvl="4" algn="l" rtl="0">
       <a:lnSpc>
         <a:spcPct val="100000"/>
       </a:lnSpc>
@@ -149,7 +156,7 @@
         <a:srgbClr val="000000"/>
       </a:buClr>
       <a:buFont typeface="Arial"/>
-      <a:defRPr b="0" i="0" sz="1400" u="none" cap="none" strike="noStrike">
+      <a:defRPr sz="1400" b="0" i="0" u="none" strike="noStrike" cap="none">
         <a:solidFill>
           <a:srgbClr val="000000"/>
         </a:solidFill>
@@ -159,7 +166,7 @@
         <a:sym typeface="Arial"/>
       </a:defRPr>
     </a:lvl5pPr>
-    <a:lvl6pPr lvl="5" marR="0" rtl="0" algn="l">
+    <a:lvl6pPr marR="0" lvl="5" algn="l" rtl="0">
       <a:lnSpc>
         <a:spcPct val="100000"/>
       </a:lnSpc>
@@ -173,7 +180,7 @@
         <a:srgbClr val="000000"/>
       </a:buClr>
       <a:buFont typeface="Arial"/>
-      <a:defRPr b="0" i="0" sz="1400" u="none" cap="none" strike="noStrike">
+      <a:defRPr sz="1400" b="0" i="0" u="none" strike="noStrike" cap="none">
         <a:solidFill>
           <a:srgbClr val="000000"/>
         </a:solidFill>
@@ -183,7 +190,7 @@
         <a:sym typeface="Arial"/>
       </a:defRPr>
     </a:lvl6pPr>
-    <a:lvl7pPr lvl="6" marR="0" rtl="0" algn="l">
+    <a:lvl7pPr marR="0" lvl="6" algn="l" rtl="0">
       <a:lnSpc>
         <a:spcPct val="100000"/>
       </a:lnSpc>
@@ -197,7 +204,7 @@
         <a:srgbClr val="000000"/>
       </a:buClr>
       <a:buFont typeface="Arial"/>
-      <a:defRPr b="0" i="0" sz="1400" u="none" cap="none" strike="noStrike">
+      <a:defRPr sz="1400" b="0" i="0" u="none" strike="noStrike" cap="none">
         <a:solidFill>
           <a:srgbClr val="000000"/>
         </a:solidFill>
@@ -207,7 +214,7 @@
         <a:sym typeface="Arial"/>
       </a:defRPr>
     </a:lvl7pPr>
-    <a:lvl8pPr lvl="7" marR="0" rtl="0" algn="l">
+    <a:lvl8pPr marR="0" lvl="7" algn="l" rtl="0">
       <a:lnSpc>
         <a:spcPct val="100000"/>
       </a:lnSpc>
@@ -221,7 +228,7 @@
         <a:srgbClr val="000000"/>
       </a:buClr>
       <a:buFont typeface="Arial"/>
-      <a:defRPr b="0" i="0" sz="1400" u="none" cap="none" strike="noStrike">
+      <a:defRPr sz="1400" b="0" i="0" u="none" strike="noStrike" cap="none">
         <a:solidFill>
           <a:srgbClr val="000000"/>
         </a:solidFill>
@@ -231,7 +238,7 @@
         <a:sym typeface="Arial"/>
       </a:defRPr>
     </a:lvl8pPr>
-    <a:lvl9pPr lvl="8" marR="0" rtl="0" algn="l">
+    <a:lvl9pPr marR="0" lvl="8" algn="l" rtl="0">
       <a:lnSpc>
         <a:spcPct val="100000"/>
       </a:lnSpc>
@@ -245,7 +252,7 @@
         <a:srgbClr val="000000"/>
       </a:buClr>
       <a:buFont typeface="Arial"/>
-      <a:defRPr b="0" i="0" sz="1400" u="none" cap="none" strike="noStrike">
+      <a:defRPr sz="1400" b="0" i="0" u="none" strike="noStrike" cap="none">
         <a:solidFill>
           <a:srgbClr val="000000"/>
         </a:solidFill>
@@ -260,11 +267,16 @@
 </file>
 
 <file path=ppt/notesMasters/notesMaster1.xml><?xml version="1.0" encoding="utf-8"?>
-<p:notesMaster xmlns:a="http://schemas.openxmlformats.org/drawingml/2006/main" xmlns:r="http://schemas.openxmlformats.org/officeDocument/2006/relationships" xmlns:mc="http://schemas.openxmlformats.org/markup-compatibility/2006" xmlns:mv="urn:schemas-microsoft-com:mac:vml" xmlns:p="http://schemas.openxmlformats.org/presentationml/2006/main" xmlns:c="http://schemas.openxmlformats.org/drawingml/2006/chart" xmlns:dgm="http://schemas.openxmlformats.org/drawingml/2006/diagram" xmlns:o="urn:schemas-microsoft-com:office:office" xmlns:v="urn:schemas-microsoft-com:vml" xmlns:pvml="urn:schemas-microsoft-com:office:powerpoint" xmlns:com="http://schemas.openxmlformats.org/drawingml/2006/compatibility" xmlns:p14="http://schemas.microsoft.com/office/powerpoint/2010/main" xmlns:p15="http://schemas.microsoft.com/office/powerpoint/2012/main">
+<p:notesMaster xmlns:a="http://schemas.openxmlformats.org/drawingml/2006/main" xmlns:r="http://schemas.openxmlformats.org/officeDocument/2006/relationships" xmlns:p="http://schemas.openxmlformats.org/presentationml/2006/main">
   <p:cSld>
+    <p:bg>
+      <p:bgRef idx="1001">
+        <a:schemeClr val="bg1"/>
+      </p:bgRef>
+    </p:bg>
     <p:spTree>
       <p:nvGrpSpPr>
-        <p:cNvPr id="2" name="Shape 2"/>
+        <p:cNvPr id="1" name="Shape 2"/>
         <p:cNvGrpSpPr/>
         <p:nvPr/>
       </p:nvGrpSpPr>
@@ -279,9 +291,11 @@
       <p:sp>
         <p:nvSpPr>
           <p:cNvPr id="3" name="Google Shape;3;n"/>
-          <p:cNvSpPr/>
+          <p:cNvSpPr>
+            <a:spLocks noGrp="1" noRot="1" noChangeAspect="1"/>
+          </p:cNvSpPr>
           <p:nvPr>
-            <p:ph idx="2" type="sldImg"/>
+            <p:ph type="sldImg" idx="2"/>
           </p:nvPr>
         </p:nvSpPr>
         <p:spPr>
@@ -290,9 +304,13 @@
             <a:ext cx="6096075" cy="3429000"/>
           </a:xfrm>
           <a:custGeom>
-            <a:rect b="b" l="l" r="r" t="t"/>
+            <a:avLst/>
+            <a:gdLst/>
+            <a:ahLst/>
+            <a:cxnLst/>
+            <a:rect l="l" t="t" r="r" b="b"/>
             <a:pathLst>
-              <a:path extrusionOk="0" h="120000" w="120000">
+              <a:path w="120000" h="120000" extrusionOk="0">
                 <a:moveTo>
                   <a:pt x="0" y="0"/>
                 </a:moveTo>
@@ -310,23 +328,25 @@
             </a:pathLst>
           </a:custGeom>
           <a:noFill/>
-          <a:ln cap="flat" cmpd="sng" w="9525">
+          <a:ln w="9525" cap="flat" cmpd="sng">
             <a:solidFill>
               <a:srgbClr val="000000"/>
             </a:solidFill>
             <a:prstDash val="solid"/>
             <a:round/>
-            <a:headEnd len="sm" w="sm" type="none"/>
-            <a:tailEnd len="sm" w="sm" type="none"/>
+            <a:headEnd type="none" w="sm" len="sm"/>
+            <a:tailEnd type="none" w="sm" len="sm"/>
           </a:ln>
         </p:spPr>
       </p:sp>
       <p:sp>
         <p:nvSpPr>
           <p:cNvPr id="4" name="Google Shape;4;n"/>
-          <p:cNvSpPr txBox="1"/>
+          <p:cNvSpPr txBox="1">
+            <a:spLocks noGrp="1"/>
+          </p:cNvSpPr>
           <p:nvPr>
-            <p:ph idx="1" type="body"/>
+            <p:ph type="body" idx="1"/>
           </p:nvPr>
         </p:nvSpPr>
         <p:spPr>
@@ -343,11 +363,11 @@
           </a:ln>
         </p:spPr>
         <p:txBody>
-          <a:bodyPr anchorCtr="0" anchor="t" bIns="91425" lIns="91425" spcFirstLastPara="1" rIns="91425" wrap="square" tIns="91425">
+          <a:bodyPr spcFirstLastPara="1" wrap="square" lIns="91425" tIns="91425" rIns="91425" bIns="91425" anchor="t" anchorCtr="0">
             <a:noAutofit/>
           </a:bodyPr>
           <a:lstStyle>
-            <a:lvl1pPr indent="-317500" lvl="0" marL="457200">
+            <a:lvl1pPr marL="457200" lvl="0" indent="-317500">
               <a:spcBef>
                 <a:spcPts val="0"/>
               </a:spcBef>
@@ -358,7 +378,7 @@
               <a:buChar char="●"/>
               <a:defRPr sz="1100"/>
             </a:lvl1pPr>
-            <a:lvl2pPr indent="-317500" lvl="1" marL="914400">
+            <a:lvl2pPr marL="914400" lvl="1" indent="-317500">
               <a:spcBef>
                 <a:spcPts val="0"/>
               </a:spcBef>
@@ -369,7 +389,7 @@
               <a:buChar char="○"/>
               <a:defRPr sz="1100"/>
             </a:lvl2pPr>
-            <a:lvl3pPr indent="-317500" lvl="2" marL="1371600">
+            <a:lvl3pPr marL="1371600" lvl="2" indent="-317500">
               <a:spcBef>
                 <a:spcPts val="0"/>
               </a:spcBef>
@@ -380,7 +400,7 @@
               <a:buChar char="■"/>
               <a:defRPr sz="1100"/>
             </a:lvl3pPr>
-            <a:lvl4pPr indent="-317500" lvl="3" marL="1828800">
+            <a:lvl4pPr marL="1828800" lvl="3" indent="-317500">
               <a:spcBef>
                 <a:spcPts val="0"/>
               </a:spcBef>
@@ -391,7 +411,7 @@
               <a:buChar char="●"/>
               <a:defRPr sz="1100"/>
             </a:lvl4pPr>
-            <a:lvl5pPr indent="-317500" lvl="4" marL="2286000">
+            <a:lvl5pPr marL="2286000" lvl="4" indent="-317500">
               <a:spcBef>
                 <a:spcPts val="0"/>
               </a:spcBef>
@@ -402,7 +422,7 @@
               <a:buChar char="○"/>
               <a:defRPr sz="1100"/>
             </a:lvl5pPr>
-            <a:lvl6pPr indent="-317500" lvl="5" marL="2743200">
+            <a:lvl6pPr marL="2743200" lvl="5" indent="-317500">
               <a:spcBef>
                 <a:spcPts val="0"/>
               </a:spcBef>
@@ -413,7 +433,7 @@
               <a:buChar char="■"/>
               <a:defRPr sz="1100"/>
             </a:lvl6pPr>
-            <a:lvl7pPr indent="-317500" lvl="6" marL="3200400">
+            <a:lvl7pPr marL="3200400" lvl="6" indent="-317500">
               <a:spcBef>
                 <a:spcPts val="0"/>
               </a:spcBef>
@@ -424,7 +444,7 @@
               <a:buChar char="●"/>
               <a:defRPr sz="1100"/>
             </a:lvl7pPr>
-            <a:lvl8pPr indent="-317500" lvl="7" marL="3657600">
+            <a:lvl8pPr marL="3657600" lvl="7" indent="-317500">
               <a:spcBef>
                 <a:spcPts val="0"/>
               </a:spcBef>
@@ -435,7 +455,7 @@
               <a:buChar char="○"/>
               <a:defRPr sz="1100"/>
             </a:lvl8pPr>
-            <a:lvl9pPr indent="-317500" lvl="8" marL="4114800">
+            <a:lvl9pPr marL="4114800" lvl="8" indent="-317500">
               <a:spcBef>
                 <a:spcPts val="0"/>
               </a:spcBef>
@@ -447,14 +467,16 @@
               <a:defRPr sz="1100"/>
             </a:lvl9pPr>
           </a:lstStyle>
-          <a:p/>
+          <a:p>
+            <a:endParaRPr/>
+          </a:p>
         </p:txBody>
       </p:sp>
     </p:spTree>
   </p:cSld>
-  <p:clrMap accent1="accent1" accent2="accent2" accent3="accent3" accent4="accent4" accent5="accent5" accent6="accent6" bg1="lt1" bg2="dk2" tx1="dk1" tx2="lt2" folHlink="folHlink" hlink="hlink"/>
+  <p:clrMap bg1="lt1" tx1="dk1" bg2="dk2" tx2="lt2" accent1="accent1" accent2="accent2" accent3="accent3" accent4="accent4" accent5="accent5" accent6="accent6" hlink="hlink" folHlink="folHlink"/>
   <p:notesStyle>
-    <a:defPPr lvl="0" marR="0" rtl="0" algn="l">
+    <a:defPPr marR="0" lvl="0" algn="l" rtl="0">
       <a:lnSpc>
         <a:spcPct val="100000"/>
       </a:lnSpc>
@@ -465,7 +487,7 @@
         <a:spcPts val="0"/>
       </a:spcAft>
     </a:defPPr>
-    <a:lvl1pPr lvl="0" marR="0" rtl="0" algn="l">
+    <a:lvl1pPr marR="0" lvl="0" algn="l" rtl="0">
       <a:lnSpc>
         <a:spcPct val="100000"/>
       </a:lnSpc>
@@ -479,7 +501,7 @@
         <a:srgbClr val="000000"/>
       </a:buClr>
       <a:buFont typeface="Arial"/>
-      <a:defRPr b="0" i="0" sz="1400" u="none" cap="none" strike="noStrike">
+      <a:defRPr sz="1400" b="0" i="0" u="none" strike="noStrike" cap="none">
         <a:solidFill>
           <a:srgbClr val="000000"/>
         </a:solidFill>
@@ -489,7 +511,7 @@
         <a:sym typeface="Arial"/>
       </a:defRPr>
     </a:lvl1pPr>
-    <a:lvl2pPr lvl="1" marR="0" rtl="0" algn="l">
+    <a:lvl2pPr marR="0" lvl="1" algn="l" rtl="0">
       <a:lnSpc>
         <a:spcPct val="100000"/>
       </a:lnSpc>
@@ -503,7 +525,7 @@
         <a:srgbClr val="000000"/>
       </a:buClr>
       <a:buFont typeface="Arial"/>
-      <a:defRPr b="0" i="0" sz="1400" u="none" cap="none" strike="noStrike">
+      <a:defRPr sz="1400" b="0" i="0" u="none" strike="noStrike" cap="none">
         <a:solidFill>
           <a:srgbClr val="000000"/>
         </a:solidFill>
@@ -513,7 +535,7 @@
         <a:sym typeface="Arial"/>
       </a:defRPr>
     </a:lvl2pPr>
-    <a:lvl3pPr lvl="2" marR="0" rtl="0" algn="l">
+    <a:lvl3pPr marR="0" lvl="2" algn="l" rtl="0">
       <a:lnSpc>
         <a:spcPct val="100000"/>
       </a:lnSpc>
@@ -527,7 +549,7 @@
         <a:srgbClr val="000000"/>
       </a:buClr>
       <a:buFont typeface="Arial"/>
-      <a:defRPr b="0" i="0" sz="1400" u="none" cap="none" strike="noStrike">
+      <a:defRPr sz="1400" b="0" i="0" u="none" strike="noStrike" cap="none">
         <a:solidFill>
           <a:srgbClr val="000000"/>
         </a:solidFill>
@@ -537,7 +559,7 @@
         <a:sym typeface="Arial"/>
       </a:defRPr>
     </a:lvl3pPr>
-    <a:lvl4pPr lvl="3" marR="0" rtl="0" algn="l">
+    <a:lvl4pPr marR="0" lvl="3" algn="l" rtl="0">
       <a:lnSpc>
         <a:spcPct val="100000"/>
       </a:lnSpc>
@@ -551,7 +573,7 @@
         <a:srgbClr val="000000"/>
       </a:buClr>
       <a:buFont typeface="Arial"/>
-      <a:defRPr b="0" i="0" sz="1400" u="none" cap="none" strike="noStrike">
+      <a:defRPr sz="1400" b="0" i="0" u="none" strike="noStrike" cap="none">
         <a:solidFill>
           <a:srgbClr val="000000"/>
         </a:solidFill>
@@ -561,7 +583,7 @@
         <a:sym typeface="Arial"/>
       </a:defRPr>
     </a:lvl4pPr>
-    <a:lvl5pPr lvl="4" marR="0" rtl="0" algn="l">
+    <a:lvl5pPr marR="0" lvl="4" algn="l" rtl="0">
       <a:lnSpc>
         <a:spcPct val="100000"/>
       </a:lnSpc>
@@ -575,7 +597,7 @@
         <a:srgbClr val="000000"/>
       </a:buClr>
       <a:buFont typeface="Arial"/>
-      <a:defRPr b="0" i="0" sz="1400" u="none" cap="none" strike="noStrike">
+      <a:defRPr sz="1400" b="0" i="0" u="none" strike="noStrike" cap="none">
         <a:solidFill>
           <a:srgbClr val="000000"/>
         </a:solidFill>
@@ -585,7 +607,7 @@
         <a:sym typeface="Arial"/>
       </a:defRPr>
     </a:lvl5pPr>
-    <a:lvl6pPr lvl="5" marR="0" rtl="0" algn="l">
+    <a:lvl6pPr marR="0" lvl="5" algn="l" rtl="0">
       <a:lnSpc>
         <a:spcPct val="100000"/>
       </a:lnSpc>
@@ -599,7 +621,7 @@
         <a:srgbClr val="000000"/>
       </a:buClr>
       <a:buFont typeface="Arial"/>
-      <a:defRPr b="0" i="0" sz="1400" u="none" cap="none" strike="noStrike">
+      <a:defRPr sz="1400" b="0" i="0" u="none" strike="noStrike" cap="none">
         <a:solidFill>
           <a:srgbClr val="000000"/>
         </a:solidFill>
@@ -609,7 +631,7 @@
         <a:sym typeface="Arial"/>
       </a:defRPr>
     </a:lvl6pPr>
-    <a:lvl7pPr lvl="6" marR="0" rtl="0" algn="l">
+    <a:lvl7pPr marR="0" lvl="6" algn="l" rtl="0">
       <a:lnSpc>
         <a:spcPct val="100000"/>
       </a:lnSpc>
@@ -623,7 +645,7 @@
         <a:srgbClr val="000000"/>
       </a:buClr>
       <a:buFont typeface="Arial"/>
-      <a:defRPr b="0" i="0" sz="1400" u="none" cap="none" strike="noStrike">
+      <a:defRPr sz="1400" b="0" i="0" u="none" strike="noStrike" cap="none">
         <a:solidFill>
           <a:srgbClr val="000000"/>
         </a:solidFill>
@@ -633,7 +655,7 @@
         <a:sym typeface="Arial"/>
       </a:defRPr>
     </a:lvl7pPr>
-    <a:lvl8pPr lvl="7" marR="0" rtl="0" algn="l">
+    <a:lvl8pPr marR="0" lvl="7" algn="l" rtl="0">
       <a:lnSpc>
         <a:spcPct val="100000"/>
       </a:lnSpc>
@@ -647,7 +669,7 @@
         <a:srgbClr val="000000"/>
       </a:buClr>
       <a:buFont typeface="Arial"/>
-      <a:defRPr b="0" i="0" sz="1400" u="none" cap="none" strike="noStrike">
+      <a:defRPr sz="1400" b="0" i="0" u="none" strike="noStrike" cap="none">
         <a:solidFill>
           <a:srgbClr val="000000"/>
         </a:solidFill>
@@ -657,7 +679,7 @@
         <a:sym typeface="Arial"/>
       </a:defRPr>
     </a:lvl8pPr>
-    <a:lvl9pPr lvl="8" marR="0" rtl="0" algn="l">
+    <a:lvl9pPr marR="0" lvl="8" algn="l" rtl="0">
       <a:lnSpc>
         <a:spcPct val="100000"/>
       </a:lnSpc>
@@ -671,7 +693,7 @@
         <a:srgbClr val="000000"/>
       </a:buClr>
       <a:buFont typeface="Arial"/>
-      <a:defRPr b="0" i="0" sz="1400" u="none" cap="none" strike="noStrike">
+      <a:defRPr sz="1400" b="0" i="0" u="none" strike="noStrike" cap="none">
         <a:solidFill>
           <a:srgbClr val="000000"/>
         </a:solidFill>
@@ -686,11 +708,11 @@
 </file>
 
 <file path=ppt/notesSlides/notesSlide1.xml><?xml version="1.0" encoding="utf-8"?>
-<p:notes xmlns:a="http://schemas.openxmlformats.org/drawingml/2006/main" xmlns:r="http://schemas.openxmlformats.org/officeDocument/2006/relationships" xmlns:mc="http://schemas.openxmlformats.org/markup-compatibility/2006" xmlns:mv="urn:schemas-microsoft-com:mac:vml" xmlns:p="http://schemas.openxmlformats.org/presentationml/2006/main" xmlns:c="http://schemas.openxmlformats.org/drawingml/2006/chart" xmlns:dgm="http://schemas.openxmlformats.org/drawingml/2006/diagram" xmlns:o="urn:schemas-microsoft-com:office:office" xmlns:v="urn:schemas-microsoft-com:vml" xmlns:pvml="urn:schemas-microsoft-com:office:powerpoint" xmlns:com="http://schemas.openxmlformats.org/drawingml/2006/compatibility" xmlns:p14="http://schemas.microsoft.com/office/powerpoint/2010/main" xmlns:p15="http://schemas.microsoft.com/office/powerpoint/2012/main" showMasterPhAnim="0" showMasterSp="0">
+<p:notes xmlns:a="http://schemas.openxmlformats.org/drawingml/2006/main" xmlns:r="http://schemas.openxmlformats.org/officeDocument/2006/relationships" xmlns:p="http://schemas.openxmlformats.org/presentationml/2006/main" showMasterSp="0" showMasterPhAnim="0">
   <p:cSld>
     <p:spTree>
       <p:nvGrpSpPr>
-        <p:cNvPr id="82" name="Shape 82"/>
+        <p:cNvPr id="1" name="Shape 82"/>
         <p:cNvGrpSpPr/>
         <p:nvPr/>
       </p:nvGrpSpPr>
@@ -705,9 +727,11 @@
       <p:sp>
         <p:nvSpPr>
           <p:cNvPr id="83" name="Google Shape;83;gc6f9e470d_0_0:notes"/>
-          <p:cNvSpPr/>
+          <p:cNvSpPr>
+            <a:spLocks noGrp="1" noRot="1" noChangeAspect="1"/>
+          </p:cNvSpPr>
           <p:nvPr>
-            <p:ph idx="2" type="sldImg"/>
+            <p:ph type="sldImg" idx="2"/>
           </p:nvPr>
         </p:nvSpPr>
         <p:spPr>
@@ -716,9 +740,13 @@
             <a:ext cx="6096300" cy="3429000"/>
           </a:xfrm>
           <a:custGeom>
-            <a:rect b="b" l="l" r="r" t="t"/>
+            <a:avLst/>
+            <a:gdLst/>
+            <a:ahLst/>
+            <a:cxnLst/>
+            <a:rect l="l" t="t" r="r" b="b"/>
             <a:pathLst>
-              <a:path extrusionOk="0" h="120000" w="120000">
+              <a:path w="120000" h="120000" extrusionOk="0">
                 <a:moveTo>
                   <a:pt x="0" y="0"/>
                 </a:moveTo>
@@ -740,9 +768,11 @@
       <p:sp>
         <p:nvSpPr>
           <p:cNvPr id="84" name="Google Shape;84;gc6f9e470d_0_0:notes"/>
-          <p:cNvSpPr txBox="1"/>
+          <p:cNvSpPr txBox="1">
+            <a:spLocks noGrp="1"/>
+          </p:cNvSpPr>
           <p:nvPr>
-            <p:ph idx="1" type="body"/>
+            <p:ph type="body" idx="1"/>
           </p:nvPr>
         </p:nvSpPr>
         <p:spPr>
@@ -755,12 +785,12 @@
           </a:prstGeom>
         </p:spPr>
         <p:txBody>
-          <a:bodyPr anchorCtr="0" anchor="t" bIns="91425" lIns="91425" spcFirstLastPara="1" rIns="91425" wrap="square" tIns="91425">
+          <a:bodyPr spcFirstLastPara="1" wrap="square" lIns="91425" tIns="91425" rIns="91425" bIns="91425" anchor="t" anchorCtr="0">
             <a:noAutofit/>
           </a:bodyPr>
           <a:lstStyle/>
           <a:p>
-            <a:pPr indent="0" lvl="0" marL="0" rtl="0" algn="l">
+            <a:pPr marL="0" lvl="0" indent="0" algn="l" rtl="0">
               <a:spcBef>
                 <a:spcPts val="0"/>
               </a:spcBef>
@@ -769,9 +799,6 @@
               </a:spcAft>
               <a:buNone/>
             </a:pPr>
-            <a:r>
-              <a:t/>
-            </a:r>
             <a:endParaRPr/>
           </a:p>
         </p:txBody>
@@ -785,11 +812,11 @@
 </file>
 
 <file path=ppt/notesSlides/notesSlide2.xml><?xml version="1.0" encoding="utf-8"?>
-<p:notes xmlns:a="http://schemas.openxmlformats.org/drawingml/2006/main" xmlns:r="http://schemas.openxmlformats.org/officeDocument/2006/relationships" xmlns:mc="http://schemas.openxmlformats.org/markup-compatibility/2006" xmlns:mv="urn:schemas-microsoft-com:mac:vml" xmlns:p="http://schemas.openxmlformats.org/presentationml/2006/main" xmlns:c="http://schemas.openxmlformats.org/drawingml/2006/chart" xmlns:dgm="http://schemas.openxmlformats.org/drawingml/2006/diagram" xmlns:o="urn:schemas-microsoft-com:office:office" xmlns:v="urn:schemas-microsoft-com:vml" xmlns:pvml="urn:schemas-microsoft-com:office:powerpoint" xmlns:com="http://schemas.openxmlformats.org/drawingml/2006/compatibility" xmlns:p14="http://schemas.microsoft.com/office/powerpoint/2010/main" xmlns:p15="http://schemas.microsoft.com/office/powerpoint/2012/main" showMasterPhAnim="0" showMasterSp="0">
+<p:notes xmlns:a="http://schemas.openxmlformats.org/drawingml/2006/main" xmlns:r="http://schemas.openxmlformats.org/officeDocument/2006/relationships" xmlns:p="http://schemas.openxmlformats.org/presentationml/2006/main" showMasterSp="0" showMasterPhAnim="0">
   <p:cSld>
     <p:spTree>
       <p:nvGrpSpPr>
-        <p:cNvPr id="89" name="Shape 89"/>
+        <p:cNvPr id="1" name="Shape 89"/>
         <p:cNvGrpSpPr/>
         <p:nvPr/>
       </p:nvGrpSpPr>
@@ -804,9 +831,11 @@
       <p:sp>
         <p:nvSpPr>
           <p:cNvPr id="90" name="Google Shape;90;gc6f9e470d_0_5:notes"/>
-          <p:cNvSpPr/>
+          <p:cNvSpPr>
+            <a:spLocks noGrp="1" noRot="1" noChangeAspect="1"/>
+          </p:cNvSpPr>
           <p:nvPr>
-            <p:ph idx="2" type="sldImg"/>
+            <p:ph type="sldImg" idx="2"/>
           </p:nvPr>
         </p:nvSpPr>
         <p:spPr>
@@ -815,9 +844,13 @@
             <a:ext cx="6096300" cy="3429000"/>
           </a:xfrm>
           <a:custGeom>
-            <a:rect b="b" l="l" r="r" t="t"/>
+            <a:avLst/>
+            <a:gdLst/>
+            <a:ahLst/>
+            <a:cxnLst/>
+            <a:rect l="l" t="t" r="r" b="b"/>
             <a:pathLst>
-              <a:path extrusionOk="0" h="120000" w="120000">
+              <a:path w="120000" h="120000" extrusionOk="0">
                 <a:moveTo>
                   <a:pt x="0" y="0"/>
                 </a:moveTo>
@@ -839,9 +872,11 @@
       <p:sp>
         <p:nvSpPr>
           <p:cNvPr id="91" name="Google Shape;91;gc6f9e470d_0_5:notes"/>
-          <p:cNvSpPr txBox="1"/>
+          <p:cNvSpPr txBox="1">
+            <a:spLocks noGrp="1"/>
+          </p:cNvSpPr>
           <p:nvPr>
-            <p:ph idx="1" type="body"/>
+            <p:ph type="body" idx="1"/>
           </p:nvPr>
         </p:nvSpPr>
         <p:spPr>
@@ -854,12 +889,12 @@
           </a:prstGeom>
         </p:spPr>
         <p:txBody>
-          <a:bodyPr anchorCtr="0" anchor="t" bIns="91425" lIns="91425" spcFirstLastPara="1" rIns="91425" wrap="square" tIns="91425">
+          <a:bodyPr spcFirstLastPara="1" wrap="square" lIns="91425" tIns="91425" rIns="91425" bIns="91425" anchor="t" anchorCtr="0">
             <a:noAutofit/>
           </a:bodyPr>
           <a:lstStyle/>
           <a:p>
-            <a:pPr indent="0" lvl="0" marL="0" rtl="0" algn="l">
+            <a:pPr marL="0" lvl="0" indent="0" algn="l" rtl="0">
               <a:spcBef>
                 <a:spcPts val="0"/>
               </a:spcBef>
@@ -868,9 +903,6 @@
               </a:spcAft>
               <a:buNone/>
             </a:pPr>
-            <a:r>
-              <a:t/>
-            </a:r>
             <a:endParaRPr/>
           </a:p>
         </p:txBody>
@@ -884,11 +916,11 @@
 </file>
 
 <file path=ppt/notesSlides/notesSlide3.xml><?xml version="1.0" encoding="utf-8"?>
-<p:notes xmlns:a="http://schemas.openxmlformats.org/drawingml/2006/main" xmlns:r="http://schemas.openxmlformats.org/officeDocument/2006/relationships" xmlns:mc="http://schemas.openxmlformats.org/markup-compatibility/2006" xmlns:mv="urn:schemas-microsoft-com:mac:vml" xmlns:p="http://schemas.openxmlformats.org/presentationml/2006/main" xmlns:c="http://schemas.openxmlformats.org/drawingml/2006/chart" xmlns:dgm="http://schemas.openxmlformats.org/drawingml/2006/diagram" xmlns:o="urn:schemas-microsoft-com:office:office" xmlns:v="urn:schemas-microsoft-com:vml" xmlns:pvml="urn:schemas-microsoft-com:office:powerpoint" xmlns:com="http://schemas.openxmlformats.org/drawingml/2006/compatibility" xmlns:p14="http://schemas.microsoft.com/office/powerpoint/2010/main" xmlns:p15="http://schemas.microsoft.com/office/powerpoint/2012/main" showMasterPhAnim="0" showMasterSp="0">
+<p:notes xmlns:a="http://schemas.openxmlformats.org/drawingml/2006/main" xmlns:r="http://schemas.openxmlformats.org/officeDocument/2006/relationships" xmlns:p="http://schemas.openxmlformats.org/presentationml/2006/main" showMasterSp="0" showMasterPhAnim="0">
   <p:cSld>
     <p:spTree>
       <p:nvGrpSpPr>
-        <p:cNvPr id="110" name="Shape 110"/>
+        <p:cNvPr id="1" name="Shape 110"/>
         <p:cNvGrpSpPr/>
         <p:nvPr/>
       </p:nvGrpSpPr>
@@ -903,9 +935,11 @@
       <p:sp>
         <p:nvSpPr>
           <p:cNvPr id="111" name="Google Shape;111;g2ded56b2b7_1_20:notes"/>
-          <p:cNvSpPr/>
+          <p:cNvSpPr>
+            <a:spLocks noGrp="1" noRot="1" noChangeAspect="1"/>
+          </p:cNvSpPr>
           <p:nvPr>
-            <p:ph idx="2" type="sldImg"/>
+            <p:ph type="sldImg" idx="2"/>
           </p:nvPr>
         </p:nvSpPr>
         <p:spPr>
@@ -914,9 +948,13 @@
             <a:ext cx="6096000" cy="3429000"/>
           </a:xfrm>
           <a:custGeom>
-            <a:rect b="b" l="l" r="r" t="t"/>
+            <a:avLst/>
+            <a:gdLst/>
+            <a:ahLst/>
+            <a:cxnLst/>
+            <a:rect l="l" t="t" r="r" b="b"/>
             <a:pathLst>
-              <a:path extrusionOk="0" h="120000" w="120000">
+              <a:path w="120000" h="120000" extrusionOk="0">
                 <a:moveTo>
                   <a:pt x="0" y="0"/>
                 </a:moveTo>
@@ -938,9 +976,11 @@
       <p:sp>
         <p:nvSpPr>
           <p:cNvPr id="112" name="Google Shape;112;g2ded56b2b7_1_20:notes"/>
-          <p:cNvSpPr txBox="1"/>
+          <p:cNvSpPr txBox="1">
+            <a:spLocks noGrp="1"/>
+          </p:cNvSpPr>
           <p:nvPr>
-            <p:ph idx="1" type="body"/>
+            <p:ph type="body" idx="1"/>
           </p:nvPr>
         </p:nvSpPr>
         <p:spPr>
@@ -953,12 +993,12 @@
           </a:prstGeom>
         </p:spPr>
         <p:txBody>
-          <a:bodyPr anchorCtr="0" anchor="t" bIns="91425" lIns="91425" spcFirstLastPara="1" rIns="91425" wrap="square" tIns="91425">
+          <a:bodyPr spcFirstLastPara="1" wrap="square" lIns="91425" tIns="91425" rIns="91425" bIns="91425" anchor="t" anchorCtr="0">
             <a:noAutofit/>
           </a:bodyPr>
           <a:lstStyle/>
           <a:p>
-            <a:pPr indent="0" lvl="0" marL="0" rtl="0" algn="l">
+            <a:pPr marL="0" lvl="0" indent="0" algn="l" rtl="0">
               <a:spcBef>
                 <a:spcPts val="0"/>
               </a:spcBef>
@@ -967,9 +1007,6 @@
               </a:spcAft>
               <a:buNone/>
             </a:pPr>
-            <a:r>
-              <a:t/>
-            </a:r>
             <a:endParaRPr/>
           </a:p>
         </p:txBody>
@@ -983,11 +1020,11 @@
 </file>
 
 <file path=ppt/notesSlides/notesSlide4.xml><?xml version="1.0" encoding="utf-8"?>
-<p:notes xmlns:a="http://schemas.openxmlformats.org/drawingml/2006/main" xmlns:r="http://schemas.openxmlformats.org/officeDocument/2006/relationships" xmlns:mc="http://schemas.openxmlformats.org/markup-compatibility/2006" xmlns:mv="urn:schemas-microsoft-com:mac:vml" xmlns:p="http://schemas.openxmlformats.org/presentationml/2006/main" xmlns:c="http://schemas.openxmlformats.org/drawingml/2006/chart" xmlns:dgm="http://schemas.openxmlformats.org/drawingml/2006/diagram" xmlns:o="urn:schemas-microsoft-com:office:office" xmlns:v="urn:schemas-microsoft-com:vml" xmlns:pvml="urn:schemas-microsoft-com:office:powerpoint" xmlns:com="http://schemas.openxmlformats.org/drawingml/2006/compatibility" xmlns:p14="http://schemas.microsoft.com/office/powerpoint/2010/main" xmlns:p15="http://schemas.microsoft.com/office/powerpoint/2012/main" showMasterPhAnim="0" showMasterSp="0">
+<p:notes xmlns:a="http://schemas.openxmlformats.org/drawingml/2006/main" xmlns:r="http://schemas.openxmlformats.org/officeDocument/2006/relationships" xmlns:p="http://schemas.openxmlformats.org/presentationml/2006/main" showMasterSp="0" showMasterPhAnim="0">
   <p:cSld>
     <p:spTree>
       <p:nvGrpSpPr>
-        <p:cNvPr id="119" name="Shape 119"/>
+        <p:cNvPr id="1" name="Shape 119"/>
         <p:cNvGrpSpPr/>
         <p:nvPr/>
       </p:nvGrpSpPr>
@@ -1002,9 +1039,11 @@
       <p:sp>
         <p:nvSpPr>
           <p:cNvPr id="120" name="Google Shape;120;g2decda3c2b_0_12:notes"/>
-          <p:cNvSpPr/>
+          <p:cNvSpPr>
+            <a:spLocks noGrp="1" noRot="1" noChangeAspect="1"/>
+          </p:cNvSpPr>
           <p:nvPr>
-            <p:ph idx="2" type="sldImg"/>
+            <p:ph type="sldImg" idx="2"/>
           </p:nvPr>
         </p:nvSpPr>
         <p:spPr>
@@ -1013,9 +1052,13 @@
             <a:ext cx="6096000" cy="3429000"/>
           </a:xfrm>
           <a:custGeom>
-            <a:rect b="b" l="l" r="r" t="t"/>
+            <a:avLst/>
+            <a:gdLst/>
+            <a:ahLst/>
+            <a:cxnLst/>
+            <a:rect l="l" t="t" r="r" b="b"/>
             <a:pathLst>
-              <a:path extrusionOk="0" h="120000" w="120000">
+              <a:path w="120000" h="120000" extrusionOk="0">
                 <a:moveTo>
                   <a:pt x="0" y="0"/>
                 </a:moveTo>
@@ -1037,9 +1080,11 @@
       <p:sp>
         <p:nvSpPr>
           <p:cNvPr id="121" name="Google Shape;121;g2decda3c2b_0_12:notes"/>
-          <p:cNvSpPr txBox="1"/>
+          <p:cNvSpPr txBox="1">
+            <a:spLocks noGrp="1"/>
+          </p:cNvSpPr>
           <p:nvPr>
-            <p:ph idx="1" type="body"/>
+            <p:ph type="body" idx="1"/>
           </p:nvPr>
         </p:nvSpPr>
         <p:spPr>
@@ -1052,12 +1097,12 @@
           </a:prstGeom>
         </p:spPr>
         <p:txBody>
-          <a:bodyPr anchorCtr="0" anchor="t" bIns="91425" lIns="91425" spcFirstLastPara="1" rIns="91425" wrap="square" tIns="91425">
+          <a:bodyPr spcFirstLastPara="1" wrap="square" lIns="91425" tIns="91425" rIns="91425" bIns="91425" anchor="t" anchorCtr="0">
             <a:noAutofit/>
           </a:bodyPr>
           <a:lstStyle/>
           <a:p>
-            <a:pPr indent="0" lvl="0" marL="0" rtl="0" algn="l">
+            <a:pPr marL="0" lvl="0" indent="0" algn="l" rtl="0">
               <a:spcBef>
                 <a:spcPts val="0"/>
               </a:spcBef>
@@ -1073,7 +1118,7 @@
             <a:endParaRPr/>
           </a:p>
           <a:p>
-            <a:pPr indent="0" lvl="0" marL="0" rtl="0" algn="l">
+            <a:pPr marL="0" lvl="0" indent="0" algn="l" rtl="0">
               <a:spcBef>
                 <a:spcPts val="0"/>
               </a:spcBef>
@@ -1089,7 +1134,7 @@
             <a:endParaRPr/>
           </a:p>
           <a:p>
-            <a:pPr indent="0" lvl="0" marL="0" rtl="0" algn="l">
+            <a:pPr marL="0" lvl="0" indent="0" algn="l" rtl="0">
               <a:spcBef>
                 <a:spcPts val="0"/>
               </a:spcBef>
@@ -1115,11 +1160,11 @@
 </file>
 
 <file path=ppt/notesSlides/notesSlide5.xml><?xml version="1.0" encoding="utf-8"?>
-<p:notes xmlns:a="http://schemas.openxmlformats.org/drawingml/2006/main" xmlns:r="http://schemas.openxmlformats.org/officeDocument/2006/relationships" xmlns:mc="http://schemas.openxmlformats.org/markup-compatibility/2006" xmlns:mv="urn:schemas-microsoft-com:mac:vml" xmlns:p="http://schemas.openxmlformats.org/presentationml/2006/main" xmlns:c="http://schemas.openxmlformats.org/drawingml/2006/chart" xmlns:dgm="http://schemas.openxmlformats.org/drawingml/2006/diagram" xmlns:o="urn:schemas-microsoft-com:office:office" xmlns:v="urn:schemas-microsoft-com:vml" xmlns:pvml="urn:schemas-microsoft-com:office:powerpoint" xmlns:com="http://schemas.openxmlformats.org/drawingml/2006/compatibility" xmlns:p14="http://schemas.microsoft.com/office/powerpoint/2010/main" xmlns:p15="http://schemas.microsoft.com/office/powerpoint/2012/main" showMasterPhAnim="0" showMasterSp="0">
+<p:notes xmlns:a="http://schemas.openxmlformats.org/drawingml/2006/main" xmlns:r="http://schemas.openxmlformats.org/officeDocument/2006/relationships" xmlns:p="http://schemas.openxmlformats.org/presentationml/2006/main" showMasterSp="0" showMasterPhAnim="0">
   <p:cSld>
     <p:spTree>
       <p:nvGrpSpPr>
-        <p:cNvPr id="125" name="Shape 125"/>
+        <p:cNvPr id="1" name="Shape 125"/>
         <p:cNvGrpSpPr/>
         <p:nvPr/>
       </p:nvGrpSpPr>
@@ -1134,9 +1179,11 @@
       <p:sp>
         <p:nvSpPr>
           <p:cNvPr id="126" name="Google Shape;126;g2ded56b2b7_1_15:notes"/>
-          <p:cNvSpPr/>
+          <p:cNvSpPr>
+            <a:spLocks noGrp="1" noRot="1" noChangeAspect="1"/>
+          </p:cNvSpPr>
           <p:nvPr>
-            <p:ph idx="2" type="sldImg"/>
+            <p:ph type="sldImg" idx="2"/>
           </p:nvPr>
         </p:nvSpPr>
         <p:spPr>
@@ -1145,9 +1192,13 @@
             <a:ext cx="6096000" cy="3429000"/>
           </a:xfrm>
           <a:custGeom>
-            <a:rect b="b" l="l" r="r" t="t"/>
+            <a:avLst/>
+            <a:gdLst/>
+            <a:ahLst/>
+            <a:cxnLst/>
+            <a:rect l="l" t="t" r="r" b="b"/>
             <a:pathLst>
-              <a:path extrusionOk="0" h="120000" w="120000">
+              <a:path w="120000" h="120000" extrusionOk="0">
                 <a:moveTo>
                   <a:pt x="0" y="0"/>
                 </a:moveTo>
@@ -1169,9 +1220,11 @@
       <p:sp>
         <p:nvSpPr>
           <p:cNvPr id="127" name="Google Shape;127;g2ded56b2b7_1_15:notes"/>
-          <p:cNvSpPr txBox="1"/>
+          <p:cNvSpPr txBox="1">
+            <a:spLocks noGrp="1"/>
+          </p:cNvSpPr>
           <p:nvPr>
-            <p:ph idx="1" type="body"/>
+            <p:ph type="body" idx="1"/>
           </p:nvPr>
         </p:nvSpPr>
         <p:spPr>
@@ -1184,12 +1237,12 @@
           </a:prstGeom>
         </p:spPr>
         <p:txBody>
-          <a:bodyPr anchorCtr="0" anchor="t" bIns="91425" lIns="91425" spcFirstLastPara="1" rIns="91425" wrap="square" tIns="91425">
+          <a:bodyPr spcFirstLastPara="1" wrap="square" lIns="91425" tIns="91425" rIns="91425" bIns="91425" anchor="t" anchorCtr="0">
             <a:noAutofit/>
           </a:bodyPr>
           <a:lstStyle/>
           <a:p>
-            <a:pPr indent="0" lvl="0" marL="0" rtl="0" algn="l">
+            <a:pPr marL="0" lvl="0" indent="0" algn="l" rtl="0">
               <a:spcBef>
                 <a:spcPts val="0"/>
               </a:spcBef>
@@ -1198,9 +1251,6 @@
               </a:spcAft>
               <a:buNone/>
             </a:pPr>
-            <a:r>
-              <a:t/>
-            </a:r>
             <a:endParaRPr/>
           </a:p>
         </p:txBody>
@@ -1214,11 +1264,11 @@
 </file>
 
 <file path=ppt/notesSlides/notesSlide6.xml><?xml version="1.0" encoding="utf-8"?>
-<p:notes xmlns:a="http://schemas.openxmlformats.org/drawingml/2006/main" xmlns:r="http://schemas.openxmlformats.org/officeDocument/2006/relationships" xmlns:mc="http://schemas.openxmlformats.org/markup-compatibility/2006" xmlns:mv="urn:schemas-microsoft-com:mac:vml" xmlns:p="http://schemas.openxmlformats.org/presentationml/2006/main" xmlns:c="http://schemas.openxmlformats.org/drawingml/2006/chart" xmlns:dgm="http://schemas.openxmlformats.org/drawingml/2006/diagram" xmlns:o="urn:schemas-microsoft-com:office:office" xmlns:v="urn:schemas-microsoft-com:vml" xmlns:pvml="urn:schemas-microsoft-com:office:powerpoint" xmlns:com="http://schemas.openxmlformats.org/drawingml/2006/compatibility" xmlns:p14="http://schemas.microsoft.com/office/powerpoint/2010/main" xmlns:p15="http://schemas.microsoft.com/office/powerpoint/2012/main" showMasterPhAnim="0" showMasterSp="0">
+<p:notes xmlns:a="http://schemas.openxmlformats.org/drawingml/2006/main" xmlns:r="http://schemas.openxmlformats.org/officeDocument/2006/relationships" xmlns:p="http://schemas.openxmlformats.org/presentationml/2006/main" showMasterSp="0" showMasterPhAnim="0">
   <p:cSld>
     <p:spTree>
       <p:nvGrpSpPr>
-        <p:cNvPr id="131" name="Shape 131"/>
+        <p:cNvPr id="1" name="Shape 131"/>
         <p:cNvGrpSpPr/>
         <p:nvPr/>
       </p:nvGrpSpPr>
@@ -1233,9 +1283,11 @@
       <p:sp>
         <p:nvSpPr>
           <p:cNvPr id="132" name="Google Shape;132;g2ded479d9b_2_12:notes"/>
-          <p:cNvSpPr/>
+          <p:cNvSpPr>
+            <a:spLocks noGrp="1" noRot="1" noChangeAspect="1"/>
+          </p:cNvSpPr>
           <p:nvPr>
-            <p:ph idx="2" type="sldImg"/>
+            <p:ph type="sldImg" idx="2"/>
           </p:nvPr>
         </p:nvSpPr>
         <p:spPr>
@@ -1244,9 +1296,13 @@
             <a:ext cx="6096000" cy="3429000"/>
           </a:xfrm>
           <a:custGeom>
-            <a:rect b="b" l="l" r="r" t="t"/>
+            <a:avLst/>
+            <a:gdLst/>
+            <a:ahLst/>
+            <a:cxnLst/>
+            <a:rect l="l" t="t" r="r" b="b"/>
             <a:pathLst>
-              <a:path extrusionOk="0" h="120000" w="120000">
+              <a:path w="120000" h="120000" extrusionOk="0">
                 <a:moveTo>
                   <a:pt x="0" y="0"/>
                 </a:moveTo>
@@ -1268,9 +1324,11 @@
       <p:sp>
         <p:nvSpPr>
           <p:cNvPr id="133" name="Google Shape;133;g2ded479d9b_2_12:notes"/>
-          <p:cNvSpPr txBox="1"/>
+          <p:cNvSpPr txBox="1">
+            <a:spLocks noGrp="1"/>
+          </p:cNvSpPr>
           <p:nvPr>
-            <p:ph idx="1" type="body"/>
+            <p:ph type="body" idx="1"/>
           </p:nvPr>
         </p:nvSpPr>
         <p:spPr>
@@ -1283,12 +1341,12 @@
           </a:prstGeom>
         </p:spPr>
         <p:txBody>
-          <a:bodyPr anchorCtr="0" anchor="t" bIns="91425" lIns="91425" spcFirstLastPara="1" rIns="91425" wrap="square" tIns="91425">
+          <a:bodyPr spcFirstLastPara="1" wrap="square" lIns="91425" tIns="91425" rIns="91425" bIns="91425" anchor="t" anchorCtr="0">
             <a:noAutofit/>
           </a:bodyPr>
           <a:lstStyle/>
           <a:p>
-            <a:pPr indent="0" lvl="0" marL="0" rtl="0" algn="l">
+            <a:pPr marL="0" lvl="0" indent="0" algn="l" rtl="0">
               <a:spcBef>
                 <a:spcPts val="0"/>
               </a:spcBef>
@@ -1297,9 +1355,6 @@
               </a:spcAft>
               <a:buNone/>
             </a:pPr>
-            <a:r>
-              <a:t/>
-            </a:r>
             <a:endParaRPr/>
           </a:p>
         </p:txBody>
@@ -1313,11 +1368,11 @@
 </file>
 
 <file path=ppt/notesSlides/notesSlide7.xml><?xml version="1.0" encoding="utf-8"?>
-<p:notes xmlns:a="http://schemas.openxmlformats.org/drawingml/2006/main" xmlns:r="http://schemas.openxmlformats.org/officeDocument/2006/relationships" xmlns:mc="http://schemas.openxmlformats.org/markup-compatibility/2006" xmlns:mv="urn:schemas-microsoft-com:mac:vml" xmlns:p="http://schemas.openxmlformats.org/presentationml/2006/main" xmlns:c="http://schemas.openxmlformats.org/drawingml/2006/chart" xmlns:dgm="http://schemas.openxmlformats.org/drawingml/2006/diagram" xmlns:o="urn:schemas-microsoft-com:office:office" xmlns:v="urn:schemas-microsoft-com:vml" xmlns:pvml="urn:schemas-microsoft-com:office:powerpoint" xmlns:com="http://schemas.openxmlformats.org/drawingml/2006/compatibility" xmlns:p14="http://schemas.microsoft.com/office/powerpoint/2010/main" xmlns:p15="http://schemas.microsoft.com/office/powerpoint/2012/main" showMasterPhAnim="0" showMasterSp="0">
+<p:notes xmlns:a="http://schemas.openxmlformats.org/drawingml/2006/main" xmlns:r="http://schemas.openxmlformats.org/officeDocument/2006/relationships" xmlns:p="http://schemas.openxmlformats.org/presentationml/2006/main" showMasterSp="0" showMasterPhAnim="0">
   <p:cSld>
     <p:spTree>
       <p:nvGrpSpPr>
-        <p:cNvPr id="137" name="Shape 137"/>
+        <p:cNvPr id="1" name="Shape 137"/>
         <p:cNvGrpSpPr/>
         <p:nvPr/>
       </p:nvGrpSpPr>
@@ -1332,9 +1387,11 @@
       <p:sp>
         <p:nvSpPr>
           <p:cNvPr id="138" name="Google Shape;138;g2ded479d9b_2_19:notes"/>
-          <p:cNvSpPr/>
+          <p:cNvSpPr>
+            <a:spLocks noGrp="1" noRot="1" noChangeAspect="1"/>
+          </p:cNvSpPr>
           <p:nvPr>
-            <p:ph idx="2" type="sldImg"/>
+            <p:ph type="sldImg" idx="2"/>
           </p:nvPr>
         </p:nvSpPr>
         <p:spPr>
@@ -1343,9 +1400,13 @@
             <a:ext cx="6096000" cy="3429000"/>
           </a:xfrm>
           <a:custGeom>
-            <a:rect b="b" l="l" r="r" t="t"/>
+            <a:avLst/>
+            <a:gdLst/>
+            <a:ahLst/>
+            <a:cxnLst/>
+            <a:rect l="l" t="t" r="r" b="b"/>
             <a:pathLst>
-              <a:path extrusionOk="0" h="120000" w="120000">
+              <a:path w="120000" h="120000" extrusionOk="0">
                 <a:moveTo>
                   <a:pt x="0" y="0"/>
                 </a:moveTo>
@@ -1367,9 +1428,11 @@
       <p:sp>
         <p:nvSpPr>
           <p:cNvPr id="139" name="Google Shape;139;g2ded479d9b_2_19:notes"/>
-          <p:cNvSpPr txBox="1"/>
+          <p:cNvSpPr txBox="1">
+            <a:spLocks noGrp="1"/>
+          </p:cNvSpPr>
           <p:nvPr>
-            <p:ph idx="1" type="body"/>
+            <p:ph type="body" idx="1"/>
           </p:nvPr>
         </p:nvSpPr>
         <p:spPr>
@@ -1382,12 +1445,12 @@
           </a:prstGeom>
         </p:spPr>
         <p:txBody>
-          <a:bodyPr anchorCtr="0" anchor="t" bIns="91425" lIns="91425" spcFirstLastPara="1" rIns="91425" wrap="square" tIns="91425">
+          <a:bodyPr spcFirstLastPara="1" wrap="square" lIns="91425" tIns="91425" rIns="91425" bIns="91425" anchor="t" anchorCtr="0">
             <a:noAutofit/>
           </a:bodyPr>
           <a:lstStyle/>
           <a:p>
-            <a:pPr indent="0" lvl="0" marL="0" rtl="0" algn="l">
+            <a:pPr marL="0" lvl="0" indent="0" algn="l" rtl="0">
               <a:spcBef>
                 <a:spcPts val="0"/>
               </a:spcBef>
@@ -1396,9 +1459,6 @@
               </a:spcAft>
               <a:buNone/>
             </a:pPr>
-            <a:r>
-              <a:t/>
-            </a:r>
             <a:endParaRPr/>
           </a:p>
         </p:txBody>
@@ -1412,18 +1472,19 @@
 </file>
 
 <file path=ppt/slideLayouts/slideLayout1.xml><?xml version="1.0" encoding="utf-8"?>
-<p:sldLayout xmlns:a="http://schemas.openxmlformats.org/drawingml/2006/main" xmlns:r="http://schemas.openxmlformats.org/officeDocument/2006/relationships" xmlns:mc="http://schemas.openxmlformats.org/markup-compatibility/2006" xmlns:mv="urn:schemas-microsoft-com:mac:vml" xmlns:p="http://schemas.openxmlformats.org/presentationml/2006/main" xmlns:c="http://schemas.openxmlformats.org/drawingml/2006/chart" xmlns:dgm="http://schemas.openxmlformats.org/drawingml/2006/diagram" xmlns:o="urn:schemas-microsoft-com:office:office" xmlns:v="urn:schemas-microsoft-com:vml" xmlns:pvml="urn:schemas-microsoft-com:office:powerpoint" xmlns:com="http://schemas.openxmlformats.org/drawingml/2006/compatibility" xmlns:p14="http://schemas.microsoft.com/office/powerpoint/2010/main" xmlns:p15="http://schemas.microsoft.com/office/powerpoint/2012/main" matchingName="Title slide" type="title">
+<p:sldLayout xmlns:a="http://schemas.openxmlformats.org/drawingml/2006/main" xmlns:r="http://schemas.openxmlformats.org/officeDocument/2006/relationships" xmlns:p="http://schemas.openxmlformats.org/presentationml/2006/main" matchingName="Title slide" type="title">
   <p:cSld name="TITLE">
     <p:bg>
       <p:bgPr>
         <a:solidFill>
           <a:schemeClr val="dk1"/>
         </a:solidFill>
+        <a:effectLst/>
       </p:bgPr>
     </p:bg>
     <p:spTree>
       <p:nvGrpSpPr>
-        <p:cNvPr id="9" name="Shape 9"/>
+        <p:cNvPr id="1" name="Shape 9"/>
         <p:cNvGrpSpPr/>
         <p:nvPr/>
       </p:nvGrpSpPr>
@@ -1471,12 +1532,12 @@
             </a:ln>
           </p:spPr>
           <p:txBody>
-            <a:bodyPr anchorCtr="0" anchor="ctr" bIns="91425" lIns="91425" spcFirstLastPara="1" rIns="91425" wrap="square" tIns="91425">
+            <a:bodyPr spcFirstLastPara="1" wrap="square" lIns="91425" tIns="91425" rIns="91425" bIns="91425" anchor="ctr" anchorCtr="0">
               <a:noAutofit/>
             </a:bodyPr>
             <a:lstStyle/>
             <a:p>
-              <a:pPr indent="0" lvl="0" marL="0" rtl="0" algn="l">
+              <a:pPr marL="0" lvl="0" indent="0" algn="l" rtl="0">
                 <a:spcBef>
                   <a:spcPts val="0"/>
                 </a:spcBef>
@@ -1485,9 +1546,6 @@
                 </a:spcAft>
                 <a:buNone/>
               </a:pPr>
-              <a:r>
-                <a:t/>
-              </a:r>
               <a:endParaRPr/>
             </a:p>
           </p:txBody>
@@ -1514,12 +1572,12 @@
             </a:ln>
           </p:spPr>
           <p:txBody>
-            <a:bodyPr anchorCtr="0" anchor="ctr" bIns="91425" lIns="91425" spcFirstLastPara="1" rIns="91425" wrap="square" tIns="91425">
+            <a:bodyPr spcFirstLastPara="1" wrap="square" lIns="91425" tIns="91425" rIns="91425" bIns="91425" anchor="ctr" anchorCtr="0">
               <a:noAutofit/>
             </a:bodyPr>
             <a:lstStyle/>
             <a:p>
-              <a:pPr indent="0" lvl="0" marL="0" rtl="0" algn="l">
+              <a:pPr marL="0" lvl="0" indent="0" algn="l" rtl="0">
                 <a:spcBef>
                   <a:spcPts val="0"/>
                 </a:spcBef>
@@ -1528,9 +1586,6 @@
                 </a:spcAft>
                 <a:buNone/>
               </a:pPr>
-              <a:r>
-                <a:t/>
-              </a:r>
               <a:endParaRPr/>
             </a:p>
           </p:txBody>
@@ -1542,7 +1597,7 @@
             <p:nvPr/>
           </p:nvSpPr>
           <p:spPr>
-            <a:xfrm flipH="1" rot="10800000">
+            <a:xfrm rot="10800000" flipH="1">
               <a:off x="7113588" y="107"/>
               <a:ext cx="1015200" cy="1015200"/>
             </a:xfrm>
@@ -1557,12 +1612,12 @@
             </a:ln>
           </p:spPr>
           <p:txBody>
-            <a:bodyPr anchorCtr="0" anchor="ctr" bIns="91425" lIns="91425" spcFirstLastPara="1" rIns="91425" wrap="square" tIns="91425">
+            <a:bodyPr spcFirstLastPara="1" wrap="square" lIns="91425" tIns="91425" rIns="91425" bIns="91425" anchor="ctr" anchorCtr="0">
               <a:noAutofit/>
             </a:bodyPr>
             <a:lstStyle/>
             <a:p>
-              <a:pPr indent="0" lvl="0" marL="0" rtl="0" algn="l">
+              <a:pPr marL="0" lvl="0" indent="0" algn="l" rtl="0">
                 <a:spcBef>
                   <a:spcPts val="0"/>
                 </a:spcBef>
@@ -1571,9 +1626,6 @@
                 </a:spcAft>
                 <a:buNone/>
               </a:pPr>
-              <a:r>
-                <a:t/>
-              </a:r>
               <a:endParaRPr/>
             </a:p>
           </p:txBody>
@@ -1600,12 +1652,12 @@
             </a:ln>
           </p:spPr>
           <p:txBody>
-            <a:bodyPr anchorCtr="0" anchor="ctr" bIns="91425" lIns="91425" spcFirstLastPara="1" rIns="91425" wrap="square" tIns="91425">
+            <a:bodyPr spcFirstLastPara="1" wrap="square" lIns="91425" tIns="91425" rIns="91425" bIns="91425" anchor="ctr" anchorCtr="0">
               <a:noAutofit/>
             </a:bodyPr>
             <a:lstStyle/>
             <a:p>
-              <a:pPr indent="0" lvl="0" marL="0" rtl="0" algn="l">
+              <a:pPr marL="0" lvl="0" indent="0" algn="l" rtl="0">
                 <a:spcBef>
                   <a:spcPts val="0"/>
                 </a:spcBef>
@@ -1614,9 +1666,6 @@
                 </a:spcAft>
                 <a:buNone/>
               </a:pPr>
-              <a:r>
-                <a:t/>
-              </a:r>
               <a:endParaRPr/>
             </a:p>
           </p:txBody>
@@ -1643,12 +1692,12 @@
             </a:ln>
           </p:spPr>
           <p:txBody>
-            <a:bodyPr anchorCtr="0" anchor="ctr" bIns="91425" lIns="91425" spcFirstLastPara="1" rIns="91425" wrap="square" tIns="91425">
+            <a:bodyPr spcFirstLastPara="1" wrap="square" lIns="91425" tIns="91425" rIns="91425" bIns="91425" anchor="ctr" anchorCtr="0">
               <a:noAutofit/>
             </a:bodyPr>
             <a:lstStyle/>
             <a:p>
-              <a:pPr indent="0" lvl="0" marL="0" rtl="0" algn="l">
+              <a:pPr marL="0" lvl="0" indent="0" algn="l" rtl="0">
                 <a:spcBef>
                   <a:spcPts val="0"/>
                 </a:spcBef>
@@ -1657,9 +1706,6 @@
                 </a:spcAft>
                 <a:buNone/>
               </a:pPr>
-              <a:r>
-                <a:t/>
-              </a:r>
               <a:endParaRPr/>
             </a:p>
           </p:txBody>
@@ -1668,7 +1714,9 @@
       <p:sp>
         <p:nvSpPr>
           <p:cNvPr id="16" name="Google Shape;16;p2"/>
-          <p:cNvSpPr txBox="1"/>
+          <p:cNvSpPr txBox="1">
+            <a:spLocks noGrp="1"/>
+          </p:cNvSpPr>
           <p:nvPr>
             <p:ph type="ctrTitle"/>
           </p:nvPr>
@@ -1683,7 +1731,7 @@
           </a:prstGeom>
         </p:spPr>
         <p:txBody>
-          <a:bodyPr anchorCtr="0" anchor="b" bIns="91425" lIns="91425" spcFirstLastPara="1" rIns="91425" wrap="square" tIns="91425">
+          <a:bodyPr spcFirstLastPara="1" wrap="square" lIns="91425" tIns="91425" rIns="91425" bIns="91425" anchor="b" anchorCtr="0">
             <a:noAutofit/>
           </a:bodyPr>
           <a:lstStyle>
@@ -1850,15 +1898,19 @@
               </a:defRPr>
             </a:lvl9pPr>
           </a:lstStyle>
-          <a:p/>
+          <a:p>
+            <a:endParaRPr/>
+          </a:p>
         </p:txBody>
       </p:sp>
       <p:sp>
         <p:nvSpPr>
           <p:cNvPr id="17" name="Google Shape;17;p2"/>
-          <p:cNvSpPr txBox="1"/>
+          <p:cNvSpPr txBox="1">
+            <a:spLocks noGrp="1"/>
+          </p:cNvSpPr>
           <p:nvPr>
-            <p:ph idx="1" type="subTitle"/>
+            <p:ph type="subTitle" idx="1"/>
           </p:nvPr>
         </p:nvSpPr>
         <p:spPr>
@@ -1871,7 +1923,7 @@
           </a:prstGeom>
         </p:spPr>
         <p:txBody>
-          <a:bodyPr anchorCtr="0" anchor="t" bIns="91425" lIns="91425" spcFirstLastPara="1" rIns="91425" wrap="square" tIns="91425">
+          <a:bodyPr spcFirstLastPara="1" wrap="square" lIns="91425" tIns="91425" rIns="91425" bIns="91425" anchor="t" anchorCtr="0">
             <a:noAutofit/>
           </a:bodyPr>
           <a:lstStyle>
@@ -2065,15 +2117,19 @@
               </a:defRPr>
             </a:lvl9pPr>
           </a:lstStyle>
-          <a:p/>
+          <a:p>
+            <a:endParaRPr/>
+          </a:p>
         </p:txBody>
       </p:sp>
       <p:sp>
         <p:nvSpPr>
           <p:cNvPr id="18" name="Google Shape;18;p2"/>
-          <p:cNvSpPr txBox="1"/>
+          <p:cNvSpPr txBox="1">
+            <a:spLocks noGrp="1"/>
+          </p:cNvSpPr>
           <p:nvPr>
-            <p:ph idx="12" type="sldNum"/>
+            <p:ph type="sldNum" idx="12"/>
           </p:nvPr>
         </p:nvSpPr>
         <p:spPr>
@@ -2086,7 +2142,7 @@
           </a:prstGeom>
         </p:spPr>
         <p:txBody>
-          <a:bodyPr anchorCtr="0" anchor="ctr" bIns="91425" lIns="91425" spcFirstLastPara="1" rIns="91425" wrap="square" tIns="91425">
+          <a:bodyPr spcFirstLastPara="1" wrap="square" lIns="91425" tIns="91425" rIns="91425" bIns="91425" anchor="ctr" anchorCtr="0">
             <a:noAutofit/>
           </a:bodyPr>
           <a:lstStyle>
@@ -2128,7 +2184,7 @@
             </a:lvl9pPr>
           </a:lstStyle>
           <a:p>
-            <a:pPr indent="0" lvl="0" marL="0" rtl="0" algn="r">
+            <a:pPr marL="0" lvl="0" indent="0" algn="r" rtl="0">
               <a:spcBef>
                 <a:spcPts val="0"/>
               </a:spcBef>
@@ -2154,18 +2210,19 @@
 </file>
 
 <file path=ppt/slideLayouts/slideLayout10.xml><?xml version="1.0" encoding="utf-8"?>
-<p:sldLayout xmlns:a="http://schemas.openxmlformats.org/drawingml/2006/main" xmlns:r="http://schemas.openxmlformats.org/officeDocument/2006/relationships" xmlns:mc="http://schemas.openxmlformats.org/markup-compatibility/2006" xmlns:mv="urn:schemas-microsoft-com:mac:vml" xmlns:p="http://schemas.openxmlformats.org/presentationml/2006/main" xmlns:c="http://schemas.openxmlformats.org/drawingml/2006/chart" xmlns:dgm="http://schemas.openxmlformats.org/drawingml/2006/diagram" xmlns:o="urn:schemas-microsoft-com:office:office" xmlns:v="urn:schemas-microsoft-com:vml" xmlns:pvml="urn:schemas-microsoft-com:office:powerpoint" xmlns:com="http://schemas.openxmlformats.org/drawingml/2006/compatibility" xmlns:p14="http://schemas.microsoft.com/office/powerpoint/2010/main" xmlns:p15="http://schemas.microsoft.com/office/powerpoint/2012/main" matchingName="Big number">
+<p:sldLayout xmlns:a="http://schemas.openxmlformats.org/drawingml/2006/main" xmlns:r="http://schemas.openxmlformats.org/officeDocument/2006/relationships" xmlns:p="http://schemas.openxmlformats.org/presentationml/2006/main" matchingName="Big number">
   <p:cSld name="BIG_NUMBER">
     <p:bg>
       <p:bgPr>
         <a:solidFill>
           <a:schemeClr val="dk1"/>
         </a:solidFill>
+        <a:effectLst/>
       </p:bgPr>
     </p:bg>
     <p:spTree>
       <p:nvGrpSpPr>
-        <p:cNvPr id="70" name="Shape 70"/>
+        <p:cNvPr id="1" name="Shape 70"/>
         <p:cNvGrpSpPr/>
         <p:nvPr/>
       </p:nvGrpSpPr>
@@ -2213,12 +2270,12 @@
             </a:ln>
           </p:spPr>
           <p:txBody>
-            <a:bodyPr anchorCtr="0" anchor="ctr" bIns="91425" lIns="91425" spcFirstLastPara="1" rIns="91425" wrap="square" tIns="91425">
+            <a:bodyPr spcFirstLastPara="1" wrap="square" lIns="91425" tIns="91425" rIns="91425" bIns="91425" anchor="ctr" anchorCtr="0">
               <a:noAutofit/>
             </a:bodyPr>
             <a:lstStyle/>
             <a:p>
-              <a:pPr indent="0" lvl="0" marL="0" rtl="0" algn="l">
+              <a:pPr marL="0" lvl="0" indent="0" algn="l" rtl="0">
                 <a:spcBef>
                   <a:spcPts val="0"/>
                 </a:spcBef>
@@ -2227,9 +2284,6 @@
                 </a:spcAft>
                 <a:buNone/>
               </a:pPr>
-              <a:r>
-                <a:t/>
-              </a:r>
               <a:endParaRPr/>
             </a:p>
           </p:txBody>
@@ -2256,12 +2310,12 @@
             </a:ln>
           </p:spPr>
           <p:txBody>
-            <a:bodyPr anchorCtr="0" anchor="ctr" bIns="91425" lIns="91425" spcFirstLastPara="1" rIns="91425" wrap="square" tIns="91425">
+            <a:bodyPr spcFirstLastPara="1" wrap="square" lIns="91425" tIns="91425" rIns="91425" bIns="91425" anchor="ctr" anchorCtr="0">
               <a:noAutofit/>
             </a:bodyPr>
             <a:lstStyle/>
             <a:p>
-              <a:pPr indent="0" lvl="0" marL="0" rtl="0" algn="l">
+              <a:pPr marL="0" lvl="0" indent="0" algn="l" rtl="0">
                 <a:spcBef>
                   <a:spcPts val="0"/>
                 </a:spcBef>
@@ -2270,9 +2324,6 @@
                 </a:spcAft>
                 <a:buNone/>
               </a:pPr>
-              <a:r>
-                <a:t/>
-              </a:r>
               <a:endParaRPr/>
             </a:p>
           </p:txBody>
@@ -2284,7 +2335,7 @@
             <p:nvPr/>
           </p:nvSpPr>
           <p:spPr>
-            <a:xfrm flipH="1" rot="10800000">
+            <a:xfrm rot="10800000" flipH="1">
               <a:off x="7113588" y="107"/>
               <a:ext cx="1015200" cy="1015200"/>
             </a:xfrm>
@@ -2299,12 +2350,12 @@
             </a:ln>
           </p:spPr>
           <p:txBody>
-            <a:bodyPr anchorCtr="0" anchor="ctr" bIns="91425" lIns="91425" spcFirstLastPara="1" rIns="91425" wrap="square" tIns="91425">
+            <a:bodyPr spcFirstLastPara="1" wrap="square" lIns="91425" tIns="91425" rIns="91425" bIns="91425" anchor="ctr" anchorCtr="0">
               <a:noAutofit/>
             </a:bodyPr>
             <a:lstStyle/>
             <a:p>
-              <a:pPr indent="0" lvl="0" marL="0" rtl="0" algn="l">
+              <a:pPr marL="0" lvl="0" indent="0" algn="l" rtl="0">
                 <a:spcBef>
                   <a:spcPts val="0"/>
                 </a:spcBef>
@@ -2313,9 +2364,6 @@
                 </a:spcAft>
                 <a:buNone/>
               </a:pPr>
-              <a:r>
-                <a:t/>
-              </a:r>
               <a:endParaRPr/>
             </a:p>
           </p:txBody>
@@ -2342,12 +2390,12 @@
             </a:ln>
           </p:spPr>
           <p:txBody>
-            <a:bodyPr anchorCtr="0" anchor="ctr" bIns="91425" lIns="91425" spcFirstLastPara="1" rIns="91425" wrap="square" tIns="91425">
+            <a:bodyPr spcFirstLastPara="1" wrap="square" lIns="91425" tIns="91425" rIns="91425" bIns="91425" anchor="ctr" anchorCtr="0">
               <a:noAutofit/>
             </a:bodyPr>
             <a:lstStyle/>
             <a:p>
-              <a:pPr indent="0" lvl="0" marL="0" rtl="0" algn="l">
+              <a:pPr marL="0" lvl="0" indent="0" algn="l" rtl="0">
                 <a:spcBef>
                   <a:spcPts val="0"/>
                 </a:spcBef>
@@ -2356,9 +2404,6 @@
                 </a:spcAft>
                 <a:buNone/>
               </a:pPr>
-              <a:r>
-                <a:t/>
-              </a:r>
               <a:endParaRPr/>
             </a:p>
           </p:txBody>
@@ -2385,12 +2430,12 @@
             </a:ln>
           </p:spPr>
           <p:txBody>
-            <a:bodyPr anchorCtr="0" anchor="ctr" bIns="91425" lIns="91425" spcFirstLastPara="1" rIns="91425" wrap="square" tIns="91425">
+            <a:bodyPr spcFirstLastPara="1" wrap="square" lIns="91425" tIns="91425" rIns="91425" bIns="91425" anchor="ctr" anchorCtr="0">
               <a:noAutofit/>
             </a:bodyPr>
             <a:lstStyle/>
             <a:p>
-              <a:pPr indent="0" lvl="0" marL="0" rtl="0" algn="l">
+              <a:pPr marL="0" lvl="0" indent="0" algn="l" rtl="0">
                 <a:spcBef>
                   <a:spcPts val="0"/>
                 </a:spcBef>
@@ -2399,9 +2444,6 @@
                 </a:spcAft>
                 <a:buNone/>
               </a:pPr>
-              <a:r>
-                <a:t/>
-              </a:r>
               <a:endParaRPr/>
             </a:p>
           </p:txBody>
@@ -2410,9 +2452,11 @@
       <p:sp>
         <p:nvSpPr>
           <p:cNvPr id="77" name="Google Shape;77;p11"/>
-          <p:cNvSpPr txBox="1"/>
+          <p:cNvSpPr txBox="1">
+            <a:spLocks noGrp="1"/>
+          </p:cNvSpPr>
           <p:nvPr>
-            <p:ph hasCustomPrompt="1" type="title"/>
+            <p:ph type="title" hasCustomPrompt="1"/>
           </p:nvPr>
         </p:nvSpPr>
         <p:spPr>
@@ -2425,7 +2469,7 @@
           </a:prstGeom>
         </p:spPr>
         <p:txBody>
-          <a:bodyPr anchorCtr="0" anchor="b" bIns="91425" lIns="91425" spcFirstLastPara="1" rIns="91425" wrap="square" tIns="91425">
+          <a:bodyPr spcFirstLastPara="1" wrap="square" lIns="91425" tIns="91425" rIns="91425" bIns="91425" anchor="b" anchorCtr="0">
             <a:noAutofit/>
           </a:bodyPr>
           <a:lstStyle>
@@ -2602,9 +2646,11 @@
       <p:sp>
         <p:nvSpPr>
           <p:cNvPr id="78" name="Google Shape;78;p11"/>
-          <p:cNvSpPr txBox="1"/>
+          <p:cNvSpPr txBox="1">
+            <a:spLocks noGrp="1"/>
+          </p:cNvSpPr>
           <p:nvPr>
-            <p:ph idx="1" type="body"/>
+            <p:ph type="body" idx="1"/>
           </p:nvPr>
         </p:nvSpPr>
         <p:spPr>
@@ -2617,11 +2663,11 @@
           </a:prstGeom>
         </p:spPr>
         <p:txBody>
-          <a:bodyPr anchorCtr="0" anchor="t" bIns="91425" lIns="91425" spcFirstLastPara="1" rIns="91425" wrap="square" tIns="91425">
+          <a:bodyPr spcFirstLastPara="1" wrap="square" lIns="91425" tIns="91425" rIns="91425" bIns="91425" anchor="t" anchorCtr="0">
             <a:noAutofit/>
           </a:bodyPr>
           <a:lstStyle>
-            <a:lvl1pPr indent="-342900" lvl="0" marL="457200" algn="ctr">
+            <a:lvl1pPr marL="457200" lvl="0" indent="-342900" algn="ctr">
               <a:spcBef>
                 <a:spcPts val="0"/>
               </a:spcBef>
@@ -2639,7 +2685,7 @@
                 </a:solidFill>
               </a:defRPr>
             </a:lvl1pPr>
-            <a:lvl2pPr indent="-317500" lvl="1" marL="914400" algn="ctr">
+            <a:lvl2pPr marL="914400" lvl="1" indent="-317500" algn="ctr">
               <a:spcBef>
                 <a:spcPts val="1600"/>
               </a:spcBef>
@@ -2657,7 +2703,7 @@
                 </a:solidFill>
               </a:defRPr>
             </a:lvl2pPr>
-            <a:lvl3pPr indent="-317500" lvl="2" marL="1371600" algn="ctr">
+            <a:lvl3pPr marL="1371600" lvl="2" indent="-317500" algn="ctr">
               <a:spcBef>
                 <a:spcPts val="1600"/>
               </a:spcBef>
@@ -2675,7 +2721,7 @@
                 </a:solidFill>
               </a:defRPr>
             </a:lvl3pPr>
-            <a:lvl4pPr indent="-317500" lvl="3" marL="1828800" algn="ctr">
+            <a:lvl4pPr marL="1828800" lvl="3" indent="-317500" algn="ctr">
               <a:spcBef>
                 <a:spcPts val="1600"/>
               </a:spcBef>
@@ -2693,7 +2739,7 @@
                 </a:solidFill>
               </a:defRPr>
             </a:lvl4pPr>
-            <a:lvl5pPr indent="-317500" lvl="4" marL="2286000" algn="ctr">
+            <a:lvl5pPr marL="2286000" lvl="4" indent="-317500" algn="ctr">
               <a:spcBef>
                 <a:spcPts val="1600"/>
               </a:spcBef>
@@ -2711,7 +2757,7 @@
                 </a:solidFill>
               </a:defRPr>
             </a:lvl5pPr>
-            <a:lvl6pPr indent="-317500" lvl="5" marL="2743200" algn="ctr">
+            <a:lvl6pPr marL="2743200" lvl="5" indent="-317500" algn="ctr">
               <a:spcBef>
                 <a:spcPts val="1600"/>
               </a:spcBef>
@@ -2729,7 +2775,7 @@
                 </a:solidFill>
               </a:defRPr>
             </a:lvl6pPr>
-            <a:lvl7pPr indent="-317500" lvl="6" marL="3200400" algn="ctr">
+            <a:lvl7pPr marL="3200400" lvl="6" indent="-317500" algn="ctr">
               <a:spcBef>
                 <a:spcPts val="1600"/>
               </a:spcBef>
@@ -2747,7 +2793,7 @@
                 </a:solidFill>
               </a:defRPr>
             </a:lvl7pPr>
-            <a:lvl8pPr indent="-317500" lvl="7" marL="3657600" algn="ctr">
+            <a:lvl8pPr marL="3657600" lvl="7" indent="-317500" algn="ctr">
               <a:spcBef>
                 <a:spcPts val="1600"/>
               </a:spcBef>
@@ -2765,7 +2811,7 @@
                 </a:solidFill>
               </a:defRPr>
             </a:lvl8pPr>
-            <a:lvl9pPr indent="-317500" lvl="8" marL="4114800" algn="ctr">
+            <a:lvl9pPr marL="4114800" lvl="8" indent="-317500" algn="ctr">
               <a:spcBef>
                 <a:spcPts val="1600"/>
               </a:spcBef>
@@ -2784,15 +2830,19 @@
               </a:defRPr>
             </a:lvl9pPr>
           </a:lstStyle>
-          <a:p/>
+          <a:p>
+            <a:endParaRPr/>
+          </a:p>
         </p:txBody>
       </p:sp>
       <p:sp>
         <p:nvSpPr>
           <p:cNvPr id="79" name="Google Shape;79;p11"/>
-          <p:cNvSpPr txBox="1"/>
+          <p:cNvSpPr txBox="1">
+            <a:spLocks noGrp="1"/>
+          </p:cNvSpPr>
           <p:nvPr>
-            <p:ph idx="12" type="sldNum"/>
+            <p:ph type="sldNum" idx="12"/>
           </p:nvPr>
         </p:nvSpPr>
         <p:spPr>
@@ -2805,7 +2855,7 @@
           </a:prstGeom>
         </p:spPr>
         <p:txBody>
-          <a:bodyPr anchorCtr="0" anchor="ctr" bIns="91425" lIns="91425" spcFirstLastPara="1" rIns="91425" wrap="square" tIns="91425">
+          <a:bodyPr spcFirstLastPara="1" wrap="square" lIns="91425" tIns="91425" rIns="91425" bIns="91425" anchor="ctr" anchorCtr="0">
             <a:noAutofit/>
           </a:bodyPr>
           <a:lstStyle>
@@ -2847,7 +2897,7 @@
             </a:lvl9pPr>
           </a:lstStyle>
           <a:p>
-            <a:pPr indent="0" lvl="0" marL="0" rtl="0" algn="r">
+            <a:pPr marL="0" lvl="0" indent="0" algn="r" rtl="0">
               <a:spcBef>
                 <a:spcPts val="0"/>
               </a:spcBef>
@@ -2873,11 +2923,11 @@
 </file>
 
 <file path=ppt/slideLayouts/slideLayout11.xml><?xml version="1.0" encoding="utf-8"?>
-<p:sldLayout xmlns:a="http://schemas.openxmlformats.org/drawingml/2006/main" xmlns:r="http://schemas.openxmlformats.org/officeDocument/2006/relationships" xmlns:mc="http://schemas.openxmlformats.org/markup-compatibility/2006" xmlns:mv="urn:schemas-microsoft-com:mac:vml" xmlns:p="http://schemas.openxmlformats.org/presentationml/2006/main" xmlns:c="http://schemas.openxmlformats.org/drawingml/2006/chart" xmlns:dgm="http://schemas.openxmlformats.org/drawingml/2006/diagram" xmlns:o="urn:schemas-microsoft-com:office:office" xmlns:v="urn:schemas-microsoft-com:vml" xmlns:pvml="urn:schemas-microsoft-com:office:powerpoint" xmlns:com="http://schemas.openxmlformats.org/drawingml/2006/compatibility" xmlns:p14="http://schemas.microsoft.com/office/powerpoint/2010/main" xmlns:p15="http://schemas.microsoft.com/office/powerpoint/2012/main" matchingName="Blank" type="blank">
+<p:sldLayout xmlns:a="http://schemas.openxmlformats.org/drawingml/2006/main" xmlns:r="http://schemas.openxmlformats.org/officeDocument/2006/relationships" xmlns:p="http://schemas.openxmlformats.org/presentationml/2006/main" matchingName="Blank" type="blank">
   <p:cSld name="BLANK">
     <p:spTree>
       <p:nvGrpSpPr>
-        <p:cNvPr id="80" name="Shape 80"/>
+        <p:cNvPr id="1" name="Shape 80"/>
         <p:cNvGrpSpPr/>
         <p:nvPr/>
       </p:nvGrpSpPr>
@@ -2892,9 +2942,11 @@
       <p:sp>
         <p:nvSpPr>
           <p:cNvPr id="81" name="Google Shape;81;p12"/>
-          <p:cNvSpPr txBox="1"/>
+          <p:cNvSpPr txBox="1">
+            <a:spLocks noGrp="1"/>
+          </p:cNvSpPr>
           <p:nvPr>
-            <p:ph idx="12" type="sldNum"/>
+            <p:ph type="sldNum" idx="12"/>
           </p:nvPr>
         </p:nvSpPr>
         <p:spPr>
@@ -2907,7 +2959,7 @@
           </a:prstGeom>
         </p:spPr>
         <p:txBody>
-          <a:bodyPr anchorCtr="0" anchor="ctr" bIns="91425" lIns="91425" spcFirstLastPara="1" rIns="91425" wrap="square" tIns="91425">
+          <a:bodyPr spcFirstLastPara="1" wrap="square" lIns="91425" tIns="91425" rIns="91425" bIns="91425" anchor="ctr" anchorCtr="0">
             <a:noAutofit/>
           </a:bodyPr>
           <a:lstStyle>
@@ -2985,7 +3037,7 @@
             </a:lvl9pPr>
           </a:lstStyle>
           <a:p>
-            <a:pPr indent="0" lvl="0" marL="0" rtl="0" algn="r">
+            <a:pPr marL="0" lvl="0" indent="0" algn="r" rtl="0">
               <a:spcBef>
                 <a:spcPts val="0"/>
               </a:spcBef>
@@ -3011,18 +3063,19 @@
 </file>
 
 <file path=ppt/slideLayouts/slideLayout2.xml><?xml version="1.0" encoding="utf-8"?>
-<p:sldLayout xmlns:a="http://schemas.openxmlformats.org/drawingml/2006/main" xmlns:r="http://schemas.openxmlformats.org/officeDocument/2006/relationships" xmlns:mc="http://schemas.openxmlformats.org/markup-compatibility/2006" xmlns:mv="urn:schemas-microsoft-com:mac:vml" xmlns:p="http://schemas.openxmlformats.org/presentationml/2006/main" xmlns:c="http://schemas.openxmlformats.org/drawingml/2006/chart" xmlns:dgm="http://schemas.openxmlformats.org/drawingml/2006/diagram" xmlns:o="urn:schemas-microsoft-com:office:office" xmlns:v="urn:schemas-microsoft-com:vml" xmlns:pvml="urn:schemas-microsoft-com:office:powerpoint" xmlns:com="http://schemas.openxmlformats.org/drawingml/2006/compatibility" xmlns:p14="http://schemas.microsoft.com/office/powerpoint/2010/main" xmlns:p15="http://schemas.microsoft.com/office/powerpoint/2012/main" matchingName="Section header" type="secHead">
+<p:sldLayout xmlns:a="http://schemas.openxmlformats.org/drawingml/2006/main" xmlns:r="http://schemas.openxmlformats.org/officeDocument/2006/relationships" xmlns:p="http://schemas.openxmlformats.org/presentationml/2006/main" matchingName="Section header" type="secHead">
   <p:cSld name="SECTION_HEADER">
     <p:bg>
       <p:bgPr>
         <a:solidFill>
           <a:schemeClr val="dk1"/>
         </a:solidFill>
+        <a:effectLst/>
       </p:bgPr>
     </p:bg>
     <p:spTree>
       <p:nvGrpSpPr>
-        <p:cNvPr id="19" name="Shape 19"/>
+        <p:cNvPr id="1" name="Shape 19"/>
         <p:cNvGrpSpPr/>
         <p:nvPr/>
       </p:nvGrpSpPr>
@@ -3070,12 +3123,12 @@
             </a:ln>
           </p:spPr>
           <p:txBody>
-            <a:bodyPr anchorCtr="0" anchor="ctr" bIns="91425" lIns="91425" spcFirstLastPara="1" rIns="91425" wrap="square" tIns="91425">
+            <a:bodyPr spcFirstLastPara="1" wrap="square" lIns="91425" tIns="91425" rIns="91425" bIns="91425" anchor="ctr" anchorCtr="0">
               <a:noAutofit/>
             </a:bodyPr>
             <a:lstStyle/>
             <a:p>
-              <a:pPr indent="0" lvl="0" marL="0" rtl="0" algn="l">
+              <a:pPr marL="0" lvl="0" indent="0" algn="l" rtl="0">
                 <a:spcBef>
                   <a:spcPts val="0"/>
                 </a:spcBef>
@@ -3084,9 +3137,6 @@
                 </a:spcAft>
                 <a:buNone/>
               </a:pPr>
-              <a:r>
-                <a:t/>
-              </a:r>
               <a:endParaRPr/>
             </a:p>
           </p:txBody>
@@ -3113,12 +3163,12 @@
             </a:ln>
           </p:spPr>
           <p:txBody>
-            <a:bodyPr anchorCtr="0" anchor="ctr" bIns="91425" lIns="91425" spcFirstLastPara="1" rIns="91425" wrap="square" tIns="91425">
+            <a:bodyPr spcFirstLastPara="1" wrap="square" lIns="91425" tIns="91425" rIns="91425" bIns="91425" anchor="ctr" anchorCtr="0">
               <a:noAutofit/>
             </a:bodyPr>
             <a:lstStyle/>
             <a:p>
-              <a:pPr indent="0" lvl="0" marL="0" rtl="0" algn="l">
+              <a:pPr marL="0" lvl="0" indent="0" algn="l" rtl="0">
                 <a:spcBef>
                   <a:spcPts val="0"/>
                 </a:spcBef>
@@ -3127,9 +3177,6 @@
                 </a:spcAft>
                 <a:buNone/>
               </a:pPr>
-              <a:r>
-                <a:t/>
-              </a:r>
               <a:endParaRPr/>
             </a:p>
           </p:txBody>
@@ -3141,7 +3188,7 @@
             <p:nvPr/>
           </p:nvSpPr>
           <p:spPr>
-            <a:xfrm flipH="1" rot="10800000">
+            <a:xfrm rot="10800000" flipH="1">
               <a:off x="7113588" y="107"/>
               <a:ext cx="1015200" cy="1015200"/>
             </a:xfrm>
@@ -3156,12 +3203,12 @@
             </a:ln>
           </p:spPr>
           <p:txBody>
-            <a:bodyPr anchorCtr="0" anchor="ctr" bIns="91425" lIns="91425" spcFirstLastPara="1" rIns="91425" wrap="square" tIns="91425">
+            <a:bodyPr spcFirstLastPara="1" wrap="square" lIns="91425" tIns="91425" rIns="91425" bIns="91425" anchor="ctr" anchorCtr="0">
               <a:noAutofit/>
             </a:bodyPr>
             <a:lstStyle/>
             <a:p>
-              <a:pPr indent="0" lvl="0" marL="0" rtl="0" algn="l">
+              <a:pPr marL="0" lvl="0" indent="0" algn="l" rtl="0">
                 <a:spcBef>
                   <a:spcPts val="0"/>
                 </a:spcBef>
@@ -3170,9 +3217,6 @@
                 </a:spcAft>
                 <a:buNone/>
               </a:pPr>
-              <a:r>
-                <a:t/>
-              </a:r>
               <a:endParaRPr/>
             </a:p>
           </p:txBody>
@@ -3199,12 +3243,12 @@
             </a:ln>
           </p:spPr>
           <p:txBody>
-            <a:bodyPr anchorCtr="0" anchor="ctr" bIns="91425" lIns="91425" spcFirstLastPara="1" rIns="91425" wrap="square" tIns="91425">
+            <a:bodyPr spcFirstLastPara="1" wrap="square" lIns="91425" tIns="91425" rIns="91425" bIns="91425" anchor="ctr" anchorCtr="0">
               <a:noAutofit/>
             </a:bodyPr>
             <a:lstStyle/>
             <a:p>
-              <a:pPr indent="0" lvl="0" marL="0" rtl="0" algn="l">
+              <a:pPr marL="0" lvl="0" indent="0" algn="l" rtl="0">
                 <a:spcBef>
                   <a:spcPts val="0"/>
                 </a:spcBef>
@@ -3213,9 +3257,6 @@
                 </a:spcAft>
                 <a:buNone/>
               </a:pPr>
-              <a:r>
-                <a:t/>
-              </a:r>
               <a:endParaRPr/>
             </a:p>
           </p:txBody>
@@ -3242,12 +3283,12 @@
             </a:ln>
           </p:spPr>
           <p:txBody>
-            <a:bodyPr anchorCtr="0" anchor="ctr" bIns="91425" lIns="91425" spcFirstLastPara="1" rIns="91425" wrap="square" tIns="91425">
+            <a:bodyPr spcFirstLastPara="1" wrap="square" lIns="91425" tIns="91425" rIns="91425" bIns="91425" anchor="ctr" anchorCtr="0">
               <a:noAutofit/>
             </a:bodyPr>
             <a:lstStyle/>
             <a:p>
-              <a:pPr indent="0" lvl="0" marL="0" rtl="0" algn="l">
+              <a:pPr marL="0" lvl="0" indent="0" algn="l" rtl="0">
                 <a:spcBef>
                   <a:spcPts val="0"/>
                 </a:spcBef>
@@ -3256,9 +3297,6 @@
                 </a:spcAft>
                 <a:buNone/>
               </a:pPr>
-              <a:r>
-                <a:t/>
-              </a:r>
               <a:endParaRPr/>
             </a:p>
           </p:txBody>
@@ -3267,7 +3305,9 @@
       <p:sp>
         <p:nvSpPr>
           <p:cNvPr id="26" name="Google Shape;26;p3"/>
-          <p:cNvSpPr txBox="1"/>
+          <p:cNvSpPr txBox="1">
+            <a:spLocks noGrp="1"/>
+          </p:cNvSpPr>
           <p:nvPr>
             <p:ph type="title"/>
           </p:nvPr>
@@ -3282,7 +3322,7 @@
           </a:prstGeom>
         </p:spPr>
         <p:txBody>
-          <a:bodyPr anchorCtr="0" anchor="ctr" bIns="91425" lIns="91425" spcFirstLastPara="1" rIns="91425" wrap="square" tIns="91425">
+          <a:bodyPr spcFirstLastPara="1" wrap="square" lIns="91425" tIns="91425" rIns="91425" bIns="91425" anchor="ctr" anchorCtr="0">
             <a:noAutofit/>
           </a:bodyPr>
           <a:lstStyle>
@@ -3449,15 +3489,19 @@
               </a:defRPr>
             </a:lvl9pPr>
           </a:lstStyle>
-          <a:p/>
+          <a:p>
+            <a:endParaRPr/>
+          </a:p>
         </p:txBody>
       </p:sp>
       <p:sp>
         <p:nvSpPr>
           <p:cNvPr id="27" name="Google Shape;27;p3"/>
-          <p:cNvSpPr txBox="1"/>
+          <p:cNvSpPr txBox="1">
+            <a:spLocks noGrp="1"/>
+          </p:cNvSpPr>
           <p:nvPr>
-            <p:ph idx="12" type="sldNum"/>
+            <p:ph type="sldNum" idx="12"/>
           </p:nvPr>
         </p:nvSpPr>
         <p:spPr>
@@ -3470,7 +3514,7 @@
           </a:prstGeom>
         </p:spPr>
         <p:txBody>
-          <a:bodyPr anchorCtr="0" anchor="ctr" bIns="91425" lIns="91425" spcFirstLastPara="1" rIns="91425" wrap="square" tIns="91425">
+          <a:bodyPr spcFirstLastPara="1" wrap="square" lIns="91425" tIns="91425" rIns="91425" bIns="91425" anchor="ctr" anchorCtr="0">
             <a:noAutofit/>
           </a:bodyPr>
           <a:lstStyle>
@@ -3512,7 +3556,7 @@
             </a:lvl9pPr>
           </a:lstStyle>
           <a:p>
-            <a:pPr indent="0" lvl="0" marL="0" rtl="0" algn="r">
+            <a:pPr marL="0" lvl="0" indent="0" algn="r" rtl="0">
               <a:spcBef>
                 <a:spcPts val="0"/>
               </a:spcBef>
@@ -3549,12 +3593,12 @@
           </a:ln>
         </p:spPr>
         <p:txBody>
-          <a:bodyPr anchorCtr="0" anchor="t" bIns="91425" lIns="91425" spcFirstLastPara="1" rIns="91425" wrap="square" tIns="91425">
+          <a:bodyPr spcFirstLastPara="1" wrap="square" lIns="91425" tIns="91425" rIns="91425" bIns="91425" anchor="t" anchorCtr="0">
             <a:noAutofit/>
           </a:bodyPr>
           <a:lstStyle/>
           <a:p>
-            <a:pPr indent="0" lvl="0" marL="0" rtl="0" algn="l">
+            <a:pPr marL="0" lvl="0" indent="0" algn="l" rtl="0">
               <a:spcBef>
                 <a:spcPts val="0"/>
               </a:spcBef>
@@ -3563,9 +3607,6 @@
               </a:spcAft>
               <a:buNone/>
             </a:pPr>
-            <a:r>
-              <a:t/>
-            </a:r>
             <a:endParaRPr/>
           </a:p>
         </p:txBody>
@@ -3579,11 +3620,11 @@
 </file>
 
 <file path=ppt/slideLayouts/slideLayout3.xml><?xml version="1.0" encoding="utf-8"?>
-<p:sldLayout xmlns:a="http://schemas.openxmlformats.org/drawingml/2006/main" xmlns:r="http://schemas.openxmlformats.org/officeDocument/2006/relationships" xmlns:mc="http://schemas.openxmlformats.org/markup-compatibility/2006" xmlns:mv="urn:schemas-microsoft-com:mac:vml" xmlns:p="http://schemas.openxmlformats.org/presentationml/2006/main" xmlns:c="http://schemas.openxmlformats.org/drawingml/2006/chart" xmlns:dgm="http://schemas.openxmlformats.org/drawingml/2006/diagram" xmlns:o="urn:schemas-microsoft-com:office:office" xmlns:v="urn:schemas-microsoft-com:vml" xmlns:pvml="urn:schemas-microsoft-com:office:powerpoint" xmlns:com="http://schemas.openxmlformats.org/drawingml/2006/compatibility" xmlns:p14="http://schemas.microsoft.com/office/powerpoint/2010/main" xmlns:p15="http://schemas.microsoft.com/office/powerpoint/2012/main" matchingName="Title and body" type="tx">
+<p:sldLayout xmlns:a="http://schemas.openxmlformats.org/drawingml/2006/main" xmlns:r="http://schemas.openxmlformats.org/officeDocument/2006/relationships" xmlns:p="http://schemas.openxmlformats.org/presentationml/2006/main" matchingName="Title and body" type="tx">
   <p:cSld name="TITLE_AND_BODY">
     <p:spTree>
       <p:nvGrpSpPr>
-        <p:cNvPr id="29" name="Shape 29"/>
+        <p:cNvPr id="1" name="Shape 29"/>
         <p:cNvGrpSpPr/>
         <p:nvPr/>
       </p:nvGrpSpPr>
@@ -3631,12 +3672,12 @@
             </a:ln>
           </p:spPr>
           <p:txBody>
-            <a:bodyPr anchorCtr="0" anchor="ctr" bIns="91425" lIns="91425" spcFirstLastPara="1" rIns="91425" wrap="square" tIns="91425">
+            <a:bodyPr spcFirstLastPara="1" wrap="square" lIns="91425" tIns="91425" rIns="91425" bIns="91425" anchor="ctr" anchorCtr="0">
               <a:noAutofit/>
             </a:bodyPr>
             <a:lstStyle/>
             <a:p>
-              <a:pPr indent="0" lvl="0" marL="0" rtl="0" algn="l">
+              <a:pPr marL="0" lvl="0" indent="0" algn="l" rtl="0">
                 <a:spcBef>
                   <a:spcPts val="0"/>
                 </a:spcBef>
@@ -3645,9 +3686,6 @@
                 </a:spcAft>
                 <a:buNone/>
               </a:pPr>
-              <a:r>
-                <a:t/>
-              </a:r>
               <a:endParaRPr/>
             </a:p>
           </p:txBody>
@@ -3674,12 +3712,12 @@
             </a:ln>
           </p:spPr>
           <p:txBody>
-            <a:bodyPr anchorCtr="0" anchor="ctr" bIns="91425" lIns="91425" spcFirstLastPara="1" rIns="91425" wrap="square" tIns="91425">
+            <a:bodyPr spcFirstLastPara="1" wrap="square" lIns="91425" tIns="91425" rIns="91425" bIns="91425" anchor="ctr" anchorCtr="0">
               <a:noAutofit/>
             </a:bodyPr>
             <a:lstStyle/>
             <a:p>
-              <a:pPr indent="0" lvl="0" marL="0" rtl="0" algn="l">
+              <a:pPr marL="0" lvl="0" indent="0" algn="l" rtl="0">
                 <a:spcBef>
                   <a:spcPts val="0"/>
                 </a:spcBef>
@@ -3688,9 +3726,6 @@
                 </a:spcAft>
                 <a:buNone/>
               </a:pPr>
-              <a:r>
-                <a:t/>
-              </a:r>
               <a:endParaRPr/>
             </a:p>
           </p:txBody>
@@ -3717,12 +3752,12 @@
             </a:ln>
           </p:spPr>
           <p:txBody>
-            <a:bodyPr anchorCtr="0" anchor="ctr" bIns="91425" lIns="91425" spcFirstLastPara="1" rIns="91425" wrap="square" tIns="91425">
+            <a:bodyPr spcFirstLastPara="1" wrap="square" lIns="91425" tIns="91425" rIns="91425" bIns="91425" anchor="ctr" anchorCtr="0">
               <a:noAutofit/>
             </a:bodyPr>
             <a:lstStyle/>
             <a:p>
-              <a:pPr indent="0" lvl="0" marL="0" rtl="0" algn="l">
+              <a:pPr marL="0" lvl="0" indent="0" algn="l" rtl="0">
                 <a:spcBef>
                   <a:spcPts val="0"/>
                 </a:spcBef>
@@ -3731,9 +3766,6 @@
                 </a:spcAft>
                 <a:buNone/>
               </a:pPr>
-              <a:r>
-                <a:t/>
-              </a:r>
               <a:endParaRPr/>
             </a:p>
           </p:txBody>
@@ -3760,12 +3792,12 @@
             </a:ln>
           </p:spPr>
           <p:txBody>
-            <a:bodyPr anchorCtr="0" anchor="ctr" bIns="91425" lIns="91425" spcFirstLastPara="1" rIns="91425" wrap="square" tIns="91425">
+            <a:bodyPr spcFirstLastPara="1" wrap="square" lIns="91425" tIns="91425" rIns="91425" bIns="91425" anchor="ctr" anchorCtr="0">
               <a:noAutofit/>
             </a:bodyPr>
             <a:lstStyle/>
             <a:p>
-              <a:pPr indent="0" lvl="0" marL="0" rtl="0" algn="l">
+              <a:pPr marL="0" lvl="0" indent="0" algn="l" rtl="0">
                 <a:spcBef>
                   <a:spcPts val="0"/>
                 </a:spcBef>
@@ -3774,9 +3806,6 @@
                 </a:spcAft>
                 <a:buNone/>
               </a:pPr>
-              <a:r>
-                <a:t/>
-              </a:r>
               <a:endParaRPr/>
             </a:p>
           </p:txBody>
@@ -3803,12 +3832,12 @@
             </a:ln>
           </p:spPr>
           <p:txBody>
-            <a:bodyPr anchorCtr="0" anchor="ctr" bIns="91425" lIns="91425" spcFirstLastPara="1" rIns="91425" wrap="square" tIns="91425">
+            <a:bodyPr spcFirstLastPara="1" wrap="square" lIns="91425" tIns="91425" rIns="91425" bIns="91425" anchor="ctr" anchorCtr="0">
               <a:noAutofit/>
             </a:bodyPr>
             <a:lstStyle/>
             <a:p>
-              <a:pPr indent="0" lvl="0" marL="0" rtl="0" algn="l">
+              <a:pPr marL="0" lvl="0" indent="0" algn="l" rtl="0">
                 <a:spcBef>
                   <a:spcPts val="0"/>
                 </a:spcBef>
@@ -3817,9 +3846,6 @@
                 </a:spcAft>
                 <a:buNone/>
               </a:pPr>
-              <a:r>
-                <a:t/>
-              </a:r>
               <a:endParaRPr/>
             </a:p>
           </p:txBody>
@@ -3828,7 +3854,9 @@
       <p:sp>
         <p:nvSpPr>
           <p:cNvPr id="36" name="Google Shape;36;p4"/>
-          <p:cNvSpPr txBox="1"/>
+          <p:cNvSpPr txBox="1">
+            <a:spLocks noGrp="1"/>
+          </p:cNvSpPr>
           <p:nvPr>
             <p:ph type="title"/>
           </p:nvPr>
@@ -3843,7 +3871,7 @@
           </a:prstGeom>
         </p:spPr>
         <p:txBody>
-          <a:bodyPr anchorCtr="0" anchor="t" bIns="91425" lIns="91425" spcFirstLastPara="1" rIns="91425" wrap="square" tIns="91425">
+          <a:bodyPr spcFirstLastPara="1" wrap="square" lIns="91425" tIns="91425" rIns="91425" bIns="91425" anchor="t" anchorCtr="0">
             <a:noAutofit/>
           </a:bodyPr>
           <a:lstStyle>
@@ -3947,15 +3975,19 @@
               <a:defRPr/>
             </a:lvl9pPr>
           </a:lstStyle>
-          <a:p/>
+          <a:p>
+            <a:endParaRPr/>
+          </a:p>
         </p:txBody>
       </p:sp>
       <p:sp>
         <p:nvSpPr>
           <p:cNvPr id="37" name="Google Shape;37;p4"/>
-          <p:cNvSpPr txBox="1"/>
+          <p:cNvSpPr txBox="1">
+            <a:spLocks noGrp="1"/>
+          </p:cNvSpPr>
           <p:nvPr>
-            <p:ph idx="1" type="body"/>
+            <p:ph type="body" idx="1"/>
           </p:nvPr>
         </p:nvSpPr>
         <p:spPr>
@@ -3968,11 +4000,11 @@
           </a:prstGeom>
         </p:spPr>
         <p:txBody>
-          <a:bodyPr anchorCtr="0" anchor="t" bIns="91425" lIns="91425" spcFirstLastPara="1" rIns="91425" wrap="square" tIns="91425">
+          <a:bodyPr spcFirstLastPara="1" wrap="square" lIns="91425" tIns="91425" rIns="91425" bIns="91425" anchor="t" anchorCtr="0">
             <a:noAutofit/>
           </a:bodyPr>
           <a:lstStyle>
-            <a:lvl1pPr indent="-342900" lvl="0" marL="457200">
+            <a:lvl1pPr marL="457200" lvl="0" indent="-342900">
               <a:spcBef>
                 <a:spcPts val="0"/>
               </a:spcBef>
@@ -3983,7 +4015,7 @@
               <a:buChar char="●"/>
               <a:defRPr/>
             </a:lvl1pPr>
-            <a:lvl2pPr indent="-317500" lvl="1" marL="914400">
+            <a:lvl2pPr marL="914400" lvl="1" indent="-317500">
               <a:spcBef>
                 <a:spcPts val="1600"/>
               </a:spcBef>
@@ -3994,7 +4026,7 @@
               <a:buChar char="○"/>
               <a:defRPr/>
             </a:lvl2pPr>
-            <a:lvl3pPr indent="-317500" lvl="2" marL="1371600">
+            <a:lvl3pPr marL="1371600" lvl="2" indent="-317500">
               <a:spcBef>
                 <a:spcPts val="1600"/>
               </a:spcBef>
@@ -4005,7 +4037,7 @@
               <a:buChar char="■"/>
               <a:defRPr/>
             </a:lvl3pPr>
-            <a:lvl4pPr indent="-317500" lvl="3" marL="1828800">
+            <a:lvl4pPr marL="1828800" lvl="3" indent="-317500">
               <a:spcBef>
                 <a:spcPts val="1600"/>
               </a:spcBef>
@@ -4016,7 +4048,7 @@
               <a:buChar char="●"/>
               <a:defRPr/>
             </a:lvl4pPr>
-            <a:lvl5pPr indent="-317500" lvl="4" marL="2286000">
+            <a:lvl5pPr marL="2286000" lvl="4" indent="-317500">
               <a:spcBef>
                 <a:spcPts val="1600"/>
               </a:spcBef>
@@ -4027,7 +4059,7 @@
               <a:buChar char="○"/>
               <a:defRPr/>
             </a:lvl5pPr>
-            <a:lvl6pPr indent="-317500" lvl="5" marL="2743200">
+            <a:lvl6pPr marL="2743200" lvl="5" indent="-317500">
               <a:spcBef>
                 <a:spcPts val="1600"/>
               </a:spcBef>
@@ -4038,7 +4070,7 @@
               <a:buChar char="■"/>
               <a:defRPr/>
             </a:lvl6pPr>
-            <a:lvl7pPr indent="-317500" lvl="6" marL="3200400">
+            <a:lvl7pPr marL="3200400" lvl="6" indent="-317500">
               <a:spcBef>
                 <a:spcPts val="1600"/>
               </a:spcBef>
@@ -4049,7 +4081,7 @@
               <a:buChar char="●"/>
               <a:defRPr/>
             </a:lvl7pPr>
-            <a:lvl8pPr indent="-317500" lvl="7" marL="3657600">
+            <a:lvl8pPr marL="3657600" lvl="7" indent="-317500">
               <a:spcBef>
                 <a:spcPts val="1600"/>
               </a:spcBef>
@@ -4060,7 +4092,7 @@
               <a:buChar char="○"/>
               <a:defRPr/>
             </a:lvl8pPr>
-            <a:lvl9pPr indent="-317500" lvl="8" marL="4114800">
+            <a:lvl9pPr marL="4114800" lvl="8" indent="-317500">
               <a:spcBef>
                 <a:spcPts val="1600"/>
               </a:spcBef>
@@ -4072,15 +4104,19 @@
               <a:defRPr/>
             </a:lvl9pPr>
           </a:lstStyle>
-          <a:p/>
+          <a:p>
+            <a:endParaRPr/>
+          </a:p>
         </p:txBody>
       </p:sp>
       <p:sp>
         <p:nvSpPr>
           <p:cNvPr id="38" name="Google Shape;38;p4"/>
-          <p:cNvSpPr txBox="1"/>
+          <p:cNvSpPr txBox="1">
+            <a:spLocks noGrp="1"/>
+          </p:cNvSpPr>
           <p:nvPr>
-            <p:ph idx="12" type="sldNum"/>
+            <p:ph type="sldNum" idx="12"/>
           </p:nvPr>
         </p:nvSpPr>
         <p:spPr>
@@ -4093,7 +4129,7 @@
           </a:prstGeom>
         </p:spPr>
         <p:txBody>
-          <a:bodyPr anchorCtr="0" anchor="ctr" bIns="91425" lIns="91425" spcFirstLastPara="1" rIns="91425" wrap="square" tIns="91425">
+          <a:bodyPr spcFirstLastPara="1" wrap="square" lIns="91425" tIns="91425" rIns="91425" bIns="91425" anchor="ctr" anchorCtr="0">
             <a:noAutofit/>
           </a:bodyPr>
           <a:lstStyle>
@@ -4135,7 +4171,7 @@
             </a:lvl9pPr>
           </a:lstStyle>
           <a:p>
-            <a:pPr indent="0" lvl="0" marL="0" rtl="0" algn="r">
+            <a:pPr marL="0" lvl="0" indent="0" algn="r" rtl="0">
               <a:spcBef>
                 <a:spcPts val="0"/>
               </a:spcBef>
@@ -4161,11 +4197,11 @@
 </file>
 
 <file path=ppt/slideLayouts/slideLayout4.xml><?xml version="1.0" encoding="utf-8"?>
-<p:sldLayout xmlns:a="http://schemas.openxmlformats.org/drawingml/2006/main" xmlns:r="http://schemas.openxmlformats.org/officeDocument/2006/relationships" xmlns:mc="http://schemas.openxmlformats.org/markup-compatibility/2006" xmlns:mv="urn:schemas-microsoft-com:mac:vml" xmlns:p="http://schemas.openxmlformats.org/presentationml/2006/main" xmlns:c="http://schemas.openxmlformats.org/drawingml/2006/chart" xmlns:dgm="http://schemas.openxmlformats.org/drawingml/2006/diagram" xmlns:o="urn:schemas-microsoft-com:office:office" xmlns:v="urn:schemas-microsoft-com:vml" xmlns:pvml="urn:schemas-microsoft-com:office:powerpoint" xmlns:com="http://schemas.openxmlformats.org/drawingml/2006/compatibility" xmlns:p14="http://schemas.microsoft.com/office/powerpoint/2010/main" xmlns:p15="http://schemas.microsoft.com/office/powerpoint/2012/main" matchingName="Title and two columns" type="twoColTx">
+<p:sldLayout xmlns:a="http://schemas.openxmlformats.org/drawingml/2006/main" xmlns:r="http://schemas.openxmlformats.org/officeDocument/2006/relationships" xmlns:p="http://schemas.openxmlformats.org/presentationml/2006/main" matchingName="Title and two columns" type="twoColTx">
   <p:cSld name="TITLE_AND_TWO_COLUMNS">
     <p:spTree>
       <p:nvGrpSpPr>
-        <p:cNvPr id="39" name="Shape 39"/>
+        <p:cNvPr id="1" name="Shape 39"/>
         <p:cNvGrpSpPr/>
         <p:nvPr/>
       </p:nvGrpSpPr>
@@ -4180,7 +4216,9 @@
       <p:sp>
         <p:nvSpPr>
           <p:cNvPr id="40" name="Google Shape;40;p5"/>
-          <p:cNvSpPr txBox="1"/>
+          <p:cNvSpPr txBox="1">
+            <a:spLocks noGrp="1"/>
+          </p:cNvSpPr>
           <p:nvPr>
             <p:ph type="title"/>
           </p:nvPr>
@@ -4195,7 +4233,7 @@
           </a:prstGeom>
         </p:spPr>
         <p:txBody>
-          <a:bodyPr anchorCtr="0" anchor="t" bIns="91425" lIns="91425" spcFirstLastPara="1" rIns="91425" wrap="square" tIns="91425">
+          <a:bodyPr spcFirstLastPara="1" wrap="square" lIns="91425" tIns="91425" rIns="91425" bIns="91425" anchor="t" anchorCtr="0">
             <a:noAutofit/>
           </a:bodyPr>
           <a:lstStyle>
@@ -4299,15 +4337,19 @@
               <a:defRPr/>
             </a:lvl9pPr>
           </a:lstStyle>
-          <a:p/>
+          <a:p>
+            <a:endParaRPr/>
+          </a:p>
         </p:txBody>
       </p:sp>
       <p:sp>
         <p:nvSpPr>
           <p:cNvPr id="41" name="Google Shape;41;p5"/>
-          <p:cNvSpPr txBox="1"/>
+          <p:cNvSpPr txBox="1">
+            <a:spLocks noGrp="1"/>
+          </p:cNvSpPr>
           <p:nvPr>
-            <p:ph idx="1" type="body"/>
+            <p:ph type="body" idx="1"/>
           </p:nvPr>
         </p:nvSpPr>
         <p:spPr>
@@ -4320,11 +4362,11 @@
           </a:prstGeom>
         </p:spPr>
         <p:txBody>
-          <a:bodyPr anchorCtr="0" anchor="t" bIns="91425" lIns="91425" spcFirstLastPara="1" rIns="91425" wrap="square" tIns="91425">
+          <a:bodyPr spcFirstLastPara="1" wrap="square" lIns="91425" tIns="91425" rIns="91425" bIns="91425" anchor="t" anchorCtr="0">
             <a:noAutofit/>
           </a:bodyPr>
           <a:lstStyle>
-            <a:lvl1pPr indent="-317500" lvl="0" marL="457200">
+            <a:lvl1pPr marL="457200" lvl="0" indent="-317500">
               <a:spcBef>
                 <a:spcPts val="0"/>
               </a:spcBef>
@@ -4335,7 +4377,7 @@
               <a:buChar char="●"/>
               <a:defRPr sz="1400"/>
             </a:lvl1pPr>
-            <a:lvl2pPr indent="-304800" lvl="1" marL="914400">
+            <a:lvl2pPr marL="914400" lvl="1" indent="-304800">
               <a:spcBef>
                 <a:spcPts val="1600"/>
               </a:spcBef>
@@ -4346,7 +4388,7 @@
               <a:buChar char="○"/>
               <a:defRPr sz="1200"/>
             </a:lvl2pPr>
-            <a:lvl3pPr indent="-304800" lvl="2" marL="1371600">
+            <a:lvl3pPr marL="1371600" lvl="2" indent="-304800">
               <a:spcBef>
                 <a:spcPts val="1600"/>
               </a:spcBef>
@@ -4357,7 +4399,7 @@
               <a:buChar char="■"/>
               <a:defRPr sz="1200"/>
             </a:lvl3pPr>
-            <a:lvl4pPr indent="-304800" lvl="3" marL="1828800">
+            <a:lvl4pPr marL="1828800" lvl="3" indent="-304800">
               <a:spcBef>
                 <a:spcPts val="1600"/>
               </a:spcBef>
@@ -4368,7 +4410,7 @@
               <a:buChar char="●"/>
               <a:defRPr sz="1200"/>
             </a:lvl4pPr>
-            <a:lvl5pPr indent="-304800" lvl="4" marL="2286000">
+            <a:lvl5pPr marL="2286000" lvl="4" indent="-304800">
               <a:spcBef>
                 <a:spcPts val="1600"/>
               </a:spcBef>
@@ -4379,7 +4421,7 @@
               <a:buChar char="○"/>
               <a:defRPr sz="1200"/>
             </a:lvl5pPr>
-            <a:lvl6pPr indent="-304800" lvl="5" marL="2743200">
+            <a:lvl6pPr marL="2743200" lvl="5" indent="-304800">
               <a:spcBef>
                 <a:spcPts val="1600"/>
               </a:spcBef>
@@ -4390,7 +4432,7 @@
               <a:buChar char="■"/>
               <a:defRPr sz="1200"/>
             </a:lvl6pPr>
-            <a:lvl7pPr indent="-304800" lvl="6" marL="3200400">
+            <a:lvl7pPr marL="3200400" lvl="6" indent="-304800">
               <a:spcBef>
                 <a:spcPts val="1600"/>
               </a:spcBef>
@@ -4401,7 +4443,7 @@
               <a:buChar char="●"/>
               <a:defRPr sz="1200"/>
             </a:lvl7pPr>
-            <a:lvl8pPr indent="-304800" lvl="7" marL="3657600">
+            <a:lvl8pPr marL="3657600" lvl="7" indent="-304800">
               <a:spcBef>
                 <a:spcPts val="1600"/>
               </a:spcBef>
@@ -4412,7 +4454,7 @@
               <a:buChar char="○"/>
               <a:defRPr sz="1200"/>
             </a:lvl8pPr>
-            <a:lvl9pPr indent="-304800" lvl="8" marL="4114800">
+            <a:lvl9pPr marL="4114800" lvl="8" indent="-304800">
               <a:spcBef>
                 <a:spcPts val="1600"/>
               </a:spcBef>
@@ -4424,15 +4466,19 @@
               <a:defRPr sz="1200"/>
             </a:lvl9pPr>
           </a:lstStyle>
-          <a:p/>
+          <a:p>
+            <a:endParaRPr/>
+          </a:p>
         </p:txBody>
       </p:sp>
       <p:sp>
         <p:nvSpPr>
           <p:cNvPr id="42" name="Google Shape;42;p5"/>
-          <p:cNvSpPr txBox="1"/>
+          <p:cNvSpPr txBox="1">
+            <a:spLocks noGrp="1"/>
+          </p:cNvSpPr>
           <p:nvPr>
-            <p:ph idx="2" type="body"/>
+            <p:ph type="body" idx="2"/>
           </p:nvPr>
         </p:nvSpPr>
         <p:spPr>
@@ -4445,11 +4491,11 @@
           </a:prstGeom>
         </p:spPr>
         <p:txBody>
-          <a:bodyPr anchorCtr="0" anchor="t" bIns="91425" lIns="91425" spcFirstLastPara="1" rIns="91425" wrap="square" tIns="91425">
+          <a:bodyPr spcFirstLastPara="1" wrap="square" lIns="91425" tIns="91425" rIns="91425" bIns="91425" anchor="t" anchorCtr="0">
             <a:noAutofit/>
           </a:bodyPr>
           <a:lstStyle>
-            <a:lvl1pPr indent="-317500" lvl="0" marL="457200">
+            <a:lvl1pPr marL="457200" lvl="0" indent="-317500">
               <a:spcBef>
                 <a:spcPts val="0"/>
               </a:spcBef>
@@ -4460,7 +4506,7 @@
               <a:buChar char="●"/>
               <a:defRPr sz="1400"/>
             </a:lvl1pPr>
-            <a:lvl2pPr indent="-304800" lvl="1" marL="914400">
+            <a:lvl2pPr marL="914400" lvl="1" indent="-304800">
               <a:spcBef>
                 <a:spcPts val="1600"/>
               </a:spcBef>
@@ -4471,7 +4517,7 @@
               <a:buChar char="○"/>
               <a:defRPr sz="1200"/>
             </a:lvl2pPr>
-            <a:lvl3pPr indent="-304800" lvl="2" marL="1371600">
+            <a:lvl3pPr marL="1371600" lvl="2" indent="-304800">
               <a:spcBef>
                 <a:spcPts val="1600"/>
               </a:spcBef>
@@ -4482,7 +4528,7 @@
               <a:buChar char="■"/>
               <a:defRPr sz="1200"/>
             </a:lvl3pPr>
-            <a:lvl4pPr indent="-304800" lvl="3" marL="1828800">
+            <a:lvl4pPr marL="1828800" lvl="3" indent="-304800">
               <a:spcBef>
                 <a:spcPts val="1600"/>
               </a:spcBef>
@@ -4493,7 +4539,7 @@
               <a:buChar char="●"/>
               <a:defRPr sz="1200"/>
             </a:lvl4pPr>
-            <a:lvl5pPr indent="-304800" lvl="4" marL="2286000">
+            <a:lvl5pPr marL="2286000" lvl="4" indent="-304800">
               <a:spcBef>
                 <a:spcPts val="1600"/>
               </a:spcBef>
@@ -4504,7 +4550,7 @@
               <a:buChar char="○"/>
               <a:defRPr sz="1200"/>
             </a:lvl5pPr>
-            <a:lvl6pPr indent="-304800" lvl="5" marL="2743200">
+            <a:lvl6pPr marL="2743200" lvl="5" indent="-304800">
               <a:spcBef>
                 <a:spcPts val="1600"/>
               </a:spcBef>
@@ -4515,7 +4561,7 @@
               <a:buChar char="■"/>
               <a:defRPr sz="1200"/>
             </a:lvl6pPr>
-            <a:lvl7pPr indent="-304800" lvl="6" marL="3200400">
+            <a:lvl7pPr marL="3200400" lvl="6" indent="-304800">
               <a:spcBef>
                 <a:spcPts val="1600"/>
               </a:spcBef>
@@ -4526,7 +4572,7 @@
               <a:buChar char="●"/>
               <a:defRPr sz="1200"/>
             </a:lvl7pPr>
-            <a:lvl8pPr indent="-304800" lvl="7" marL="3657600">
+            <a:lvl8pPr marL="3657600" lvl="7" indent="-304800">
               <a:spcBef>
                 <a:spcPts val="1600"/>
               </a:spcBef>
@@ -4537,7 +4583,7 @@
               <a:buChar char="○"/>
               <a:defRPr sz="1200"/>
             </a:lvl8pPr>
-            <a:lvl9pPr indent="-304800" lvl="8" marL="4114800">
+            <a:lvl9pPr marL="4114800" lvl="8" indent="-304800">
               <a:spcBef>
                 <a:spcPts val="1600"/>
               </a:spcBef>
@@ -4549,15 +4595,19 @@
               <a:defRPr sz="1200"/>
             </a:lvl9pPr>
           </a:lstStyle>
-          <a:p/>
+          <a:p>
+            <a:endParaRPr/>
+          </a:p>
         </p:txBody>
       </p:sp>
       <p:sp>
         <p:nvSpPr>
           <p:cNvPr id="43" name="Google Shape;43;p5"/>
-          <p:cNvSpPr txBox="1"/>
+          <p:cNvSpPr txBox="1">
+            <a:spLocks noGrp="1"/>
+          </p:cNvSpPr>
           <p:nvPr>
-            <p:ph idx="12" type="sldNum"/>
+            <p:ph type="sldNum" idx="12"/>
           </p:nvPr>
         </p:nvSpPr>
         <p:spPr>
@@ -4570,7 +4620,7 @@
           </a:prstGeom>
         </p:spPr>
         <p:txBody>
-          <a:bodyPr anchorCtr="0" anchor="ctr" bIns="91425" lIns="91425" spcFirstLastPara="1" rIns="91425" wrap="square" tIns="91425">
+          <a:bodyPr spcFirstLastPara="1" wrap="square" lIns="91425" tIns="91425" rIns="91425" bIns="91425" anchor="ctr" anchorCtr="0">
             <a:noAutofit/>
           </a:bodyPr>
           <a:lstStyle>
@@ -4648,7 +4698,7 @@
             </a:lvl9pPr>
           </a:lstStyle>
           <a:p>
-            <a:pPr indent="0" lvl="0" marL="0" rtl="0" algn="r">
+            <a:pPr marL="0" lvl="0" indent="0" algn="r" rtl="0">
               <a:spcBef>
                 <a:spcPts val="0"/>
               </a:spcBef>
@@ -4674,11 +4724,11 @@
 </file>
 
 <file path=ppt/slideLayouts/slideLayout5.xml><?xml version="1.0" encoding="utf-8"?>
-<p:sldLayout xmlns:a="http://schemas.openxmlformats.org/drawingml/2006/main" xmlns:r="http://schemas.openxmlformats.org/officeDocument/2006/relationships" xmlns:mc="http://schemas.openxmlformats.org/markup-compatibility/2006" xmlns:mv="urn:schemas-microsoft-com:mac:vml" xmlns:p="http://schemas.openxmlformats.org/presentationml/2006/main" xmlns:c="http://schemas.openxmlformats.org/drawingml/2006/chart" xmlns:dgm="http://schemas.openxmlformats.org/drawingml/2006/diagram" xmlns:o="urn:schemas-microsoft-com:office:office" xmlns:v="urn:schemas-microsoft-com:vml" xmlns:pvml="urn:schemas-microsoft-com:office:powerpoint" xmlns:com="http://schemas.openxmlformats.org/drawingml/2006/compatibility" xmlns:p14="http://schemas.microsoft.com/office/powerpoint/2010/main" xmlns:p15="http://schemas.microsoft.com/office/powerpoint/2012/main" matchingName="Title only" type="titleOnly">
+<p:sldLayout xmlns:a="http://schemas.openxmlformats.org/drawingml/2006/main" xmlns:r="http://schemas.openxmlformats.org/officeDocument/2006/relationships" xmlns:p="http://schemas.openxmlformats.org/presentationml/2006/main" matchingName="Title only" type="titleOnly">
   <p:cSld name="TITLE_ONLY">
     <p:spTree>
       <p:nvGrpSpPr>
-        <p:cNvPr id="44" name="Shape 44"/>
+        <p:cNvPr id="1" name="Shape 44"/>
         <p:cNvGrpSpPr/>
         <p:nvPr/>
       </p:nvGrpSpPr>
@@ -4693,7 +4743,9 @@
       <p:sp>
         <p:nvSpPr>
           <p:cNvPr id="45" name="Google Shape;45;p6"/>
-          <p:cNvSpPr txBox="1"/>
+          <p:cNvSpPr txBox="1">
+            <a:spLocks noGrp="1"/>
+          </p:cNvSpPr>
           <p:nvPr>
             <p:ph type="title"/>
           </p:nvPr>
@@ -4708,7 +4760,7 @@
           </a:prstGeom>
         </p:spPr>
         <p:txBody>
-          <a:bodyPr anchorCtr="0" anchor="t" bIns="91425" lIns="91425" spcFirstLastPara="1" rIns="91425" wrap="square" tIns="91425">
+          <a:bodyPr spcFirstLastPara="1" wrap="square" lIns="91425" tIns="91425" rIns="91425" bIns="91425" anchor="t" anchorCtr="0">
             <a:noAutofit/>
           </a:bodyPr>
           <a:lstStyle>
@@ -4812,15 +4864,19 @@
               <a:defRPr/>
             </a:lvl9pPr>
           </a:lstStyle>
-          <a:p/>
+          <a:p>
+            <a:endParaRPr/>
+          </a:p>
         </p:txBody>
       </p:sp>
       <p:sp>
         <p:nvSpPr>
           <p:cNvPr id="46" name="Google Shape;46;p6"/>
-          <p:cNvSpPr txBox="1"/>
+          <p:cNvSpPr txBox="1">
+            <a:spLocks noGrp="1"/>
+          </p:cNvSpPr>
           <p:nvPr>
-            <p:ph idx="12" type="sldNum"/>
+            <p:ph type="sldNum" idx="12"/>
           </p:nvPr>
         </p:nvSpPr>
         <p:spPr>
@@ -4833,7 +4889,7 @@
           </a:prstGeom>
         </p:spPr>
         <p:txBody>
-          <a:bodyPr anchorCtr="0" anchor="ctr" bIns="91425" lIns="91425" spcFirstLastPara="1" rIns="91425" wrap="square" tIns="91425">
+          <a:bodyPr spcFirstLastPara="1" wrap="square" lIns="91425" tIns="91425" rIns="91425" bIns="91425" anchor="ctr" anchorCtr="0">
             <a:noAutofit/>
           </a:bodyPr>
           <a:lstStyle>
@@ -4911,7 +4967,7 @@
             </a:lvl9pPr>
           </a:lstStyle>
           <a:p>
-            <a:pPr indent="0" lvl="0" marL="0" rtl="0" algn="r">
+            <a:pPr marL="0" lvl="0" indent="0" algn="r" rtl="0">
               <a:spcBef>
                 <a:spcPts val="0"/>
               </a:spcBef>
@@ -4937,11 +4993,11 @@
 </file>
 
 <file path=ppt/slideLayouts/slideLayout6.xml><?xml version="1.0" encoding="utf-8"?>
-<p:sldLayout xmlns:a="http://schemas.openxmlformats.org/drawingml/2006/main" xmlns:r="http://schemas.openxmlformats.org/officeDocument/2006/relationships" xmlns:mc="http://schemas.openxmlformats.org/markup-compatibility/2006" xmlns:mv="urn:schemas-microsoft-com:mac:vml" xmlns:p="http://schemas.openxmlformats.org/presentationml/2006/main" xmlns:c="http://schemas.openxmlformats.org/drawingml/2006/chart" xmlns:dgm="http://schemas.openxmlformats.org/drawingml/2006/diagram" xmlns:o="urn:schemas-microsoft-com:office:office" xmlns:v="urn:schemas-microsoft-com:vml" xmlns:pvml="urn:schemas-microsoft-com:office:powerpoint" xmlns:com="http://schemas.openxmlformats.org/drawingml/2006/compatibility" xmlns:p14="http://schemas.microsoft.com/office/powerpoint/2010/main" xmlns:p15="http://schemas.microsoft.com/office/powerpoint/2012/main" matchingName="One column text">
+<p:sldLayout xmlns:a="http://schemas.openxmlformats.org/drawingml/2006/main" xmlns:r="http://schemas.openxmlformats.org/officeDocument/2006/relationships" xmlns:p="http://schemas.openxmlformats.org/presentationml/2006/main" matchingName="One column text">
   <p:cSld name="ONE_COLUMN_TEXT">
     <p:spTree>
       <p:nvGrpSpPr>
-        <p:cNvPr id="47" name="Shape 47"/>
+        <p:cNvPr id="1" name="Shape 47"/>
         <p:cNvGrpSpPr/>
         <p:nvPr/>
       </p:nvGrpSpPr>
@@ -4956,7 +5012,9 @@
       <p:sp>
         <p:nvSpPr>
           <p:cNvPr id="48" name="Google Shape;48;p7"/>
-          <p:cNvSpPr txBox="1"/>
+          <p:cNvSpPr txBox="1">
+            <a:spLocks noGrp="1"/>
+          </p:cNvSpPr>
           <p:nvPr>
             <p:ph type="title"/>
           </p:nvPr>
@@ -4971,7 +5029,7 @@
           </a:prstGeom>
         </p:spPr>
         <p:txBody>
-          <a:bodyPr anchorCtr="0" anchor="b" bIns="91425" lIns="91425" spcFirstLastPara="1" rIns="91425" wrap="square" tIns="91425">
+          <a:bodyPr spcFirstLastPara="1" wrap="square" lIns="91425" tIns="91425" rIns="91425" bIns="91425" anchor="b" anchorCtr="0">
             <a:noAutofit/>
           </a:bodyPr>
           <a:lstStyle>
@@ -5075,15 +5133,19 @@
               <a:defRPr sz="2400"/>
             </a:lvl9pPr>
           </a:lstStyle>
-          <a:p/>
+          <a:p>
+            <a:endParaRPr/>
+          </a:p>
         </p:txBody>
       </p:sp>
       <p:sp>
         <p:nvSpPr>
           <p:cNvPr id="49" name="Google Shape;49;p7"/>
-          <p:cNvSpPr txBox="1"/>
+          <p:cNvSpPr txBox="1">
+            <a:spLocks noGrp="1"/>
+          </p:cNvSpPr>
           <p:nvPr>
-            <p:ph idx="1" type="body"/>
+            <p:ph type="body" idx="1"/>
           </p:nvPr>
         </p:nvSpPr>
         <p:spPr>
@@ -5096,11 +5158,11 @@
           </a:prstGeom>
         </p:spPr>
         <p:txBody>
-          <a:bodyPr anchorCtr="0" anchor="t" bIns="91425" lIns="91425" spcFirstLastPara="1" rIns="91425" wrap="square" tIns="91425">
+          <a:bodyPr spcFirstLastPara="1" wrap="square" lIns="91425" tIns="91425" rIns="91425" bIns="91425" anchor="t" anchorCtr="0">
             <a:noAutofit/>
           </a:bodyPr>
           <a:lstStyle>
-            <a:lvl1pPr indent="-304800" lvl="0" marL="457200">
+            <a:lvl1pPr marL="457200" lvl="0" indent="-304800">
               <a:spcBef>
                 <a:spcPts val="0"/>
               </a:spcBef>
@@ -5111,7 +5173,7 @@
               <a:buChar char="●"/>
               <a:defRPr sz="1200"/>
             </a:lvl1pPr>
-            <a:lvl2pPr indent="-304800" lvl="1" marL="914400">
+            <a:lvl2pPr marL="914400" lvl="1" indent="-304800">
               <a:spcBef>
                 <a:spcPts val="1600"/>
               </a:spcBef>
@@ -5122,7 +5184,7 @@
               <a:buChar char="○"/>
               <a:defRPr sz="1200"/>
             </a:lvl2pPr>
-            <a:lvl3pPr indent="-304800" lvl="2" marL="1371600">
+            <a:lvl3pPr marL="1371600" lvl="2" indent="-304800">
               <a:spcBef>
                 <a:spcPts val="1600"/>
               </a:spcBef>
@@ -5133,7 +5195,7 @@
               <a:buChar char="■"/>
               <a:defRPr sz="1200"/>
             </a:lvl3pPr>
-            <a:lvl4pPr indent="-304800" lvl="3" marL="1828800">
+            <a:lvl4pPr marL="1828800" lvl="3" indent="-304800">
               <a:spcBef>
                 <a:spcPts val="1600"/>
               </a:spcBef>
@@ -5144,7 +5206,7 @@
               <a:buChar char="●"/>
               <a:defRPr sz="1200"/>
             </a:lvl4pPr>
-            <a:lvl5pPr indent="-304800" lvl="4" marL="2286000">
+            <a:lvl5pPr marL="2286000" lvl="4" indent="-304800">
               <a:spcBef>
                 <a:spcPts val="1600"/>
               </a:spcBef>
@@ -5155,7 +5217,7 @@
               <a:buChar char="○"/>
               <a:defRPr sz="1200"/>
             </a:lvl5pPr>
-            <a:lvl6pPr indent="-304800" lvl="5" marL="2743200">
+            <a:lvl6pPr marL="2743200" lvl="5" indent="-304800">
               <a:spcBef>
                 <a:spcPts val="1600"/>
               </a:spcBef>
@@ -5166,7 +5228,7 @@
               <a:buChar char="■"/>
               <a:defRPr sz="1200"/>
             </a:lvl6pPr>
-            <a:lvl7pPr indent="-304800" lvl="6" marL="3200400">
+            <a:lvl7pPr marL="3200400" lvl="6" indent="-304800">
               <a:spcBef>
                 <a:spcPts val="1600"/>
               </a:spcBef>
@@ -5177,7 +5239,7 @@
               <a:buChar char="●"/>
               <a:defRPr sz="1200"/>
             </a:lvl7pPr>
-            <a:lvl8pPr indent="-304800" lvl="7" marL="3657600">
+            <a:lvl8pPr marL="3657600" lvl="7" indent="-304800">
               <a:spcBef>
                 <a:spcPts val="1600"/>
               </a:spcBef>
@@ -5188,7 +5250,7 @@
               <a:buChar char="○"/>
               <a:defRPr sz="1200"/>
             </a:lvl8pPr>
-            <a:lvl9pPr indent="-304800" lvl="8" marL="4114800">
+            <a:lvl9pPr marL="4114800" lvl="8" indent="-304800">
               <a:spcBef>
                 <a:spcPts val="1600"/>
               </a:spcBef>
@@ -5200,15 +5262,19 @@
               <a:defRPr sz="1200"/>
             </a:lvl9pPr>
           </a:lstStyle>
-          <a:p/>
+          <a:p>
+            <a:endParaRPr/>
+          </a:p>
         </p:txBody>
       </p:sp>
       <p:sp>
         <p:nvSpPr>
           <p:cNvPr id="50" name="Google Shape;50;p7"/>
-          <p:cNvSpPr txBox="1"/>
+          <p:cNvSpPr txBox="1">
+            <a:spLocks noGrp="1"/>
+          </p:cNvSpPr>
           <p:nvPr>
-            <p:ph idx="12" type="sldNum"/>
+            <p:ph type="sldNum" idx="12"/>
           </p:nvPr>
         </p:nvSpPr>
         <p:spPr>
@@ -5221,7 +5287,7 @@
           </a:prstGeom>
         </p:spPr>
         <p:txBody>
-          <a:bodyPr anchorCtr="0" anchor="ctr" bIns="91425" lIns="91425" spcFirstLastPara="1" rIns="91425" wrap="square" tIns="91425">
+          <a:bodyPr spcFirstLastPara="1" wrap="square" lIns="91425" tIns="91425" rIns="91425" bIns="91425" anchor="ctr" anchorCtr="0">
             <a:noAutofit/>
           </a:bodyPr>
           <a:lstStyle>
@@ -5299,7 +5365,7 @@
             </a:lvl9pPr>
           </a:lstStyle>
           <a:p>
-            <a:pPr indent="0" lvl="0" marL="0" rtl="0" algn="r">
+            <a:pPr marL="0" lvl="0" indent="0" algn="r" rtl="0">
               <a:spcBef>
                 <a:spcPts val="0"/>
               </a:spcBef>
@@ -5325,18 +5391,19 @@
 </file>
 
 <file path=ppt/slideLayouts/slideLayout7.xml><?xml version="1.0" encoding="utf-8"?>
-<p:sldLayout xmlns:a="http://schemas.openxmlformats.org/drawingml/2006/main" xmlns:r="http://schemas.openxmlformats.org/officeDocument/2006/relationships" xmlns:mc="http://schemas.openxmlformats.org/markup-compatibility/2006" xmlns:mv="urn:schemas-microsoft-com:mac:vml" xmlns:p="http://schemas.openxmlformats.org/presentationml/2006/main" xmlns:c="http://schemas.openxmlformats.org/drawingml/2006/chart" xmlns:dgm="http://schemas.openxmlformats.org/drawingml/2006/diagram" xmlns:o="urn:schemas-microsoft-com:office:office" xmlns:v="urn:schemas-microsoft-com:vml" xmlns:pvml="urn:schemas-microsoft-com:office:powerpoint" xmlns:com="http://schemas.openxmlformats.org/drawingml/2006/compatibility" xmlns:p14="http://schemas.microsoft.com/office/powerpoint/2010/main" xmlns:p15="http://schemas.microsoft.com/office/powerpoint/2012/main" matchingName="Main point">
+<p:sldLayout xmlns:a="http://schemas.openxmlformats.org/drawingml/2006/main" xmlns:r="http://schemas.openxmlformats.org/officeDocument/2006/relationships" xmlns:p="http://schemas.openxmlformats.org/presentationml/2006/main" matchingName="Main point">
   <p:cSld name="MAIN_POINT">
     <p:bg>
       <p:bgPr>
         <a:solidFill>
           <a:schemeClr val="accent4"/>
         </a:solidFill>
+        <a:effectLst/>
       </p:bgPr>
     </p:bg>
     <p:spTree>
       <p:nvGrpSpPr>
-        <p:cNvPr id="51" name="Shape 51"/>
+        <p:cNvPr id="1" name="Shape 51"/>
         <p:cNvGrpSpPr/>
         <p:nvPr/>
       </p:nvGrpSpPr>
@@ -5384,12 +5451,12 @@
             </a:ln>
           </p:spPr>
           <p:txBody>
-            <a:bodyPr anchorCtr="0" anchor="ctr" bIns="91425" lIns="91425" spcFirstLastPara="1" rIns="91425" wrap="square" tIns="91425">
+            <a:bodyPr spcFirstLastPara="1" wrap="square" lIns="91425" tIns="91425" rIns="91425" bIns="91425" anchor="ctr" anchorCtr="0">
               <a:noAutofit/>
             </a:bodyPr>
             <a:lstStyle/>
             <a:p>
-              <a:pPr indent="0" lvl="0" marL="0" rtl="0" algn="l">
+              <a:pPr marL="0" lvl="0" indent="0" algn="l" rtl="0">
                 <a:spcBef>
                   <a:spcPts val="0"/>
                 </a:spcBef>
@@ -5398,9 +5465,6 @@
                 </a:spcAft>
                 <a:buNone/>
               </a:pPr>
-              <a:r>
-                <a:t/>
-              </a:r>
               <a:endParaRPr/>
             </a:p>
           </p:txBody>
@@ -5427,12 +5491,12 @@
             </a:ln>
           </p:spPr>
           <p:txBody>
-            <a:bodyPr anchorCtr="0" anchor="ctr" bIns="91425" lIns="91425" spcFirstLastPara="1" rIns="91425" wrap="square" tIns="91425">
+            <a:bodyPr spcFirstLastPara="1" wrap="square" lIns="91425" tIns="91425" rIns="91425" bIns="91425" anchor="ctr" anchorCtr="0">
               <a:noAutofit/>
             </a:bodyPr>
             <a:lstStyle/>
             <a:p>
-              <a:pPr indent="0" lvl="0" marL="0" rtl="0" algn="l">
+              <a:pPr marL="0" lvl="0" indent="0" algn="l" rtl="0">
                 <a:spcBef>
                   <a:spcPts val="0"/>
                 </a:spcBef>
@@ -5441,9 +5505,6 @@
                 </a:spcAft>
                 <a:buNone/>
               </a:pPr>
-              <a:r>
-                <a:t/>
-              </a:r>
               <a:endParaRPr/>
             </a:p>
           </p:txBody>
@@ -5455,7 +5516,7 @@
             <p:nvPr/>
           </p:nvSpPr>
           <p:spPr>
-            <a:xfrm flipH="1" rot="10800000">
+            <a:xfrm rot="10800000" flipH="1">
               <a:off x="7113588" y="107"/>
               <a:ext cx="1015200" cy="1015200"/>
             </a:xfrm>
@@ -5470,12 +5531,12 @@
             </a:ln>
           </p:spPr>
           <p:txBody>
-            <a:bodyPr anchorCtr="0" anchor="ctr" bIns="91425" lIns="91425" spcFirstLastPara="1" rIns="91425" wrap="square" tIns="91425">
+            <a:bodyPr spcFirstLastPara="1" wrap="square" lIns="91425" tIns="91425" rIns="91425" bIns="91425" anchor="ctr" anchorCtr="0">
               <a:noAutofit/>
             </a:bodyPr>
             <a:lstStyle/>
             <a:p>
-              <a:pPr indent="0" lvl="0" marL="0" rtl="0" algn="l">
+              <a:pPr marL="0" lvl="0" indent="0" algn="l" rtl="0">
                 <a:spcBef>
                   <a:spcPts val="0"/>
                 </a:spcBef>
@@ -5484,9 +5545,6 @@
                 </a:spcAft>
                 <a:buNone/>
               </a:pPr>
-              <a:r>
-                <a:t/>
-              </a:r>
               <a:endParaRPr/>
             </a:p>
           </p:txBody>
@@ -5513,12 +5571,12 @@
             </a:ln>
           </p:spPr>
           <p:txBody>
-            <a:bodyPr anchorCtr="0" anchor="ctr" bIns="91425" lIns="91425" spcFirstLastPara="1" rIns="91425" wrap="square" tIns="91425">
+            <a:bodyPr spcFirstLastPara="1" wrap="square" lIns="91425" tIns="91425" rIns="91425" bIns="91425" anchor="ctr" anchorCtr="0">
               <a:noAutofit/>
             </a:bodyPr>
             <a:lstStyle/>
             <a:p>
-              <a:pPr indent="0" lvl="0" marL="0" rtl="0" algn="l">
+              <a:pPr marL="0" lvl="0" indent="0" algn="l" rtl="0">
                 <a:spcBef>
                   <a:spcPts val="0"/>
                 </a:spcBef>
@@ -5527,9 +5585,6 @@
                 </a:spcAft>
                 <a:buNone/>
               </a:pPr>
-              <a:r>
-                <a:t/>
-              </a:r>
               <a:endParaRPr/>
             </a:p>
           </p:txBody>
@@ -5556,12 +5611,12 @@
             </a:ln>
           </p:spPr>
           <p:txBody>
-            <a:bodyPr anchorCtr="0" anchor="ctr" bIns="91425" lIns="91425" spcFirstLastPara="1" rIns="91425" wrap="square" tIns="91425">
+            <a:bodyPr spcFirstLastPara="1" wrap="square" lIns="91425" tIns="91425" rIns="91425" bIns="91425" anchor="ctr" anchorCtr="0">
               <a:noAutofit/>
             </a:bodyPr>
             <a:lstStyle/>
             <a:p>
-              <a:pPr indent="0" lvl="0" marL="0" rtl="0" algn="l">
+              <a:pPr marL="0" lvl="0" indent="0" algn="l" rtl="0">
                 <a:spcBef>
                   <a:spcPts val="0"/>
                 </a:spcBef>
@@ -5570,9 +5625,6 @@
                 </a:spcAft>
                 <a:buNone/>
               </a:pPr>
-              <a:r>
-                <a:t/>
-              </a:r>
               <a:endParaRPr/>
             </a:p>
           </p:txBody>
@@ -5581,7 +5633,9 @@
       <p:sp>
         <p:nvSpPr>
           <p:cNvPr id="58" name="Google Shape;58;p8"/>
-          <p:cNvSpPr txBox="1"/>
+          <p:cNvSpPr txBox="1">
+            <a:spLocks noGrp="1"/>
+          </p:cNvSpPr>
           <p:nvPr>
             <p:ph type="title"/>
           </p:nvPr>
@@ -5596,7 +5650,7 @@
           </a:prstGeom>
         </p:spPr>
         <p:txBody>
-          <a:bodyPr anchorCtr="0" anchor="ctr" bIns="91425" lIns="91425" spcFirstLastPara="1" rIns="91425" wrap="square" tIns="91425">
+          <a:bodyPr spcFirstLastPara="1" wrap="square" lIns="91425" tIns="91425" rIns="91425" bIns="91425" anchor="ctr" anchorCtr="0">
             <a:noAutofit/>
           </a:bodyPr>
           <a:lstStyle>
@@ -5763,15 +5817,19 @@
               </a:defRPr>
             </a:lvl9pPr>
           </a:lstStyle>
-          <a:p/>
+          <a:p>
+            <a:endParaRPr/>
+          </a:p>
         </p:txBody>
       </p:sp>
       <p:sp>
         <p:nvSpPr>
           <p:cNvPr id="59" name="Google Shape;59;p8"/>
-          <p:cNvSpPr txBox="1"/>
+          <p:cNvSpPr txBox="1">
+            <a:spLocks noGrp="1"/>
+          </p:cNvSpPr>
           <p:nvPr>
-            <p:ph idx="12" type="sldNum"/>
+            <p:ph type="sldNum" idx="12"/>
           </p:nvPr>
         </p:nvSpPr>
         <p:spPr>
@@ -5784,7 +5842,7 @@
           </a:prstGeom>
         </p:spPr>
         <p:txBody>
-          <a:bodyPr anchorCtr="0" anchor="ctr" bIns="91425" lIns="91425" spcFirstLastPara="1" rIns="91425" wrap="square" tIns="91425">
+          <a:bodyPr spcFirstLastPara="1" wrap="square" lIns="91425" tIns="91425" rIns="91425" bIns="91425" anchor="ctr" anchorCtr="0">
             <a:noAutofit/>
           </a:bodyPr>
           <a:lstStyle>
@@ -5826,7 +5884,7 @@
             </a:lvl9pPr>
           </a:lstStyle>
           <a:p>
-            <a:pPr indent="0" lvl="0" marL="0" rtl="0" algn="r">
+            <a:pPr marL="0" lvl="0" indent="0" algn="r" rtl="0">
               <a:spcBef>
                 <a:spcPts val="0"/>
               </a:spcBef>
@@ -5852,11 +5910,11 @@
 </file>
 
 <file path=ppt/slideLayouts/slideLayout8.xml><?xml version="1.0" encoding="utf-8"?>
-<p:sldLayout xmlns:a="http://schemas.openxmlformats.org/drawingml/2006/main" xmlns:r="http://schemas.openxmlformats.org/officeDocument/2006/relationships" xmlns:mc="http://schemas.openxmlformats.org/markup-compatibility/2006" xmlns:mv="urn:schemas-microsoft-com:mac:vml" xmlns:p="http://schemas.openxmlformats.org/presentationml/2006/main" xmlns:c="http://schemas.openxmlformats.org/drawingml/2006/chart" xmlns:dgm="http://schemas.openxmlformats.org/drawingml/2006/diagram" xmlns:o="urn:schemas-microsoft-com:office:office" xmlns:v="urn:schemas-microsoft-com:vml" xmlns:pvml="urn:schemas-microsoft-com:office:powerpoint" xmlns:com="http://schemas.openxmlformats.org/drawingml/2006/compatibility" xmlns:p14="http://schemas.microsoft.com/office/powerpoint/2010/main" xmlns:p15="http://schemas.microsoft.com/office/powerpoint/2012/main" matchingName="Section title and description">
+<p:sldLayout xmlns:a="http://schemas.openxmlformats.org/drawingml/2006/main" xmlns:r="http://schemas.openxmlformats.org/officeDocument/2006/relationships" xmlns:p="http://schemas.openxmlformats.org/presentationml/2006/main" matchingName="Section title and description">
   <p:cSld name="SECTION_TITLE_AND_DESCRIPTION">
     <p:spTree>
       <p:nvGrpSpPr>
-        <p:cNvPr id="60" name="Shape 60"/>
+        <p:cNvPr id="1" name="Shape 60"/>
         <p:cNvGrpSpPr/>
         <p:nvPr/>
       </p:nvGrpSpPr>
@@ -5890,12 +5948,12 @@
           </a:ln>
         </p:spPr>
         <p:txBody>
-          <a:bodyPr anchorCtr="0" anchor="ctr" bIns="91425" lIns="91425" spcFirstLastPara="1" rIns="91425" wrap="square" tIns="91425">
+          <a:bodyPr spcFirstLastPara="1" wrap="square" lIns="91425" tIns="91425" rIns="91425" bIns="91425" anchor="ctr" anchorCtr="0">
             <a:noAutofit/>
           </a:bodyPr>
           <a:lstStyle/>
           <a:p>
-            <a:pPr indent="0" lvl="0" marL="0" rtl="0" algn="l">
+            <a:pPr marL="0" lvl="0" indent="0" algn="l" rtl="0">
               <a:spcBef>
                 <a:spcPts val="0"/>
               </a:spcBef>
@@ -5904,9 +5962,6 @@
               </a:spcAft>
               <a:buNone/>
             </a:pPr>
-            <a:r>
-              <a:t/>
-            </a:r>
             <a:endParaRPr/>
           </a:p>
         </p:txBody>
@@ -5926,21 +5981,23 @@
             <a:avLst/>
           </a:prstGeom>
           <a:noFill/>
-          <a:ln cap="flat" cmpd="sng" w="19050">
+          <a:ln w="19050" cap="flat" cmpd="sng">
             <a:solidFill>
               <a:schemeClr val="lt1"/>
             </a:solidFill>
             <a:prstDash val="solid"/>
             <a:round/>
-            <a:headEnd len="sm" w="sm" type="none"/>
-            <a:tailEnd len="sm" w="sm" type="none"/>
+            <a:headEnd type="none" w="sm" len="sm"/>
+            <a:tailEnd type="none" w="sm" len="sm"/>
           </a:ln>
         </p:spPr>
       </p:cxnSp>
       <p:sp>
         <p:nvSpPr>
           <p:cNvPr id="63" name="Google Shape;63;p9"/>
-          <p:cNvSpPr txBox="1"/>
+          <p:cNvSpPr txBox="1">
+            <a:spLocks noGrp="1"/>
+          </p:cNvSpPr>
           <p:nvPr>
             <p:ph type="title"/>
           </p:nvPr>
@@ -5955,7 +6012,7 @@
           </a:prstGeom>
         </p:spPr>
         <p:txBody>
-          <a:bodyPr anchorCtr="0" anchor="b" bIns="91425" lIns="91425" spcFirstLastPara="1" rIns="91425" wrap="square" tIns="91425">
+          <a:bodyPr spcFirstLastPara="1" wrap="square" lIns="91425" tIns="91425" rIns="91425" bIns="91425" anchor="b" anchorCtr="0">
             <a:noAutofit/>
           </a:bodyPr>
           <a:lstStyle>
@@ -6059,15 +6116,19 @@
               <a:defRPr sz="4200"/>
             </a:lvl9pPr>
           </a:lstStyle>
-          <a:p/>
+          <a:p>
+            <a:endParaRPr/>
+          </a:p>
         </p:txBody>
       </p:sp>
       <p:sp>
         <p:nvSpPr>
           <p:cNvPr id="64" name="Google Shape;64;p9"/>
-          <p:cNvSpPr txBox="1"/>
+          <p:cNvSpPr txBox="1">
+            <a:spLocks noGrp="1"/>
+          </p:cNvSpPr>
           <p:nvPr>
-            <p:ph idx="1" type="subTitle"/>
+            <p:ph type="subTitle" idx="1"/>
           </p:nvPr>
         </p:nvSpPr>
         <p:spPr>
@@ -6080,7 +6141,7 @@
           </a:prstGeom>
         </p:spPr>
         <p:txBody>
-          <a:bodyPr anchorCtr="0" anchor="t" bIns="91425" lIns="91425" spcFirstLastPara="1" rIns="91425" wrap="square" tIns="91425">
+          <a:bodyPr spcFirstLastPara="1" wrap="square" lIns="91425" tIns="91425" rIns="91425" bIns="91425" anchor="t" anchorCtr="0">
             <a:noAutofit/>
           </a:bodyPr>
           <a:lstStyle>
@@ -6211,15 +6272,19 @@
               <a:defRPr sz="2100"/>
             </a:lvl9pPr>
           </a:lstStyle>
-          <a:p/>
+          <a:p>
+            <a:endParaRPr/>
+          </a:p>
         </p:txBody>
       </p:sp>
       <p:sp>
         <p:nvSpPr>
           <p:cNvPr id="65" name="Google Shape;65;p9"/>
-          <p:cNvSpPr txBox="1"/>
+          <p:cNvSpPr txBox="1">
+            <a:spLocks noGrp="1"/>
+          </p:cNvSpPr>
           <p:nvPr>
-            <p:ph idx="2" type="body"/>
+            <p:ph type="body" idx="2"/>
           </p:nvPr>
         </p:nvSpPr>
         <p:spPr>
@@ -6232,11 +6297,11 @@
           </a:prstGeom>
         </p:spPr>
         <p:txBody>
-          <a:bodyPr anchorCtr="0" anchor="ctr" bIns="91425" lIns="91425" spcFirstLastPara="1" rIns="91425" wrap="square" tIns="91425">
+          <a:bodyPr spcFirstLastPara="1" wrap="square" lIns="91425" tIns="91425" rIns="91425" bIns="91425" anchor="ctr" anchorCtr="0">
             <a:noAutofit/>
           </a:bodyPr>
           <a:lstStyle>
-            <a:lvl1pPr indent="-342900" lvl="0" marL="457200">
+            <a:lvl1pPr marL="457200" lvl="0" indent="-342900">
               <a:spcBef>
                 <a:spcPts val="0"/>
               </a:spcBef>
@@ -6254,7 +6319,7 @@
                 </a:solidFill>
               </a:defRPr>
             </a:lvl1pPr>
-            <a:lvl2pPr indent="-317500" lvl="1" marL="914400">
+            <a:lvl2pPr marL="914400" lvl="1" indent="-317500">
               <a:spcBef>
                 <a:spcPts val="1600"/>
               </a:spcBef>
@@ -6272,7 +6337,7 @@
                 </a:solidFill>
               </a:defRPr>
             </a:lvl2pPr>
-            <a:lvl3pPr indent="-317500" lvl="2" marL="1371600">
+            <a:lvl3pPr marL="1371600" lvl="2" indent="-317500">
               <a:spcBef>
                 <a:spcPts val="1600"/>
               </a:spcBef>
@@ -6290,7 +6355,7 @@
                 </a:solidFill>
               </a:defRPr>
             </a:lvl3pPr>
-            <a:lvl4pPr indent="-317500" lvl="3" marL="1828800">
+            <a:lvl4pPr marL="1828800" lvl="3" indent="-317500">
               <a:spcBef>
                 <a:spcPts val="1600"/>
               </a:spcBef>
@@ -6308,7 +6373,7 @@
                 </a:solidFill>
               </a:defRPr>
             </a:lvl4pPr>
-            <a:lvl5pPr indent="-317500" lvl="4" marL="2286000">
+            <a:lvl5pPr marL="2286000" lvl="4" indent="-317500">
               <a:spcBef>
                 <a:spcPts val="1600"/>
               </a:spcBef>
@@ -6326,7 +6391,7 @@
                 </a:solidFill>
               </a:defRPr>
             </a:lvl5pPr>
-            <a:lvl6pPr indent="-317500" lvl="5" marL="2743200">
+            <a:lvl6pPr marL="2743200" lvl="5" indent="-317500">
               <a:spcBef>
                 <a:spcPts val="1600"/>
               </a:spcBef>
@@ -6344,7 +6409,7 @@
                 </a:solidFill>
               </a:defRPr>
             </a:lvl6pPr>
-            <a:lvl7pPr indent="-317500" lvl="6" marL="3200400">
+            <a:lvl7pPr marL="3200400" lvl="6" indent="-317500">
               <a:spcBef>
                 <a:spcPts val="1600"/>
               </a:spcBef>
@@ -6362,7 +6427,7 @@
                 </a:solidFill>
               </a:defRPr>
             </a:lvl7pPr>
-            <a:lvl8pPr indent="-317500" lvl="7" marL="3657600">
+            <a:lvl8pPr marL="3657600" lvl="7" indent="-317500">
               <a:spcBef>
                 <a:spcPts val="1600"/>
               </a:spcBef>
@@ -6380,7 +6445,7 @@
                 </a:solidFill>
               </a:defRPr>
             </a:lvl8pPr>
-            <a:lvl9pPr indent="-317500" lvl="8" marL="4114800">
+            <a:lvl9pPr marL="4114800" lvl="8" indent="-317500">
               <a:spcBef>
                 <a:spcPts val="1600"/>
               </a:spcBef>
@@ -6399,15 +6464,19 @@
               </a:defRPr>
             </a:lvl9pPr>
           </a:lstStyle>
-          <a:p/>
+          <a:p>
+            <a:endParaRPr/>
+          </a:p>
         </p:txBody>
       </p:sp>
       <p:sp>
         <p:nvSpPr>
           <p:cNvPr id="66" name="Google Shape;66;p9"/>
-          <p:cNvSpPr txBox="1"/>
+          <p:cNvSpPr txBox="1">
+            <a:spLocks noGrp="1"/>
+          </p:cNvSpPr>
           <p:nvPr>
-            <p:ph idx="12" type="sldNum"/>
+            <p:ph type="sldNum" idx="12"/>
           </p:nvPr>
         </p:nvSpPr>
         <p:spPr>
@@ -6420,7 +6489,7 @@
           </a:prstGeom>
         </p:spPr>
         <p:txBody>
-          <a:bodyPr anchorCtr="0" anchor="ctr" bIns="91425" lIns="91425" spcFirstLastPara="1" rIns="91425" wrap="square" tIns="91425">
+          <a:bodyPr spcFirstLastPara="1" wrap="square" lIns="91425" tIns="91425" rIns="91425" bIns="91425" anchor="ctr" anchorCtr="0">
             <a:noAutofit/>
           </a:bodyPr>
           <a:lstStyle>
@@ -6462,7 +6531,7 @@
             </a:lvl9pPr>
           </a:lstStyle>
           <a:p>
-            <a:pPr indent="0" lvl="0" marL="0" rtl="0" algn="r">
+            <a:pPr marL="0" lvl="0" indent="0" algn="r" rtl="0">
               <a:spcBef>
                 <a:spcPts val="0"/>
               </a:spcBef>
@@ -6488,11 +6557,11 @@
 </file>
 
 <file path=ppt/slideLayouts/slideLayout9.xml><?xml version="1.0" encoding="utf-8"?>
-<p:sldLayout xmlns:a="http://schemas.openxmlformats.org/drawingml/2006/main" xmlns:r="http://schemas.openxmlformats.org/officeDocument/2006/relationships" xmlns:mc="http://schemas.openxmlformats.org/markup-compatibility/2006" xmlns:mv="urn:schemas-microsoft-com:mac:vml" xmlns:p="http://schemas.openxmlformats.org/presentationml/2006/main" xmlns:c="http://schemas.openxmlformats.org/drawingml/2006/chart" xmlns:dgm="http://schemas.openxmlformats.org/drawingml/2006/diagram" xmlns:o="urn:schemas-microsoft-com:office:office" xmlns:v="urn:schemas-microsoft-com:vml" xmlns:pvml="urn:schemas-microsoft-com:office:powerpoint" xmlns:com="http://schemas.openxmlformats.org/drawingml/2006/compatibility" xmlns:p14="http://schemas.microsoft.com/office/powerpoint/2010/main" xmlns:p15="http://schemas.microsoft.com/office/powerpoint/2012/main" matchingName="Caption">
+<p:sldLayout xmlns:a="http://schemas.openxmlformats.org/drawingml/2006/main" xmlns:r="http://schemas.openxmlformats.org/officeDocument/2006/relationships" xmlns:p="http://schemas.openxmlformats.org/presentationml/2006/main" matchingName="Caption">
   <p:cSld name="CAPTION_ONLY">
     <p:spTree>
       <p:nvGrpSpPr>
-        <p:cNvPr id="67" name="Shape 67"/>
+        <p:cNvPr id="1" name="Shape 67"/>
         <p:cNvGrpSpPr/>
         <p:nvPr/>
       </p:nvGrpSpPr>
@@ -6507,9 +6576,11 @@
       <p:sp>
         <p:nvSpPr>
           <p:cNvPr id="68" name="Google Shape;68;p10"/>
-          <p:cNvSpPr txBox="1"/>
+          <p:cNvSpPr txBox="1">
+            <a:spLocks noGrp="1"/>
+          </p:cNvSpPr>
           <p:nvPr>
-            <p:ph idx="1" type="body"/>
+            <p:ph type="body" idx="1"/>
           </p:nvPr>
         </p:nvSpPr>
         <p:spPr>
@@ -6522,11 +6593,11 @@
           </a:prstGeom>
         </p:spPr>
         <p:txBody>
-          <a:bodyPr anchorCtr="0" anchor="ctr" bIns="91425" lIns="91425" spcFirstLastPara="1" rIns="91425" wrap="square" tIns="91425">
+          <a:bodyPr spcFirstLastPara="1" wrap="square" lIns="91425" tIns="91425" rIns="91425" bIns="91425" anchor="ctr" anchorCtr="0">
             <a:noAutofit/>
           </a:bodyPr>
           <a:lstStyle>
-            <a:lvl1pPr indent="-228600" lvl="0" marL="457200">
+            <a:lvl1pPr marL="457200" lvl="0" indent="-228600">
               <a:lnSpc>
                 <a:spcPct val="100000"/>
               </a:lnSpc>
@@ -6541,15 +6612,19 @@
               <a:defRPr/>
             </a:lvl1pPr>
           </a:lstStyle>
-          <a:p/>
+          <a:p>
+            <a:endParaRPr/>
+          </a:p>
         </p:txBody>
       </p:sp>
       <p:sp>
         <p:nvSpPr>
           <p:cNvPr id="69" name="Google Shape;69;p10"/>
-          <p:cNvSpPr txBox="1"/>
+          <p:cNvSpPr txBox="1">
+            <a:spLocks noGrp="1"/>
+          </p:cNvSpPr>
           <p:nvPr>
-            <p:ph idx="12" type="sldNum"/>
+            <p:ph type="sldNum" idx="12"/>
           </p:nvPr>
         </p:nvSpPr>
         <p:spPr>
@@ -6562,7 +6637,7 @@
           </a:prstGeom>
         </p:spPr>
         <p:txBody>
-          <a:bodyPr anchorCtr="0" anchor="ctr" bIns="91425" lIns="91425" spcFirstLastPara="1" rIns="91425" wrap="square" tIns="91425">
+          <a:bodyPr spcFirstLastPara="1" wrap="square" lIns="91425" tIns="91425" rIns="91425" bIns="91425" anchor="ctr" anchorCtr="0">
             <a:noAutofit/>
           </a:bodyPr>
           <a:lstStyle>
@@ -6640,7 +6715,7 @@
             </a:lvl9pPr>
           </a:lstStyle>
           <a:p>
-            <a:pPr indent="0" lvl="0" marL="0" rtl="0" algn="r">
+            <a:pPr marL="0" lvl="0" indent="0" algn="r" rtl="0">
               <a:spcBef>
                 <a:spcPts val="0"/>
               </a:spcBef>
@@ -6666,18 +6741,19 @@
 </file>
 
 <file path=ppt/slideMasters/slideMaster1.xml><?xml version="1.0" encoding="utf-8"?>
-<p:sldMaster xmlns:a="http://schemas.openxmlformats.org/drawingml/2006/main" xmlns:r="http://schemas.openxmlformats.org/officeDocument/2006/relationships" xmlns:mc="http://schemas.openxmlformats.org/markup-compatibility/2006" xmlns:mv="urn:schemas-microsoft-com:mac:vml" xmlns:p="http://schemas.openxmlformats.org/presentationml/2006/main" xmlns:c="http://schemas.openxmlformats.org/drawingml/2006/chart" xmlns:dgm="http://schemas.openxmlformats.org/drawingml/2006/diagram" xmlns:o="urn:schemas-microsoft-com:office:office" xmlns:v="urn:schemas-microsoft-com:vml" xmlns:pvml="urn:schemas-microsoft-com:office:powerpoint" xmlns:com="http://schemas.openxmlformats.org/drawingml/2006/compatibility" xmlns:p14="http://schemas.microsoft.com/office/powerpoint/2010/main" xmlns:p15="http://schemas.microsoft.com/office/powerpoint/2012/main">
+<p:sldMaster xmlns:a="http://schemas.openxmlformats.org/drawingml/2006/main" xmlns:r="http://schemas.openxmlformats.org/officeDocument/2006/relationships" xmlns:p="http://schemas.openxmlformats.org/presentationml/2006/main">
   <p:cSld name="geometric">
     <p:bg>
       <p:bgPr>
         <a:solidFill>
           <a:schemeClr val="lt1"/>
         </a:solidFill>
+        <a:effectLst/>
       </p:bgPr>
     </p:bg>
     <p:spTree>
       <p:nvGrpSpPr>
-        <p:cNvPr id="5" name="Shape 5"/>
+        <p:cNvPr id="1" name="Shape 5"/>
         <p:cNvGrpSpPr/>
         <p:nvPr/>
       </p:nvGrpSpPr>
@@ -6692,7 +6768,9 @@
       <p:sp>
         <p:nvSpPr>
           <p:cNvPr id="6" name="Google Shape;6;p1"/>
-          <p:cNvSpPr txBox="1"/>
+          <p:cNvSpPr txBox="1">
+            <a:spLocks noGrp="1"/>
+          </p:cNvSpPr>
           <p:nvPr>
             <p:ph type="title"/>
           </p:nvPr>
@@ -6711,7 +6789,7 @@
           </a:ln>
         </p:spPr>
         <p:txBody>
-          <a:bodyPr anchorCtr="0" anchor="t" bIns="91425" lIns="91425" spcFirstLastPara="1" rIns="91425" wrap="square" tIns="91425">
+          <a:bodyPr spcFirstLastPara="1" wrap="square" lIns="91425" tIns="91425" rIns="91425" bIns="91425" anchor="t" anchorCtr="0">
             <a:noAutofit/>
           </a:bodyPr>
           <a:lstStyle>
@@ -6923,15 +7001,19 @@
               </a:defRPr>
             </a:lvl9pPr>
           </a:lstStyle>
-          <a:p/>
+          <a:p>
+            <a:endParaRPr/>
+          </a:p>
         </p:txBody>
       </p:sp>
       <p:sp>
         <p:nvSpPr>
           <p:cNvPr id="7" name="Google Shape;7;p1"/>
-          <p:cNvSpPr txBox="1"/>
+          <p:cNvSpPr txBox="1">
+            <a:spLocks noGrp="1"/>
+          </p:cNvSpPr>
           <p:nvPr>
-            <p:ph idx="1" type="body"/>
+            <p:ph type="body" idx="1"/>
           </p:nvPr>
         </p:nvSpPr>
         <p:spPr>
@@ -6948,11 +7030,11 @@
           </a:ln>
         </p:spPr>
         <p:txBody>
-          <a:bodyPr anchorCtr="0" anchor="t" bIns="91425" lIns="91425" spcFirstLastPara="1" rIns="91425" wrap="square" tIns="91425">
+          <a:bodyPr spcFirstLastPara="1" wrap="square" lIns="91425" tIns="91425" rIns="91425" bIns="91425" anchor="t" anchorCtr="0">
             <a:noAutofit/>
           </a:bodyPr>
           <a:lstStyle>
-            <a:lvl1pPr indent="-342900" lvl="0" marL="457200">
+            <a:lvl1pPr marL="457200" lvl="0" indent="-342900">
               <a:lnSpc>
                 <a:spcPct val="115000"/>
               </a:lnSpc>
@@ -6978,7 +7060,7 @@
                 <a:sym typeface="Roboto"/>
               </a:defRPr>
             </a:lvl1pPr>
-            <a:lvl2pPr indent="-317500" lvl="1" marL="914400">
+            <a:lvl2pPr marL="914400" lvl="1" indent="-317500">
               <a:lnSpc>
                 <a:spcPct val="115000"/>
               </a:lnSpc>
@@ -7004,7 +7086,7 @@
                 <a:sym typeface="Roboto"/>
               </a:defRPr>
             </a:lvl2pPr>
-            <a:lvl3pPr indent="-317500" lvl="2" marL="1371600">
+            <a:lvl3pPr marL="1371600" lvl="2" indent="-317500">
               <a:lnSpc>
                 <a:spcPct val="115000"/>
               </a:lnSpc>
@@ -7030,7 +7112,7 @@
                 <a:sym typeface="Roboto"/>
               </a:defRPr>
             </a:lvl3pPr>
-            <a:lvl4pPr indent="-317500" lvl="3" marL="1828800">
+            <a:lvl4pPr marL="1828800" lvl="3" indent="-317500">
               <a:lnSpc>
                 <a:spcPct val="115000"/>
               </a:lnSpc>
@@ -7056,7 +7138,7 @@
                 <a:sym typeface="Roboto"/>
               </a:defRPr>
             </a:lvl4pPr>
-            <a:lvl5pPr indent="-317500" lvl="4" marL="2286000">
+            <a:lvl5pPr marL="2286000" lvl="4" indent="-317500">
               <a:lnSpc>
                 <a:spcPct val="115000"/>
               </a:lnSpc>
@@ -7082,7 +7164,7 @@
                 <a:sym typeface="Roboto"/>
               </a:defRPr>
             </a:lvl5pPr>
-            <a:lvl6pPr indent="-317500" lvl="5" marL="2743200">
+            <a:lvl6pPr marL="2743200" lvl="5" indent="-317500">
               <a:lnSpc>
                 <a:spcPct val="115000"/>
               </a:lnSpc>
@@ -7108,7 +7190,7 @@
                 <a:sym typeface="Roboto"/>
               </a:defRPr>
             </a:lvl6pPr>
-            <a:lvl7pPr indent="-317500" lvl="6" marL="3200400">
+            <a:lvl7pPr marL="3200400" lvl="6" indent="-317500">
               <a:lnSpc>
                 <a:spcPct val="115000"/>
               </a:lnSpc>
@@ -7134,7 +7216,7 @@
                 <a:sym typeface="Roboto"/>
               </a:defRPr>
             </a:lvl7pPr>
-            <a:lvl8pPr indent="-317500" lvl="7" marL="3657600">
+            <a:lvl8pPr marL="3657600" lvl="7" indent="-317500">
               <a:lnSpc>
                 <a:spcPct val="115000"/>
               </a:lnSpc>
@@ -7160,7 +7242,7 @@
                 <a:sym typeface="Roboto"/>
               </a:defRPr>
             </a:lvl8pPr>
-            <a:lvl9pPr indent="-317500" lvl="8" marL="4114800">
+            <a:lvl9pPr marL="4114800" lvl="8" indent="-317500">
               <a:lnSpc>
                 <a:spcPct val="115000"/>
               </a:lnSpc>
@@ -7187,15 +7269,19 @@
               </a:defRPr>
             </a:lvl9pPr>
           </a:lstStyle>
-          <a:p/>
+          <a:p>
+            <a:endParaRPr/>
+          </a:p>
         </p:txBody>
       </p:sp>
       <p:sp>
         <p:nvSpPr>
           <p:cNvPr id="8" name="Google Shape;8;p1"/>
-          <p:cNvSpPr txBox="1"/>
+          <p:cNvSpPr txBox="1">
+            <a:spLocks noGrp="1"/>
+          </p:cNvSpPr>
           <p:nvPr>
-            <p:ph idx="12" type="sldNum"/>
+            <p:ph type="sldNum" idx="12"/>
           </p:nvPr>
         </p:nvSpPr>
         <p:spPr>
@@ -7212,7 +7298,7 @@
           </a:ln>
         </p:spPr>
         <p:txBody>
-          <a:bodyPr anchorCtr="0" anchor="ctr" bIns="91425" lIns="91425" spcFirstLastPara="1" rIns="91425" wrap="square" tIns="91425">
+          <a:bodyPr spcFirstLastPara="1" wrap="square" lIns="91425" tIns="91425" rIns="91425" bIns="91425" anchor="ctr" anchorCtr="0">
             <a:noAutofit/>
           </a:bodyPr>
           <a:lstStyle>
@@ -7326,7 +7412,7 @@
             </a:lvl9pPr>
           </a:lstStyle>
           <a:p>
-            <a:pPr indent="0" lvl="0" marL="0" rtl="0" algn="r">
+            <a:pPr marL="0" lvl="0" indent="0" algn="r" rtl="0">
               <a:spcBef>
                 <a:spcPts val="0"/>
               </a:spcBef>
@@ -7345,7 +7431,7 @@
       </p:sp>
     </p:spTree>
   </p:cSld>
-  <p:clrMap accent1="accent1" accent2="accent2" accent3="accent3" accent4="accent4" accent5="accent5" accent6="accent6" bg1="lt1" bg2="dk2" tx1="dk1" tx2="lt2" folHlink="folHlink" hlink="hlink"/>
+  <p:clrMap bg1="lt1" tx1="dk1" bg2="dk2" tx2="lt2" accent1="accent1" accent2="accent2" accent3="accent3" accent4="accent4" accent5="accent5" accent6="accent6" hlink="hlink" folHlink="folHlink"/>
   <p:sldLayoutIdLst>
     <p:sldLayoutId id="2147483648" r:id="rId1"/>
     <p:sldLayoutId id="2147483649" r:id="rId2"/>
@@ -7359,10 +7445,10 @@
     <p:sldLayoutId id="2147483657" r:id="rId10"/>
     <p:sldLayoutId id="2147483658" r:id="rId11"/>
   </p:sldLayoutIdLst>
-  <p:hf dt="0" ftr="0" hdr="0" sldNum="0"/>
+  <p:hf sldNum="0" hdr="0" ftr="0" dt="0"/>
   <p:txStyles>
     <p:titleStyle>
-      <a:defPPr lvl="0" marR="0" rtl="0" algn="l">
+      <a:defPPr marR="0" lvl="0" algn="l" rtl="0">
         <a:lnSpc>
           <a:spcPct val="100000"/>
         </a:lnSpc>
@@ -7373,7 +7459,7 @@
           <a:spcPts val="0"/>
         </a:spcAft>
       </a:defPPr>
-      <a:lvl1pPr lvl="0" marR="0" rtl="0" algn="l">
+      <a:lvl1pPr marR="0" lvl="0" algn="l" rtl="0">
         <a:lnSpc>
           <a:spcPct val="100000"/>
         </a:lnSpc>
@@ -7387,7 +7473,7 @@
           <a:srgbClr val="000000"/>
         </a:buClr>
         <a:buFont typeface="Arial"/>
-        <a:defRPr b="0" i="0" sz="1400" u="none" cap="none" strike="noStrike">
+        <a:defRPr sz="1400" b="0" i="0" u="none" strike="noStrike" cap="none">
           <a:solidFill>
             <a:srgbClr val="000000"/>
           </a:solidFill>
@@ -7397,7 +7483,7 @@
           <a:sym typeface="Arial"/>
         </a:defRPr>
       </a:lvl1pPr>
-      <a:lvl2pPr lvl="1" marR="0" rtl="0" algn="l">
+      <a:lvl2pPr marR="0" lvl="1" algn="l" rtl="0">
         <a:lnSpc>
           <a:spcPct val="100000"/>
         </a:lnSpc>
@@ -7411,7 +7497,7 @@
           <a:srgbClr val="000000"/>
         </a:buClr>
         <a:buFont typeface="Arial"/>
-        <a:defRPr b="0" i="0" sz="1400" u="none" cap="none" strike="noStrike">
+        <a:defRPr sz="1400" b="0" i="0" u="none" strike="noStrike" cap="none">
           <a:solidFill>
             <a:srgbClr val="000000"/>
           </a:solidFill>
@@ -7421,7 +7507,7 @@
           <a:sym typeface="Arial"/>
         </a:defRPr>
       </a:lvl2pPr>
-      <a:lvl3pPr lvl="2" marR="0" rtl="0" algn="l">
+      <a:lvl3pPr marR="0" lvl="2" algn="l" rtl="0">
         <a:lnSpc>
           <a:spcPct val="100000"/>
         </a:lnSpc>
@@ -7435,7 +7521,7 @@
           <a:srgbClr val="000000"/>
         </a:buClr>
         <a:buFont typeface="Arial"/>
-        <a:defRPr b="0" i="0" sz="1400" u="none" cap="none" strike="noStrike">
+        <a:defRPr sz="1400" b="0" i="0" u="none" strike="noStrike" cap="none">
           <a:solidFill>
             <a:srgbClr val="000000"/>
           </a:solidFill>
@@ -7445,7 +7531,7 @@
           <a:sym typeface="Arial"/>
         </a:defRPr>
       </a:lvl3pPr>
-      <a:lvl4pPr lvl="3" marR="0" rtl="0" algn="l">
+      <a:lvl4pPr marR="0" lvl="3" algn="l" rtl="0">
         <a:lnSpc>
           <a:spcPct val="100000"/>
         </a:lnSpc>
@@ -7459,7 +7545,7 @@
           <a:srgbClr val="000000"/>
         </a:buClr>
         <a:buFont typeface="Arial"/>
-        <a:defRPr b="0" i="0" sz="1400" u="none" cap="none" strike="noStrike">
+        <a:defRPr sz="1400" b="0" i="0" u="none" strike="noStrike" cap="none">
           <a:solidFill>
             <a:srgbClr val="000000"/>
           </a:solidFill>
@@ -7469,7 +7555,7 @@
           <a:sym typeface="Arial"/>
         </a:defRPr>
       </a:lvl4pPr>
-      <a:lvl5pPr lvl="4" marR="0" rtl="0" algn="l">
+      <a:lvl5pPr marR="0" lvl="4" algn="l" rtl="0">
         <a:lnSpc>
           <a:spcPct val="100000"/>
         </a:lnSpc>
@@ -7483,7 +7569,7 @@
           <a:srgbClr val="000000"/>
         </a:buClr>
         <a:buFont typeface="Arial"/>
-        <a:defRPr b="0" i="0" sz="1400" u="none" cap="none" strike="noStrike">
+        <a:defRPr sz="1400" b="0" i="0" u="none" strike="noStrike" cap="none">
           <a:solidFill>
             <a:srgbClr val="000000"/>
           </a:solidFill>
@@ -7493,7 +7579,7 @@
           <a:sym typeface="Arial"/>
         </a:defRPr>
       </a:lvl5pPr>
-      <a:lvl6pPr lvl="5" marR="0" rtl="0" algn="l">
+      <a:lvl6pPr marR="0" lvl="5" algn="l" rtl="0">
         <a:lnSpc>
           <a:spcPct val="100000"/>
         </a:lnSpc>
@@ -7507,7 +7593,7 @@
           <a:srgbClr val="000000"/>
         </a:buClr>
         <a:buFont typeface="Arial"/>
-        <a:defRPr b="0" i="0" sz="1400" u="none" cap="none" strike="noStrike">
+        <a:defRPr sz="1400" b="0" i="0" u="none" strike="noStrike" cap="none">
           <a:solidFill>
             <a:srgbClr val="000000"/>
           </a:solidFill>
@@ -7517,7 +7603,7 @@
           <a:sym typeface="Arial"/>
         </a:defRPr>
       </a:lvl6pPr>
-      <a:lvl7pPr lvl="6" marR="0" rtl="0" algn="l">
+      <a:lvl7pPr marR="0" lvl="6" algn="l" rtl="0">
         <a:lnSpc>
           <a:spcPct val="100000"/>
         </a:lnSpc>
@@ -7531,7 +7617,7 @@
           <a:srgbClr val="000000"/>
         </a:buClr>
         <a:buFont typeface="Arial"/>
-        <a:defRPr b="0" i="0" sz="1400" u="none" cap="none" strike="noStrike">
+        <a:defRPr sz="1400" b="0" i="0" u="none" strike="noStrike" cap="none">
           <a:solidFill>
             <a:srgbClr val="000000"/>
           </a:solidFill>
@@ -7541,7 +7627,7 @@
           <a:sym typeface="Arial"/>
         </a:defRPr>
       </a:lvl7pPr>
-      <a:lvl8pPr lvl="7" marR="0" rtl="0" algn="l">
+      <a:lvl8pPr marR="0" lvl="7" algn="l" rtl="0">
         <a:lnSpc>
           <a:spcPct val="100000"/>
         </a:lnSpc>
@@ -7555,7 +7641,7 @@
           <a:srgbClr val="000000"/>
         </a:buClr>
         <a:buFont typeface="Arial"/>
-        <a:defRPr b="0" i="0" sz="1400" u="none" cap="none" strike="noStrike">
+        <a:defRPr sz="1400" b="0" i="0" u="none" strike="noStrike" cap="none">
           <a:solidFill>
             <a:srgbClr val="000000"/>
           </a:solidFill>
@@ -7565,7 +7651,7 @@
           <a:sym typeface="Arial"/>
         </a:defRPr>
       </a:lvl8pPr>
-      <a:lvl9pPr lvl="8" marR="0" rtl="0" algn="l">
+      <a:lvl9pPr marR="0" lvl="8" algn="l" rtl="0">
         <a:lnSpc>
           <a:spcPct val="100000"/>
         </a:lnSpc>
@@ -7579,7 +7665,7 @@
           <a:srgbClr val="000000"/>
         </a:buClr>
         <a:buFont typeface="Arial"/>
-        <a:defRPr b="0" i="0" sz="1400" u="none" cap="none" strike="noStrike">
+        <a:defRPr sz="1400" b="0" i="0" u="none" strike="noStrike" cap="none">
           <a:solidFill>
             <a:srgbClr val="000000"/>
           </a:solidFill>
@@ -7591,7 +7677,7 @@
       </a:lvl9pPr>
     </p:titleStyle>
     <p:bodyStyle>
-      <a:defPPr lvl="0" marR="0" rtl="0" algn="l">
+      <a:defPPr marR="0" lvl="0" algn="l" rtl="0">
         <a:lnSpc>
           <a:spcPct val="100000"/>
         </a:lnSpc>
@@ -7602,7 +7688,7 @@
           <a:spcPts val="0"/>
         </a:spcAft>
       </a:defPPr>
-      <a:lvl1pPr lvl="0" marR="0" rtl="0" algn="l">
+      <a:lvl1pPr marR="0" lvl="0" algn="l" rtl="0">
         <a:lnSpc>
           <a:spcPct val="100000"/>
         </a:lnSpc>
@@ -7616,7 +7702,7 @@
           <a:srgbClr val="000000"/>
         </a:buClr>
         <a:buFont typeface="Arial"/>
-        <a:defRPr b="0" i="0" sz="1400" u="none" cap="none" strike="noStrike">
+        <a:defRPr sz="1400" b="0" i="0" u="none" strike="noStrike" cap="none">
           <a:solidFill>
             <a:srgbClr val="000000"/>
           </a:solidFill>
@@ -7626,7 +7712,7 @@
           <a:sym typeface="Arial"/>
         </a:defRPr>
       </a:lvl1pPr>
-      <a:lvl2pPr lvl="1" marR="0" rtl="0" algn="l">
+      <a:lvl2pPr marR="0" lvl="1" algn="l" rtl="0">
         <a:lnSpc>
           <a:spcPct val="100000"/>
         </a:lnSpc>
@@ -7640,7 +7726,7 @@
           <a:srgbClr val="000000"/>
         </a:buClr>
         <a:buFont typeface="Arial"/>
-        <a:defRPr b="0" i="0" sz="1400" u="none" cap="none" strike="noStrike">
+        <a:defRPr sz="1400" b="0" i="0" u="none" strike="noStrike" cap="none">
           <a:solidFill>
             <a:srgbClr val="000000"/>
           </a:solidFill>
@@ -7650,7 +7736,7 @@
           <a:sym typeface="Arial"/>
         </a:defRPr>
       </a:lvl2pPr>
-      <a:lvl3pPr lvl="2" marR="0" rtl="0" algn="l">
+      <a:lvl3pPr marR="0" lvl="2" algn="l" rtl="0">
         <a:lnSpc>
           <a:spcPct val="100000"/>
         </a:lnSpc>
@@ -7664,7 +7750,7 @@
           <a:srgbClr val="000000"/>
         </a:buClr>
         <a:buFont typeface="Arial"/>
-        <a:defRPr b="0" i="0" sz="1400" u="none" cap="none" strike="noStrike">
+        <a:defRPr sz="1400" b="0" i="0" u="none" strike="noStrike" cap="none">
           <a:solidFill>
             <a:srgbClr val="000000"/>
           </a:solidFill>
@@ -7674,7 +7760,7 @@
           <a:sym typeface="Arial"/>
         </a:defRPr>
       </a:lvl3pPr>
-      <a:lvl4pPr lvl="3" marR="0" rtl="0" algn="l">
+      <a:lvl4pPr marR="0" lvl="3" algn="l" rtl="0">
         <a:lnSpc>
           <a:spcPct val="100000"/>
         </a:lnSpc>
@@ -7688,7 +7774,7 @@
           <a:srgbClr val="000000"/>
         </a:buClr>
         <a:buFont typeface="Arial"/>
-        <a:defRPr b="0" i="0" sz="1400" u="none" cap="none" strike="noStrike">
+        <a:defRPr sz="1400" b="0" i="0" u="none" strike="noStrike" cap="none">
           <a:solidFill>
             <a:srgbClr val="000000"/>
           </a:solidFill>
@@ -7698,7 +7784,7 @@
           <a:sym typeface="Arial"/>
         </a:defRPr>
       </a:lvl4pPr>
-      <a:lvl5pPr lvl="4" marR="0" rtl="0" algn="l">
+      <a:lvl5pPr marR="0" lvl="4" algn="l" rtl="0">
         <a:lnSpc>
           <a:spcPct val="100000"/>
         </a:lnSpc>
@@ -7712,7 +7798,7 @@
           <a:srgbClr val="000000"/>
         </a:buClr>
         <a:buFont typeface="Arial"/>
-        <a:defRPr b="0" i="0" sz="1400" u="none" cap="none" strike="noStrike">
+        <a:defRPr sz="1400" b="0" i="0" u="none" strike="noStrike" cap="none">
           <a:solidFill>
             <a:srgbClr val="000000"/>
           </a:solidFill>
@@ -7722,7 +7808,7 @@
           <a:sym typeface="Arial"/>
         </a:defRPr>
       </a:lvl5pPr>
-      <a:lvl6pPr lvl="5" marR="0" rtl="0" algn="l">
+      <a:lvl6pPr marR="0" lvl="5" algn="l" rtl="0">
         <a:lnSpc>
           <a:spcPct val="100000"/>
         </a:lnSpc>
@@ -7736,7 +7822,7 @@
           <a:srgbClr val="000000"/>
         </a:buClr>
         <a:buFont typeface="Arial"/>
-        <a:defRPr b="0" i="0" sz="1400" u="none" cap="none" strike="noStrike">
+        <a:defRPr sz="1400" b="0" i="0" u="none" strike="noStrike" cap="none">
           <a:solidFill>
             <a:srgbClr val="000000"/>
           </a:solidFill>
@@ -7746,7 +7832,7 @@
           <a:sym typeface="Arial"/>
         </a:defRPr>
       </a:lvl6pPr>
-      <a:lvl7pPr lvl="6" marR="0" rtl="0" algn="l">
+      <a:lvl7pPr marR="0" lvl="6" algn="l" rtl="0">
         <a:lnSpc>
           <a:spcPct val="100000"/>
         </a:lnSpc>
@@ -7760,7 +7846,7 @@
           <a:srgbClr val="000000"/>
         </a:buClr>
         <a:buFont typeface="Arial"/>
-        <a:defRPr b="0" i="0" sz="1400" u="none" cap="none" strike="noStrike">
+        <a:defRPr sz="1400" b="0" i="0" u="none" strike="noStrike" cap="none">
           <a:solidFill>
             <a:srgbClr val="000000"/>
           </a:solidFill>
@@ -7770,7 +7856,7 @@
           <a:sym typeface="Arial"/>
         </a:defRPr>
       </a:lvl7pPr>
-      <a:lvl8pPr lvl="7" marR="0" rtl="0" algn="l">
+      <a:lvl8pPr marR="0" lvl="7" algn="l" rtl="0">
         <a:lnSpc>
           <a:spcPct val="100000"/>
         </a:lnSpc>
@@ -7784,7 +7870,7 @@
           <a:srgbClr val="000000"/>
         </a:buClr>
         <a:buFont typeface="Arial"/>
-        <a:defRPr b="0" i="0" sz="1400" u="none" cap="none" strike="noStrike">
+        <a:defRPr sz="1400" b="0" i="0" u="none" strike="noStrike" cap="none">
           <a:solidFill>
             <a:srgbClr val="000000"/>
           </a:solidFill>
@@ -7794,7 +7880,7 @@
           <a:sym typeface="Arial"/>
         </a:defRPr>
       </a:lvl8pPr>
-      <a:lvl9pPr lvl="8" marR="0" rtl="0" algn="l">
+      <a:lvl9pPr marR="0" lvl="8" algn="l" rtl="0">
         <a:lnSpc>
           <a:spcPct val="100000"/>
         </a:lnSpc>
@@ -7808,7 +7894,7 @@
           <a:srgbClr val="000000"/>
         </a:buClr>
         <a:buFont typeface="Arial"/>
-        <a:defRPr b="0" i="0" sz="1400" u="none" cap="none" strike="noStrike">
+        <a:defRPr sz="1400" b="0" i="0" u="none" strike="noStrike" cap="none">
           <a:solidFill>
             <a:srgbClr val="000000"/>
           </a:solidFill>
@@ -7820,7 +7906,7 @@
       </a:lvl9pPr>
     </p:bodyStyle>
     <p:otherStyle>
-      <a:defPPr lvl="0" marR="0" rtl="0" algn="l">
+      <a:defPPr marR="0" lvl="0" algn="l" rtl="0">
         <a:lnSpc>
           <a:spcPct val="100000"/>
         </a:lnSpc>
@@ -7831,7 +7917,7 @@
           <a:spcPts val="0"/>
         </a:spcAft>
       </a:defPPr>
-      <a:lvl1pPr lvl="0" marR="0" rtl="0" algn="l">
+      <a:lvl1pPr marR="0" lvl="0" algn="l" rtl="0">
         <a:lnSpc>
           <a:spcPct val="100000"/>
         </a:lnSpc>
@@ -7845,7 +7931,7 @@
           <a:srgbClr val="000000"/>
         </a:buClr>
         <a:buFont typeface="Arial"/>
-        <a:defRPr b="0" i="0" sz="1400" u="none" cap="none" strike="noStrike">
+        <a:defRPr sz="1400" b="0" i="0" u="none" strike="noStrike" cap="none">
           <a:solidFill>
             <a:srgbClr val="000000"/>
           </a:solidFill>
@@ -7855,7 +7941,7 @@
           <a:sym typeface="Arial"/>
         </a:defRPr>
       </a:lvl1pPr>
-      <a:lvl2pPr lvl="1" marR="0" rtl="0" algn="l">
+      <a:lvl2pPr marR="0" lvl="1" algn="l" rtl="0">
         <a:lnSpc>
           <a:spcPct val="100000"/>
         </a:lnSpc>
@@ -7869,7 +7955,7 @@
           <a:srgbClr val="000000"/>
         </a:buClr>
         <a:buFont typeface="Arial"/>
-        <a:defRPr b="0" i="0" sz="1400" u="none" cap="none" strike="noStrike">
+        <a:defRPr sz="1400" b="0" i="0" u="none" strike="noStrike" cap="none">
           <a:solidFill>
             <a:srgbClr val="000000"/>
           </a:solidFill>
@@ -7879,7 +7965,7 @@
           <a:sym typeface="Arial"/>
         </a:defRPr>
       </a:lvl2pPr>
-      <a:lvl3pPr lvl="2" marR="0" rtl="0" algn="l">
+      <a:lvl3pPr marR="0" lvl="2" algn="l" rtl="0">
         <a:lnSpc>
           <a:spcPct val="100000"/>
         </a:lnSpc>
@@ -7893,7 +7979,7 @@
           <a:srgbClr val="000000"/>
         </a:buClr>
         <a:buFont typeface="Arial"/>
-        <a:defRPr b="0" i="0" sz="1400" u="none" cap="none" strike="noStrike">
+        <a:defRPr sz="1400" b="0" i="0" u="none" strike="noStrike" cap="none">
           <a:solidFill>
             <a:srgbClr val="000000"/>
           </a:solidFill>
@@ -7903,7 +7989,7 @@
           <a:sym typeface="Arial"/>
         </a:defRPr>
       </a:lvl3pPr>
-      <a:lvl4pPr lvl="3" marR="0" rtl="0" algn="l">
+      <a:lvl4pPr marR="0" lvl="3" algn="l" rtl="0">
         <a:lnSpc>
           <a:spcPct val="100000"/>
         </a:lnSpc>
@@ -7917,7 +8003,7 @@
           <a:srgbClr val="000000"/>
         </a:buClr>
         <a:buFont typeface="Arial"/>
-        <a:defRPr b="0" i="0" sz="1400" u="none" cap="none" strike="noStrike">
+        <a:defRPr sz="1400" b="0" i="0" u="none" strike="noStrike" cap="none">
           <a:solidFill>
             <a:srgbClr val="000000"/>
           </a:solidFill>
@@ -7927,7 +8013,7 @@
           <a:sym typeface="Arial"/>
         </a:defRPr>
       </a:lvl4pPr>
-      <a:lvl5pPr lvl="4" marR="0" rtl="0" algn="l">
+      <a:lvl5pPr marR="0" lvl="4" algn="l" rtl="0">
         <a:lnSpc>
           <a:spcPct val="100000"/>
         </a:lnSpc>
@@ -7941,7 +8027,7 @@
           <a:srgbClr val="000000"/>
         </a:buClr>
         <a:buFont typeface="Arial"/>
-        <a:defRPr b="0" i="0" sz="1400" u="none" cap="none" strike="noStrike">
+        <a:defRPr sz="1400" b="0" i="0" u="none" strike="noStrike" cap="none">
           <a:solidFill>
             <a:srgbClr val="000000"/>
           </a:solidFill>
@@ -7951,7 +8037,7 @@
           <a:sym typeface="Arial"/>
         </a:defRPr>
       </a:lvl5pPr>
-      <a:lvl6pPr lvl="5" marR="0" rtl="0" algn="l">
+      <a:lvl6pPr marR="0" lvl="5" algn="l" rtl="0">
         <a:lnSpc>
           <a:spcPct val="100000"/>
         </a:lnSpc>
@@ -7965,7 +8051,7 @@
           <a:srgbClr val="000000"/>
         </a:buClr>
         <a:buFont typeface="Arial"/>
-        <a:defRPr b="0" i="0" sz="1400" u="none" cap="none" strike="noStrike">
+        <a:defRPr sz="1400" b="0" i="0" u="none" strike="noStrike" cap="none">
           <a:solidFill>
             <a:srgbClr val="000000"/>
           </a:solidFill>
@@ -7975,7 +8061,7 @@
           <a:sym typeface="Arial"/>
         </a:defRPr>
       </a:lvl6pPr>
-      <a:lvl7pPr lvl="6" marR="0" rtl="0" algn="l">
+      <a:lvl7pPr marR="0" lvl="6" algn="l" rtl="0">
         <a:lnSpc>
           <a:spcPct val="100000"/>
         </a:lnSpc>
@@ -7989,7 +8075,7 @@
           <a:srgbClr val="000000"/>
         </a:buClr>
         <a:buFont typeface="Arial"/>
-        <a:defRPr b="0" i="0" sz="1400" u="none" cap="none" strike="noStrike">
+        <a:defRPr sz="1400" b="0" i="0" u="none" strike="noStrike" cap="none">
           <a:solidFill>
             <a:srgbClr val="000000"/>
           </a:solidFill>
@@ -7999,7 +8085,7 @@
           <a:sym typeface="Arial"/>
         </a:defRPr>
       </a:lvl7pPr>
-      <a:lvl8pPr lvl="7" marR="0" rtl="0" algn="l">
+      <a:lvl8pPr marR="0" lvl="7" algn="l" rtl="0">
         <a:lnSpc>
           <a:spcPct val="100000"/>
         </a:lnSpc>
@@ -8013,7 +8099,7 @@
           <a:srgbClr val="000000"/>
         </a:buClr>
         <a:buFont typeface="Arial"/>
-        <a:defRPr b="0" i="0" sz="1400" u="none" cap="none" strike="noStrike">
+        <a:defRPr sz="1400" b="0" i="0" u="none" strike="noStrike" cap="none">
           <a:solidFill>
             <a:srgbClr val="000000"/>
           </a:solidFill>
@@ -8023,7 +8109,7 @@
           <a:sym typeface="Arial"/>
         </a:defRPr>
       </a:lvl8pPr>
-      <a:lvl9pPr lvl="8" marR="0" rtl="0" algn="l">
+      <a:lvl9pPr marR="0" lvl="8" algn="l" rtl="0">
         <a:lnSpc>
           <a:spcPct val="100000"/>
         </a:lnSpc>
@@ -8037,7 +8123,7 @@
           <a:srgbClr val="000000"/>
         </a:buClr>
         <a:buFont typeface="Arial"/>
-        <a:defRPr b="0" i="0" sz="1400" u="none" cap="none" strike="noStrike">
+        <a:defRPr sz="1400" b="0" i="0" u="none" strike="noStrike" cap="none">
           <a:solidFill>
             <a:srgbClr val="000000"/>
           </a:solidFill>
@@ -8053,11 +8139,11 @@
 </file>
 
 <file path=ppt/slides/slide1.xml><?xml version="1.0" encoding="utf-8"?>
-<p:sld xmlns:a="http://schemas.openxmlformats.org/drawingml/2006/main" xmlns:r="http://schemas.openxmlformats.org/officeDocument/2006/relationships" xmlns:mc="http://schemas.openxmlformats.org/markup-compatibility/2006" xmlns:mv="urn:schemas-microsoft-com:mac:vml" xmlns:p="http://schemas.openxmlformats.org/presentationml/2006/main" xmlns:c="http://schemas.openxmlformats.org/drawingml/2006/chart" xmlns:dgm="http://schemas.openxmlformats.org/drawingml/2006/diagram" xmlns:o="urn:schemas-microsoft-com:office:office" xmlns:v="urn:schemas-microsoft-com:vml" xmlns:pvml="urn:schemas-microsoft-com:office:powerpoint" xmlns:com="http://schemas.openxmlformats.org/drawingml/2006/compatibility" xmlns:p14="http://schemas.microsoft.com/office/powerpoint/2010/main" xmlns:p15="http://schemas.microsoft.com/office/powerpoint/2012/main">
+<p:sld xmlns:a="http://schemas.openxmlformats.org/drawingml/2006/main" xmlns:r="http://schemas.openxmlformats.org/officeDocument/2006/relationships" xmlns:p="http://schemas.openxmlformats.org/presentationml/2006/main">
   <p:cSld>
     <p:spTree>
       <p:nvGrpSpPr>
-        <p:cNvPr id="85" name="Shape 85"/>
+        <p:cNvPr id="1" name="Shape 85"/>
         <p:cNvGrpSpPr/>
         <p:nvPr/>
       </p:nvGrpSpPr>
@@ -8072,7 +8158,9 @@
       <p:sp>
         <p:nvSpPr>
           <p:cNvPr id="86" name="Google Shape;86;p13"/>
-          <p:cNvSpPr txBox="1"/>
+          <p:cNvSpPr txBox="1">
+            <a:spLocks noGrp="1"/>
+          </p:cNvSpPr>
           <p:nvPr>
             <p:ph type="ctrTitle"/>
           </p:nvPr>
@@ -8087,12 +8175,12 @@
           </a:prstGeom>
         </p:spPr>
         <p:txBody>
-          <a:bodyPr anchorCtr="0" anchor="b" bIns="91425" lIns="91425" spcFirstLastPara="1" rIns="91425" wrap="square" tIns="91425">
+          <a:bodyPr spcFirstLastPara="1" wrap="square" lIns="91425" tIns="91425" rIns="91425" bIns="91425" anchor="b" anchorCtr="0">
             <a:noAutofit/>
           </a:bodyPr>
           <a:lstStyle/>
           <a:p>
-            <a:pPr indent="0" lvl="0" marL="0" rtl="0" algn="l">
+            <a:pPr marL="0" lvl="0" indent="0" algn="l" rtl="0">
               <a:spcBef>
                 <a:spcPts val="0"/>
               </a:spcBef>
@@ -8112,9 +8200,11 @@
       <p:sp>
         <p:nvSpPr>
           <p:cNvPr id="87" name="Google Shape;87;p13"/>
-          <p:cNvSpPr txBox="1"/>
+          <p:cNvSpPr txBox="1">
+            <a:spLocks noGrp="1"/>
+          </p:cNvSpPr>
           <p:nvPr>
-            <p:ph idx="1" type="subTitle"/>
+            <p:ph type="subTitle" idx="1"/>
           </p:nvPr>
         </p:nvSpPr>
         <p:spPr>
@@ -8127,12 +8217,12 @@
           </a:prstGeom>
         </p:spPr>
         <p:txBody>
-          <a:bodyPr anchorCtr="0" anchor="t" bIns="91425" lIns="91425" spcFirstLastPara="1" rIns="91425" wrap="square" tIns="91425">
+          <a:bodyPr spcFirstLastPara="1" wrap="square" lIns="91425" tIns="91425" rIns="91425" bIns="91425" anchor="t" anchorCtr="0">
             <a:noAutofit/>
           </a:bodyPr>
           <a:lstStyle/>
           <a:p>
-            <a:pPr indent="0" lvl="0" marL="0" rtl="0" algn="l">
+            <a:pPr marL="0" lvl="0" indent="0" algn="l" rtl="0">
               <a:spcBef>
                 <a:spcPts val="0"/>
               </a:spcBef>
@@ -8186,11 +8276,11 @@
 </file>
 
 <file path=ppt/slides/slide2.xml><?xml version="1.0" encoding="utf-8"?>
-<p:sld xmlns:a="http://schemas.openxmlformats.org/drawingml/2006/main" xmlns:r="http://schemas.openxmlformats.org/officeDocument/2006/relationships" xmlns:mc="http://schemas.openxmlformats.org/markup-compatibility/2006" xmlns:mv="urn:schemas-microsoft-com:mac:vml" xmlns:p="http://schemas.openxmlformats.org/presentationml/2006/main" xmlns:c="http://schemas.openxmlformats.org/drawingml/2006/chart" xmlns:dgm="http://schemas.openxmlformats.org/drawingml/2006/diagram" xmlns:o="urn:schemas-microsoft-com:office:office" xmlns:v="urn:schemas-microsoft-com:vml" xmlns:pvml="urn:schemas-microsoft-com:office:powerpoint" xmlns:com="http://schemas.openxmlformats.org/drawingml/2006/compatibility" xmlns:p14="http://schemas.microsoft.com/office/powerpoint/2010/main" xmlns:p15="http://schemas.microsoft.com/office/powerpoint/2012/main">
+<p:sld xmlns:a="http://schemas.openxmlformats.org/drawingml/2006/main" xmlns:r="http://schemas.openxmlformats.org/officeDocument/2006/relationships" xmlns:p="http://schemas.openxmlformats.org/presentationml/2006/main">
   <p:cSld>
     <p:spTree>
       <p:nvGrpSpPr>
-        <p:cNvPr id="92" name="Shape 92"/>
+        <p:cNvPr id="1" name="Shape 92"/>
         <p:cNvGrpSpPr/>
         <p:nvPr/>
       </p:nvGrpSpPr>
@@ -8205,7 +8295,9 @@
       <p:sp>
         <p:nvSpPr>
           <p:cNvPr id="93" name="Google Shape;93;p14"/>
-          <p:cNvSpPr txBox="1"/>
+          <p:cNvSpPr txBox="1">
+            <a:spLocks noGrp="1"/>
+          </p:cNvSpPr>
           <p:nvPr>
             <p:ph type="title"/>
           </p:nvPr>
@@ -8220,12 +8312,12 @@
           </a:prstGeom>
         </p:spPr>
         <p:txBody>
-          <a:bodyPr anchorCtr="0" anchor="t" bIns="91425" lIns="91425" spcFirstLastPara="1" rIns="91425" wrap="square" tIns="91425">
+          <a:bodyPr spcFirstLastPara="1" wrap="square" lIns="91425" tIns="91425" rIns="91425" bIns="91425" anchor="t" anchorCtr="0">
             <a:noAutofit/>
           </a:bodyPr>
           <a:lstStyle/>
           <a:p>
-            <a:pPr indent="0" lvl="0" marL="0" rtl="0" algn="l">
+            <a:pPr marL="0" lvl="0" indent="0" algn="l" rtl="0">
               <a:spcBef>
                 <a:spcPts val="0"/>
               </a:spcBef>
@@ -8278,12 +8370,12 @@
             </a:ln>
           </p:spPr>
           <p:txBody>
-            <a:bodyPr anchorCtr="0" anchor="ctr" bIns="91425" lIns="91425" spcFirstLastPara="1" rIns="91425" wrap="square" tIns="91425">
+            <a:bodyPr spcFirstLastPara="1" wrap="square" lIns="91425" tIns="91425" rIns="91425" bIns="91425" anchor="ctr" anchorCtr="0">
               <a:noAutofit/>
             </a:bodyPr>
             <a:lstStyle/>
             <a:p>
-              <a:pPr indent="0" lvl="0" marL="0" rtl="0" algn="l">
+              <a:pPr marL="0" lvl="0" indent="0" algn="l" rtl="0">
                 <a:spcBef>
                   <a:spcPts val="0"/>
                 </a:spcBef>
@@ -8292,9 +8384,6 @@
                 </a:spcAft>
                 <a:buNone/>
               </a:pPr>
-              <a:r>
-                <a:t/>
-              </a:r>
               <a:endParaRPr/>
             </a:p>
           </p:txBody>
@@ -8314,23 +8403,23 @@
               <a:avLst/>
             </a:prstGeom>
             <a:noFill/>
-            <a:ln cap="flat" cmpd="sng" w="9525">
+            <a:ln w="9525" cap="flat" cmpd="sng">
               <a:solidFill>
                 <a:schemeClr val="dk1"/>
               </a:solidFill>
               <a:prstDash val="solid"/>
               <a:round/>
-              <a:headEnd len="sm" w="sm" type="none"/>
-              <a:tailEnd len="sm" w="sm" type="none"/>
+              <a:headEnd type="none" w="sm" len="sm"/>
+              <a:tailEnd type="none" w="sm" len="sm"/>
             </a:ln>
           </p:spPr>
           <p:txBody>
-            <a:bodyPr anchorCtr="0" anchor="ctr" bIns="91425" lIns="91425" spcFirstLastPara="1" rIns="91425" wrap="square" tIns="91425">
+            <a:bodyPr spcFirstLastPara="1" wrap="square" lIns="91425" tIns="91425" rIns="91425" bIns="91425" anchor="ctr" anchorCtr="0">
               <a:noAutofit/>
             </a:bodyPr>
             <a:lstStyle/>
             <a:p>
-              <a:pPr indent="0" lvl="0" marL="0" rtl="0" algn="l">
+              <a:pPr marL="0" lvl="0" indent="0" algn="l" rtl="0">
                 <a:spcBef>
                   <a:spcPts val="0"/>
                 </a:spcBef>
@@ -8339,9 +8428,6 @@
                 </a:spcAft>
                 <a:buNone/>
               </a:pPr>
-              <a:r>
-                <a:t/>
-              </a:r>
               <a:endParaRPr/>
             </a:p>
           </p:txBody>
@@ -8350,9 +8436,11 @@
       <p:sp>
         <p:nvSpPr>
           <p:cNvPr id="97" name="Google Shape;97;p14"/>
-          <p:cNvSpPr txBox="1"/>
+          <p:cNvSpPr txBox="1">
+            <a:spLocks noGrp="1"/>
+          </p:cNvSpPr>
           <p:nvPr>
-            <p:ph idx="1" type="body"/>
+            <p:ph type="body" idx="1"/>
           </p:nvPr>
         </p:nvSpPr>
         <p:spPr>
@@ -8365,12 +8453,12 @@
           </a:prstGeom>
         </p:spPr>
         <p:txBody>
-          <a:bodyPr anchorCtr="0" anchor="t" bIns="91425" lIns="91425" spcFirstLastPara="1" rIns="91425" wrap="square" tIns="91425">
+          <a:bodyPr spcFirstLastPara="1" wrap="square" lIns="91425" tIns="91425" rIns="91425" bIns="91425" anchor="t" anchorCtr="0">
             <a:noAutofit/>
           </a:bodyPr>
           <a:lstStyle/>
           <a:p>
-            <a:pPr indent="0" lvl="0" marL="0" rtl="0" algn="l">
+            <a:pPr marL="0" lvl="0" indent="0" algn="l" rtl="0">
               <a:spcBef>
                 <a:spcPts val="0"/>
               </a:spcBef>
@@ -8398,9 +8486,11 @@
       <p:sp>
         <p:nvSpPr>
           <p:cNvPr id="98" name="Google Shape;98;p14"/>
-          <p:cNvSpPr txBox="1"/>
+          <p:cNvSpPr txBox="1">
+            <a:spLocks noGrp="1"/>
+          </p:cNvSpPr>
           <p:nvPr>
-            <p:ph idx="1" type="body"/>
+            <p:ph type="body" idx="1"/>
           </p:nvPr>
         </p:nvSpPr>
         <p:spPr>
@@ -8413,12 +8503,12 @@
           </a:prstGeom>
         </p:spPr>
         <p:txBody>
-          <a:bodyPr anchorCtr="0" anchor="t" bIns="91425" lIns="91425" spcFirstLastPara="1" rIns="91425" wrap="square" tIns="91425">
+          <a:bodyPr spcFirstLastPara="1" wrap="square" lIns="91425" tIns="91425" rIns="91425" bIns="91425" anchor="t" anchorCtr="0">
             <a:noAutofit/>
           </a:bodyPr>
           <a:lstStyle/>
           <a:p>
-            <a:pPr indent="-330200" lvl="0" marL="457200" rtl="0" algn="l">
+            <a:pPr marL="457200" lvl="0" indent="-330200" algn="l" rtl="0">
               <a:spcBef>
                 <a:spcPts val="0"/>
               </a:spcBef>
@@ -8472,12 +8562,12 @@
             </a:ln>
           </p:spPr>
           <p:txBody>
-            <a:bodyPr anchorCtr="0" anchor="ctr" bIns="91425" lIns="91425" spcFirstLastPara="1" rIns="91425" wrap="square" tIns="91425">
+            <a:bodyPr spcFirstLastPara="1" wrap="square" lIns="91425" tIns="91425" rIns="91425" bIns="91425" anchor="ctr" anchorCtr="0">
               <a:noAutofit/>
             </a:bodyPr>
             <a:lstStyle/>
             <a:p>
-              <a:pPr indent="0" lvl="0" marL="0" rtl="0" algn="l">
+              <a:pPr marL="0" lvl="0" indent="0" algn="l" rtl="0">
                 <a:spcBef>
                   <a:spcPts val="0"/>
                 </a:spcBef>
@@ -8486,9 +8576,6 @@
                 </a:spcAft>
                 <a:buNone/>
               </a:pPr>
-              <a:r>
-                <a:t/>
-              </a:r>
               <a:endParaRPr/>
             </a:p>
           </p:txBody>
@@ -8508,23 +8595,23 @@
               <a:avLst/>
             </a:prstGeom>
             <a:noFill/>
-            <a:ln cap="flat" cmpd="sng" w="9525">
+            <a:ln w="9525" cap="flat" cmpd="sng">
               <a:solidFill>
                 <a:schemeClr val="dk1"/>
               </a:solidFill>
               <a:prstDash val="solid"/>
               <a:round/>
-              <a:headEnd len="sm" w="sm" type="none"/>
-              <a:tailEnd len="sm" w="sm" type="none"/>
+              <a:headEnd type="none" w="sm" len="sm"/>
+              <a:tailEnd type="none" w="sm" len="sm"/>
             </a:ln>
           </p:spPr>
           <p:txBody>
-            <a:bodyPr anchorCtr="0" anchor="ctr" bIns="91425" lIns="91425" spcFirstLastPara="1" rIns="91425" wrap="square" tIns="91425">
+            <a:bodyPr spcFirstLastPara="1" wrap="square" lIns="91425" tIns="91425" rIns="91425" bIns="91425" anchor="ctr" anchorCtr="0">
               <a:noAutofit/>
             </a:bodyPr>
             <a:lstStyle/>
             <a:p>
-              <a:pPr indent="0" lvl="0" marL="0" rtl="0" algn="l">
+              <a:pPr marL="0" lvl="0" indent="0" algn="l" rtl="0">
                 <a:spcBef>
                   <a:spcPts val="0"/>
                 </a:spcBef>
@@ -8533,9 +8620,6 @@
                 </a:spcAft>
                 <a:buNone/>
               </a:pPr>
-              <a:r>
-                <a:t/>
-              </a:r>
               <a:endParaRPr/>
             </a:p>
           </p:txBody>
@@ -8544,9 +8628,11 @@
       <p:sp>
         <p:nvSpPr>
           <p:cNvPr id="102" name="Google Shape;102;p14"/>
-          <p:cNvSpPr txBox="1"/>
+          <p:cNvSpPr txBox="1">
+            <a:spLocks noGrp="1"/>
+          </p:cNvSpPr>
           <p:nvPr>
-            <p:ph idx="1" type="body"/>
+            <p:ph type="body" idx="1"/>
           </p:nvPr>
         </p:nvSpPr>
         <p:spPr>
@@ -8559,12 +8645,12 @@
           </a:prstGeom>
         </p:spPr>
         <p:txBody>
-          <a:bodyPr anchorCtr="0" anchor="t" bIns="91425" lIns="91425" spcFirstLastPara="1" rIns="91425" wrap="square" tIns="91425">
+          <a:bodyPr spcFirstLastPara="1" wrap="square" lIns="91425" tIns="91425" rIns="91425" bIns="91425" anchor="t" anchorCtr="0">
             <a:noAutofit/>
           </a:bodyPr>
           <a:lstStyle/>
           <a:p>
-            <a:pPr indent="0" lvl="0" marL="0" rtl="0" algn="l">
+            <a:pPr marL="0" lvl="0" indent="0" algn="l" rtl="0">
               <a:spcBef>
                 <a:spcPts val="0"/>
               </a:spcBef>
@@ -8592,9 +8678,11 @@
       <p:sp>
         <p:nvSpPr>
           <p:cNvPr id="103" name="Google Shape;103;p14"/>
-          <p:cNvSpPr txBox="1"/>
+          <p:cNvSpPr txBox="1">
+            <a:spLocks noGrp="1"/>
+          </p:cNvSpPr>
           <p:nvPr>
-            <p:ph idx="1" type="body"/>
+            <p:ph type="body" idx="1"/>
           </p:nvPr>
         </p:nvSpPr>
         <p:spPr>
@@ -8607,12 +8695,12 @@
           </a:prstGeom>
         </p:spPr>
         <p:txBody>
-          <a:bodyPr anchorCtr="0" anchor="t" bIns="91425" lIns="91425" spcFirstLastPara="1" rIns="91425" wrap="square" tIns="91425">
+          <a:bodyPr spcFirstLastPara="1" wrap="square" lIns="91425" tIns="91425" rIns="91425" bIns="91425" anchor="t" anchorCtr="0">
             <a:noAutofit/>
           </a:bodyPr>
           <a:lstStyle/>
           <a:p>
-            <a:pPr indent="-330200" lvl="0" marL="457200" rtl="0" algn="l">
+            <a:pPr marL="457200" lvl="0" indent="-330200" algn="l" rtl="0">
               <a:spcBef>
                 <a:spcPts val="0"/>
               </a:spcBef>
@@ -8629,7 +8717,7 @@
             <a:endParaRPr sz="1600"/>
           </a:p>
           <a:p>
-            <a:pPr indent="-330200" lvl="0" marL="457200" rtl="0" algn="l">
+            <a:pPr marL="457200" lvl="0" indent="-330200" algn="l" rtl="0">
               <a:spcBef>
                 <a:spcPts val="0"/>
               </a:spcBef>
@@ -8646,7 +8734,7 @@
             <a:endParaRPr sz="1600"/>
           </a:p>
           <a:p>
-            <a:pPr indent="-330200" lvl="0" marL="457200" rtl="0" algn="l">
+            <a:pPr marL="457200" lvl="0" indent="-330200" algn="l" rtl="0">
               <a:spcBef>
                 <a:spcPts val="0"/>
               </a:spcBef>
@@ -8663,7 +8751,7 @@
             <a:endParaRPr sz="1600"/>
           </a:p>
           <a:p>
-            <a:pPr indent="0" lvl="0" marL="0" rtl="0" algn="l">
+            <a:pPr marL="0" lvl="0" indent="0" algn="l" rtl="0">
               <a:spcBef>
                 <a:spcPts val="1600"/>
               </a:spcBef>
@@ -8672,9 +8760,6 @@
               </a:spcAft>
               <a:buNone/>
             </a:pPr>
-            <a:r>
-              <a:t/>
-            </a:r>
             <a:endParaRPr sz="1600"/>
           </a:p>
         </p:txBody>
@@ -8708,23 +8793,23 @@
               <a:avLst/>
             </a:prstGeom>
             <a:noFill/>
-            <a:ln cap="flat" cmpd="sng" w="9525">
+            <a:ln w="9525" cap="flat" cmpd="sng">
               <a:solidFill>
                 <a:schemeClr val="dk1"/>
               </a:solidFill>
               <a:prstDash val="solid"/>
               <a:round/>
-              <a:headEnd len="sm" w="sm" type="none"/>
-              <a:tailEnd len="sm" w="sm" type="none"/>
+              <a:headEnd type="none" w="sm" len="sm"/>
+              <a:tailEnd type="none" w="sm" len="sm"/>
             </a:ln>
           </p:spPr>
           <p:txBody>
-            <a:bodyPr anchorCtr="0" anchor="ctr" bIns="91425" lIns="91425" spcFirstLastPara="1" rIns="91425" wrap="square" tIns="91425">
+            <a:bodyPr spcFirstLastPara="1" wrap="square" lIns="91425" tIns="91425" rIns="91425" bIns="91425" anchor="ctr" anchorCtr="0">
               <a:noAutofit/>
             </a:bodyPr>
             <a:lstStyle/>
             <a:p>
-              <a:pPr indent="0" lvl="0" marL="0" rtl="0" algn="l">
+              <a:pPr marL="0" lvl="0" indent="0" algn="l" rtl="0">
                 <a:spcBef>
                   <a:spcPts val="0"/>
                 </a:spcBef>
@@ -8733,9 +8818,6 @@
                 </a:spcAft>
                 <a:buNone/>
               </a:pPr>
-              <a:r>
-                <a:t/>
-              </a:r>
               <a:endParaRPr b="1"/>
             </a:p>
           </p:txBody>
@@ -8762,12 +8844,12 @@
             </a:ln>
           </p:spPr>
           <p:txBody>
-            <a:bodyPr anchorCtr="0" anchor="ctr" bIns="91425" lIns="91425" spcFirstLastPara="1" rIns="91425" wrap="square" tIns="91425">
+            <a:bodyPr spcFirstLastPara="1" wrap="square" lIns="91425" tIns="91425" rIns="91425" bIns="91425" anchor="ctr" anchorCtr="0">
               <a:noAutofit/>
             </a:bodyPr>
             <a:lstStyle/>
             <a:p>
-              <a:pPr indent="0" lvl="0" marL="0" rtl="0" algn="l">
+              <a:pPr marL="0" lvl="0" indent="0" algn="l" rtl="0">
                 <a:spcBef>
                   <a:spcPts val="0"/>
                 </a:spcBef>
@@ -8776,9 +8858,6 @@
                 </a:spcAft>
                 <a:buNone/>
               </a:pPr>
-              <a:r>
-                <a:t/>
-              </a:r>
               <a:endParaRPr/>
             </a:p>
           </p:txBody>
@@ -8787,9 +8866,11 @@
       <p:sp>
         <p:nvSpPr>
           <p:cNvPr id="107" name="Google Shape;107;p14"/>
-          <p:cNvSpPr txBox="1"/>
+          <p:cNvSpPr txBox="1">
+            <a:spLocks noGrp="1"/>
+          </p:cNvSpPr>
           <p:nvPr>
-            <p:ph idx="1" type="body"/>
+            <p:ph type="body" idx="1"/>
           </p:nvPr>
         </p:nvSpPr>
         <p:spPr>
@@ -8802,12 +8883,12 @@
           </a:prstGeom>
         </p:spPr>
         <p:txBody>
-          <a:bodyPr anchorCtr="0" anchor="t" bIns="91425" lIns="91425" spcFirstLastPara="1" rIns="91425" wrap="square" tIns="91425">
+          <a:bodyPr spcFirstLastPara="1" wrap="square" lIns="91425" tIns="91425" rIns="91425" bIns="91425" anchor="t" anchorCtr="0">
             <a:noAutofit/>
           </a:bodyPr>
           <a:lstStyle/>
           <a:p>
-            <a:pPr indent="0" lvl="0" marL="0" rtl="0" algn="l">
+            <a:pPr marL="0" lvl="0" indent="0" algn="l" rtl="0">
               <a:spcBef>
                 <a:spcPts val="0"/>
               </a:spcBef>
@@ -8831,7 +8912,7 @@
             </a:endParaRPr>
           </a:p>
           <a:p>
-            <a:pPr indent="0" lvl="0" marL="0" rtl="0" algn="l">
+            <a:pPr marL="0" lvl="0" indent="0" algn="l" rtl="0">
               <a:spcBef>
                 <a:spcPts val="0"/>
               </a:spcBef>
@@ -8840,9 +8921,6 @@
               </a:spcAft>
               <a:buNone/>
             </a:pPr>
-            <a:r>
-              <a:t/>
-            </a:r>
             <a:endParaRPr>
               <a:solidFill>
                 <a:schemeClr val="lt1"/>
@@ -8871,12 +8949,12 @@
           </a:ln>
         </p:spPr>
         <p:txBody>
-          <a:bodyPr anchorCtr="0" anchor="t" bIns="91425" lIns="91425" spcFirstLastPara="1" rIns="91425" wrap="square" tIns="91425">
+          <a:bodyPr spcFirstLastPara="1" wrap="square" lIns="91425" tIns="91425" rIns="91425" bIns="91425" anchor="t" anchorCtr="0">
             <a:noAutofit/>
           </a:bodyPr>
           <a:lstStyle/>
           <a:p>
-            <a:pPr indent="-317500" lvl="0" marL="457200" rtl="0" algn="l">
+            <a:pPr marL="457200" lvl="0" indent="-317500" algn="l" rtl="0">
               <a:spcBef>
                 <a:spcPts val="0"/>
               </a:spcBef>
@@ -8893,7 +8971,7 @@
             <a:endParaRPr/>
           </a:p>
           <a:p>
-            <a:pPr indent="-317500" lvl="0" marL="457200" rtl="0" algn="l">
+            <a:pPr marL="457200" lvl="0" indent="-317500" algn="l" rtl="0">
               <a:spcBef>
                 <a:spcPts val="0"/>
               </a:spcBef>
@@ -8910,7 +8988,7 @@
             <a:endParaRPr/>
           </a:p>
           <a:p>
-            <a:pPr indent="-317500" lvl="0" marL="457200" rtl="0" algn="l">
+            <a:pPr marL="457200" lvl="0" indent="-317500" algn="l" rtl="0">
               <a:spcBef>
                 <a:spcPts val="0"/>
               </a:spcBef>
@@ -8927,7 +9005,7 @@
             <a:endParaRPr/>
           </a:p>
           <a:p>
-            <a:pPr indent="-317500" lvl="0" marL="457200" rtl="0" algn="l">
+            <a:pPr marL="457200" lvl="0" indent="-317500" algn="l" rtl="0">
               <a:spcBef>
                 <a:spcPts val="0"/>
               </a:spcBef>
@@ -8944,7 +9022,7 @@
             <a:endParaRPr/>
           </a:p>
           <a:p>
-            <a:pPr indent="-317500" lvl="0" marL="457200" rtl="0" algn="l">
+            <a:pPr marL="457200" lvl="0" indent="-317500" algn="l" rtl="0">
               <a:spcBef>
                 <a:spcPts val="0"/>
               </a:spcBef>
@@ -8961,7 +9039,7 @@
             <a:endParaRPr/>
           </a:p>
           <a:p>
-            <a:pPr indent="-317500" lvl="0" marL="457200" rtl="0" algn="l">
+            <a:pPr marL="457200" lvl="0" indent="-317500" algn="l" rtl="0">
               <a:spcBef>
                 <a:spcPts val="0"/>
               </a:spcBef>
@@ -8978,7 +9056,7 @@
             <a:endParaRPr/>
           </a:p>
           <a:p>
-            <a:pPr indent="-317500" lvl="0" marL="457200" rtl="0" algn="l">
+            <a:pPr marL="457200" lvl="0" indent="-317500" algn="l" rtl="0">
               <a:spcBef>
                 <a:spcPts val="0"/>
               </a:spcBef>
@@ -8999,9 +9077,11 @@
       <p:sp>
         <p:nvSpPr>
           <p:cNvPr id="109" name="Google Shape;109;p14"/>
-          <p:cNvSpPr txBox="1"/>
+          <p:cNvSpPr txBox="1">
+            <a:spLocks noGrp="1"/>
+          </p:cNvSpPr>
           <p:nvPr>
-            <p:ph idx="1" type="body"/>
+            <p:ph type="body" idx="1"/>
           </p:nvPr>
         </p:nvSpPr>
         <p:spPr>
@@ -9014,12 +9094,12 @@
           </a:prstGeom>
         </p:spPr>
         <p:txBody>
-          <a:bodyPr anchorCtr="0" anchor="t" bIns="91425" lIns="91425" spcFirstLastPara="1" rIns="91425" wrap="square" tIns="91425">
+          <a:bodyPr spcFirstLastPara="1" wrap="square" lIns="91425" tIns="91425" rIns="91425" bIns="91425" anchor="t" anchorCtr="0">
             <a:noAutofit/>
           </a:bodyPr>
           <a:lstStyle/>
           <a:p>
-            <a:pPr indent="0" lvl="0" marL="0" rtl="0" algn="l">
+            <a:pPr marL="0" lvl="0" indent="0" algn="l" rtl="0">
               <a:spcBef>
                 <a:spcPts val="0"/>
               </a:spcBef>
@@ -9053,11 +9133,11 @@
 </file>
 
 <file path=ppt/slides/slide3.xml><?xml version="1.0" encoding="utf-8"?>
-<p:sld xmlns:a="http://schemas.openxmlformats.org/drawingml/2006/main" xmlns:r="http://schemas.openxmlformats.org/officeDocument/2006/relationships" xmlns:mc="http://schemas.openxmlformats.org/markup-compatibility/2006" xmlns:mv="urn:schemas-microsoft-com:mac:vml" xmlns:p="http://schemas.openxmlformats.org/presentationml/2006/main" xmlns:c="http://schemas.openxmlformats.org/drawingml/2006/chart" xmlns:dgm="http://schemas.openxmlformats.org/drawingml/2006/diagram" xmlns:o="urn:schemas-microsoft-com:office:office" xmlns:v="urn:schemas-microsoft-com:vml" xmlns:pvml="urn:schemas-microsoft-com:office:powerpoint" xmlns:com="http://schemas.openxmlformats.org/drawingml/2006/compatibility" xmlns:p14="http://schemas.microsoft.com/office/powerpoint/2010/main" xmlns:p15="http://schemas.microsoft.com/office/powerpoint/2012/main">
+<p:sld xmlns:a="http://schemas.openxmlformats.org/drawingml/2006/main" xmlns:r="http://schemas.openxmlformats.org/officeDocument/2006/relationships" xmlns:p="http://schemas.openxmlformats.org/presentationml/2006/main">
   <p:cSld>
     <p:spTree>
       <p:nvGrpSpPr>
-        <p:cNvPr id="113" name="Shape 113"/>
+        <p:cNvPr id="1" name="Shape 113"/>
         <p:cNvGrpSpPr/>
         <p:nvPr/>
       </p:nvGrpSpPr>
@@ -9217,32 +9297,32 @@
   <p:timing>
     <p:tnLst>
       <p:par>
-        <p:cTn dur="indefinite" nodeType="tmRoot" restart="never">
+        <p:cTn id="1" dur="indefinite" restart="never" nodeType="tmRoot">
           <p:childTnLst>
             <p:seq concurrent="1" nextAc="seek">
-              <p:cTn dur="indefinite" id="2" nodeType="mainSeq">
+              <p:cTn id="2" dur="indefinite" nodeType="mainSeq">
                 <p:childTnLst>
                   <p:par>
-                    <p:cTn fill="hold">
+                    <p:cTn id="3" fill="hold">
                       <p:stCondLst>
                         <p:cond delay="indefinite"/>
                       </p:stCondLst>
                       <p:childTnLst>
                         <p:par>
-                          <p:cTn fill="hold">
+                          <p:cTn id="4" fill="hold">
                             <p:stCondLst>
                               <p:cond delay="0"/>
                             </p:stCondLst>
                             <p:childTnLst>
                               <p:par>
-                                <p:cTn fill="hold" nodeType="clickEffect" presetClass="entr" presetID="2" presetSubtype="8">
+                                <p:cTn id="5" presetID="2" presetClass="entr" presetSubtype="8" fill="hold" nodeType="clickEffect">
                                   <p:stCondLst>
                                     <p:cond delay="0"/>
                                   </p:stCondLst>
                                   <p:childTnLst>
                                     <p:set>
                                       <p:cBhvr>
-                                        <p:cTn dur="1" fill="hold">
+                                        <p:cTn id="6" dur="1" fill="hold">
                                           <p:stCondLst>
                                             <p:cond delay="0"/>
                                           </p:stCondLst>
@@ -9260,7 +9340,7 @@
                                     </p:set>
                                     <p:anim calcmode="lin" valueType="num">
                                       <p:cBhvr additive="base">
-                                        <p:cTn dur="1000"/>
+                                        <p:cTn id="7" dur="1000"/>
                                         <p:tgtEl>
                                           <p:spTgt spid="114"/>
                                         </p:tgtEl>
@@ -9269,12 +9349,12 @@
                                         </p:attrNameLst>
                                       </p:cBhvr>
                                       <p:tavLst>
-                                        <p:tav fmla="" tm="0">
+                                        <p:tav tm="0">
                                           <p:val>
                                             <p:strVal val="#ppt_x-1"/>
                                           </p:val>
                                         </p:tav>
-                                        <p:tav fmla="" tm="100000">
+                                        <p:tav tm="100000">
                                           <p:val>
                                             <p:strVal val="#ppt_x"/>
                                           </p:val>
@@ -9288,20 +9368,20 @@
                           </p:cTn>
                         </p:par>
                         <p:par>
-                          <p:cTn fill="hold">
+                          <p:cTn id="8" fill="hold">
                             <p:stCondLst>
                               <p:cond delay="1000"/>
                             </p:stCondLst>
                             <p:childTnLst>
                               <p:par>
-                                <p:cTn fill="hold" nodeType="afterEffect" presetClass="entr" presetID="2" presetSubtype="1">
+                                <p:cTn id="9" presetID="2" presetClass="entr" presetSubtype="1" fill="hold" nodeType="afterEffect">
                                   <p:stCondLst>
                                     <p:cond delay="0"/>
                                   </p:stCondLst>
                                   <p:childTnLst>
                                     <p:set>
                                       <p:cBhvr>
-                                        <p:cTn dur="1" fill="hold">
+                                        <p:cTn id="10" dur="1" fill="hold">
                                           <p:stCondLst>
                                             <p:cond delay="0"/>
                                           </p:stCondLst>
@@ -9319,7 +9399,7 @@
                                     </p:set>
                                     <p:anim calcmode="lin" valueType="num">
                                       <p:cBhvr additive="base">
-                                        <p:cTn dur="1000"/>
+                                        <p:cTn id="11" dur="1000"/>
                                         <p:tgtEl>
                                           <p:spTgt spid="116"/>
                                         </p:tgtEl>
@@ -9328,12 +9408,12 @@
                                         </p:attrNameLst>
                                       </p:cBhvr>
                                       <p:tavLst>
-                                        <p:tav fmla="" tm="0">
+                                        <p:tav tm="0">
                                           <p:val>
                                             <p:strVal val="#ppt_y-1"/>
                                           </p:val>
                                         </p:tav>
-                                        <p:tav fmla="" tm="100000">
+                                        <p:tav tm="100000">
                                           <p:val>
                                             <p:strVal val="#ppt_y"/>
                                           </p:val>
@@ -9347,20 +9427,20 @@
                           </p:cTn>
                         </p:par>
                         <p:par>
-                          <p:cTn fill="hold">
+                          <p:cTn id="12" fill="hold">
                             <p:stCondLst>
                               <p:cond delay="2000"/>
                             </p:stCondLst>
                             <p:childTnLst>
                               <p:par>
-                                <p:cTn fill="hold" nodeType="afterEffect" presetClass="entr" presetID="2" presetSubtype="2">
+                                <p:cTn id="13" presetID="2" presetClass="entr" presetSubtype="2" fill="hold" nodeType="afterEffect">
                                   <p:stCondLst>
                                     <p:cond delay="0"/>
                                   </p:stCondLst>
                                   <p:childTnLst>
                                     <p:set>
                                       <p:cBhvr>
-                                        <p:cTn dur="1" fill="hold">
+                                        <p:cTn id="14" dur="1" fill="hold">
                                           <p:stCondLst>
                                             <p:cond delay="0"/>
                                           </p:stCondLst>
@@ -9378,7 +9458,7 @@
                                     </p:set>
                                     <p:anim calcmode="lin" valueType="num">
                                       <p:cBhvr additive="base">
-                                        <p:cTn dur="1000"/>
+                                        <p:cTn id="15" dur="1000"/>
                                         <p:tgtEl>
                                           <p:spTgt spid="117"/>
                                         </p:tgtEl>
@@ -9387,12 +9467,12 @@
                                         </p:attrNameLst>
                                       </p:cBhvr>
                                       <p:tavLst>
-                                        <p:tav fmla="" tm="0">
+                                        <p:tav tm="0">
                                           <p:val>
                                             <p:strVal val="#ppt_x+1"/>
                                           </p:val>
                                         </p:tav>
-                                        <p:tav fmla="" tm="100000">
+                                        <p:tav tm="100000">
                                           <p:val>
                                             <p:strVal val="#ppt_x"/>
                                           </p:val>
@@ -9406,20 +9486,20 @@
                           </p:cTn>
                         </p:par>
                         <p:par>
-                          <p:cTn fill="hold">
+                          <p:cTn id="16" fill="hold">
                             <p:stCondLst>
                               <p:cond delay="3000"/>
                             </p:stCondLst>
                             <p:childTnLst>
                               <p:par>
-                                <p:cTn fill="hold" nodeType="afterEffect" presetClass="entr" presetID="2" presetSubtype="2">
+                                <p:cTn id="17" presetID="2" presetClass="entr" presetSubtype="2" fill="hold" nodeType="afterEffect">
                                   <p:stCondLst>
                                     <p:cond delay="0"/>
                                   </p:stCondLst>
                                   <p:childTnLst>
                                     <p:set>
                                       <p:cBhvr>
-                                        <p:cTn dur="1" fill="hold">
+                                        <p:cTn id="18" dur="1" fill="hold">
                                           <p:stCondLst>
                                             <p:cond delay="0"/>
                                           </p:stCondLst>
@@ -9437,7 +9517,7 @@
                                     </p:set>
                                     <p:anim calcmode="lin" valueType="num">
                                       <p:cBhvr additive="base">
-                                        <p:cTn dur="1000"/>
+                                        <p:cTn id="19" dur="1000"/>
                                         <p:tgtEl>
                                           <p:spTgt spid="118"/>
                                         </p:tgtEl>
@@ -9446,12 +9526,12 @@
                                         </p:attrNameLst>
                                       </p:cBhvr>
                                       <p:tavLst>
-                                        <p:tav fmla="" tm="0">
+                                        <p:tav tm="0">
                                           <p:val>
                                             <p:strVal val="#ppt_x+1"/>
                                           </p:val>
                                         </p:tav>
-                                        <p:tav fmla="" tm="100000">
+                                        <p:tav tm="100000">
                                           <p:val>
                                             <p:strVal val="#ppt_x"/>
                                           </p:val>
@@ -9465,20 +9545,20 @@
                           </p:cTn>
                         </p:par>
                         <p:par>
-                          <p:cTn fill="hold">
+                          <p:cTn id="20" fill="hold">
                             <p:stCondLst>
                               <p:cond delay="4000"/>
                             </p:stCondLst>
                             <p:childTnLst>
                               <p:par>
-                                <p:cTn fill="hold" nodeType="afterEffect" presetClass="entr" presetID="2" presetSubtype="8">
+                                <p:cTn id="21" presetID="2" presetClass="entr" presetSubtype="8" fill="hold" nodeType="afterEffect">
                                   <p:stCondLst>
                                     <p:cond delay="0"/>
                                   </p:stCondLst>
                                   <p:childTnLst>
                                     <p:set>
                                       <p:cBhvr>
-                                        <p:cTn dur="1" fill="hold">
+                                        <p:cTn id="22" dur="1" fill="hold">
                                           <p:stCondLst>
                                             <p:cond delay="0"/>
                                           </p:stCondLst>
@@ -9496,7 +9576,7 @@
                                     </p:set>
                                     <p:anim calcmode="lin" valueType="num">
                                       <p:cBhvr additive="base">
-                                        <p:cTn dur="1000"/>
+                                        <p:cTn id="23" dur="1000"/>
                                         <p:tgtEl>
                                           <p:spTgt spid="115"/>
                                         </p:tgtEl>
@@ -9505,12 +9585,12 @@
                                         </p:attrNameLst>
                                       </p:cBhvr>
                                       <p:tavLst>
-                                        <p:tav fmla="" tm="0">
+                                        <p:tav tm="0">
                                           <p:val>
                                             <p:strVal val="#ppt_x-1"/>
                                           </p:val>
                                         </p:tav>
-                                        <p:tav fmla="" tm="100000">
+                                        <p:tav tm="100000">
                                           <p:val>
                                             <p:strVal val="#ppt_x"/>
                                           </p:val>
@@ -9529,14 +9609,14 @@
                 </p:childTnLst>
               </p:cTn>
               <p:prevCondLst>
-                <p:cond evt="onPrev">
+                <p:cond evt="onPrev" delay="0">
                   <p:tgtEl>
                     <p:sldTgt/>
                   </p:tgtEl>
                 </p:cond>
               </p:prevCondLst>
               <p:nextCondLst>
-                <p:cond evt="onNext">
+                <p:cond evt="onNext" delay="0">
                   <p:tgtEl>
                     <p:sldTgt/>
                   </p:tgtEl>
@@ -9552,11 +9632,11 @@
 </file>
 
 <file path=ppt/slides/slide4.xml><?xml version="1.0" encoding="utf-8"?>
-<p:sld xmlns:a="http://schemas.openxmlformats.org/drawingml/2006/main" xmlns:r="http://schemas.openxmlformats.org/officeDocument/2006/relationships" xmlns:mc="http://schemas.openxmlformats.org/markup-compatibility/2006" xmlns:mv="urn:schemas-microsoft-com:mac:vml" xmlns:p="http://schemas.openxmlformats.org/presentationml/2006/main" xmlns:c="http://schemas.openxmlformats.org/drawingml/2006/chart" xmlns:dgm="http://schemas.openxmlformats.org/drawingml/2006/diagram" xmlns:o="urn:schemas-microsoft-com:office:office" xmlns:v="urn:schemas-microsoft-com:vml" xmlns:pvml="urn:schemas-microsoft-com:office:powerpoint" xmlns:com="http://schemas.openxmlformats.org/drawingml/2006/compatibility" xmlns:p14="http://schemas.microsoft.com/office/powerpoint/2010/main" xmlns:p15="http://schemas.microsoft.com/office/powerpoint/2012/main">
+<p:sld xmlns:a="http://schemas.openxmlformats.org/drawingml/2006/main" xmlns:r="http://schemas.openxmlformats.org/officeDocument/2006/relationships" xmlns:p="http://schemas.openxmlformats.org/presentationml/2006/main">
   <p:cSld>
     <p:spTree>
       <p:nvGrpSpPr>
-        <p:cNvPr id="122" name="Shape 122"/>
+        <p:cNvPr id="1" name="Shape 122"/>
         <p:cNvGrpSpPr/>
         <p:nvPr/>
       </p:nvGrpSpPr>
@@ -9571,7 +9651,9 @@
       <p:sp>
         <p:nvSpPr>
           <p:cNvPr id="123" name="Google Shape;123;p16"/>
-          <p:cNvSpPr txBox="1"/>
+          <p:cNvSpPr txBox="1">
+            <a:spLocks noGrp="1"/>
+          </p:cNvSpPr>
           <p:nvPr>
             <p:ph type="title"/>
           </p:nvPr>
@@ -9586,12 +9668,12 @@
           </a:prstGeom>
         </p:spPr>
         <p:txBody>
-          <a:bodyPr anchorCtr="0" anchor="t" bIns="91425" lIns="91425" spcFirstLastPara="1" rIns="91425" wrap="square" tIns="91425">
+          <a:bodyPr spcFirstLastPara="1" wrap="square" lIns="91425" tIns="91425" rIns="91425" bIns="91425" anchor="t" anchorCtr="0">
             <a:noAutofit/>
           </a:bodyPr>
           <a:lstStyle/>
           <a:p>
-            <a:pPr indent="0" lvl="0" marL="0" rtl="0" algn="l">
+            <a:pPr marL="0" lvl="0" indent="0" algn="l" rtl="0">
               <a:spcBef>
                 <a:spcPts val="0"/>
               </a:spcBef>
@@ -9626,14 +9708,62 @@
                 <a:tableStyleId>{BE410B29-384E-421F-A437-237DC621859F}</a:tableStyleId>
               </a:tblPr>
               <a:tblGrid>
-                <a:gridCol w="964200"/>
-                <a:gridCol w="964200"/>
-                <a:gridCol w="964200"/>
-                <a:gridCol w="964200"/>
-                <a:gridCol w="1133275"/>
-                <a:gridCol w="952525"/>
-                <a:gridCol w="1092975"/>
-                <a:gridCol w="1150250"/>
+                <a:gridCol w="964200">
+                  <a:extLst>
+                    <a:ext uri="{9D8B030D-6E8A-4147-A177-3AD203B41FA5}">
+                      <a16:colId xmlns:a16="http://schemas.microsoft.com/office/drawing/2014/main" val="20000"/>
+                    </a:ext>
+                  </a:extLst>
+                </a:gridCol>
+                <a:gridCol w="964200">
+                  <a:extLst>
+                    <a:ext uri="{9D8B030D-6E8A-4147-A177-3AD203B41FA5}">
+                      <a16:colId xmlns:a16="http://schemas.microsoft.com/office/drawing/2014/main" val="20001"/>
+                    </a:ext>
+                  </a:extLst>
+                </a:gridCol>
+                <a:gridCol w="964200">
+                  <a:extLst>
+                    <a:ext uri="{9D8B030D-6E8A-4147-A177-3AD203B41FA5}">
+                      <a16:colId xmlns:a16="http://schemas.microsoft.com/office/drawing/2014/main" val="20002"/>
+                    </a:ext>
+                  </a:extLst>
+                </a:gridCol>
+                <a:gridCol w="964200">
+                  <a:extLst>
+                    <a:ext uri="{9D8B030D-6E8A-4147-A177-3AD203B41FA5}">
+                      <a16:colId xmlns:a16="http://schemas.microsoft.com/office/drawing/2014/main" val="20003"/>
+                    </a:ext>
+                  </a:extLst>
+                </a:gridCol>
+                <a:gridCol w="1133275">
+                  <a:extLst>
+                    <a:ext uri="{9D8B030D-6E8A-4147-A177-3AD203B41FA5}">
+                      <a16:colId xmlns:a16="http://schemas.microsoft.com/office/drawing/2014/main" val="20004"/>
+                    </a:ext>
+                  </a:extLst>
+                </a:gridCol>
+                <a:gridCol w="952525">
+                  <a:extLst>
+                    <a:ext uri="{9D8B030D-6E8A-4147-A177-3AD203B41FA5}">
+                      <a16:colId xmlns:a16="http://schemas.microsoft.com/office/drawing/2014/main" val="20005"/>
+                    </a:ext>
+                  </a:extLst>
+                </a:gridCol>
+                <a:gridCol w="1092975">
+                  <a:extLst>
+                    <a:ext uri="{9D8B030D-6E8A-4147-A177-3AD203B41FA5}">
+                      <a16:colId xmlns:a16="http://schemas.microsoft.com/office/drawing/2014/main" val="20006"/>
+                    </a:ext>
+                  </a:extLst>
+                </a:gridCol>
+                <a:gridCol w="1150250">
+                  <a:extLst>
+                    <a:ext uri="{9D8B030D-6E8A-4147-A177-3AD203B41FA5}">
+                      <a16:colId xmlns:a16="http://schemas.microsoft.com/office/drawing/2014/main" val="20007"/>
+                    </a:ext>
+                  </a:extLst>
+                </a:gridCol>
               </a:tblGrid>
               <a:tr h="879050">
                 <a:tc>
@@ -9641,7 +9771,7 @@
                     <a:bodyPr/>
                     <a:lstStyle/>
                     <a:p>
-                      <a:pPr indent="0" lvl="0" marL="0" rtl="0" algn="l">
+                      <a:pPr marL="0" lvl="0" indent="0" algn="l" rtl="0">
                         <a:spcBef>
                           <a:spcPts val="0"/>
                         </a:spcBef>
@@ -9650,20 +9780,17 @@
                         </a:spcAft>
                         <a:buNone/>
                       </a:pPr>
-                      <a:r>
-                        <a:t/>
-                      </a:r>
                       <a:endParaRPr/>
                     </a:p>
                   </a:txBody>
-                  <a:tcPr marT="91425" marB="91425" marR="91425" marL="91425"/>
+                  <a:tcPr marL="91425" marR="91425" marT="91425" marB="91425"/>
                 </a:tc>
                 <a:tc>
                   <a:txBody>
                     <a:bodyPr/>
                     <a:lstStyle/>
                     <a:p>
-                      <a:pPr indent="0" lvl="0" marL="0" rtl="0" algn="l">
+                      <a:pPr marL="0" lvl="0" indent="0" algn="l" rtl="0">
                         <a:spcBef>
                           <a:spcPts val="0"/>
                         </a:spcBef>
@@ -9679,7 +9806,7 @@
                       <a:endParaRPr/>
                     </a:p>
                     <a:p>
-                      <a:pPr indent="0" lvl="0" marL="0" rtl="0" algn="l">
+                      <a:pPr marL="0" lvl="0" indent="0" algn="l" rtl="0">
                         <a:spcBef>
                           <a:spcPts val="0"/>
                         </a:spcBef>
@@ -9695,14 +9822,14 @@
                       <a:endParaRPr/>
                     </a:p>
                   </a:txBody>
-                  <a:tcPr marT="91425" marB="91425" marR="91425" marL="91425"/>
+                  <a:tcPr marL="91425" marR="91425" marT="91425" marB="91425"/>
                 </a:tc>
                 <a:tc>
                   <a:txBody>
                     <a:bodyPr/>
                     <a:lstStyle/>
                     <a:p>
-                      <a:pPr indent="0" lvl="0" marL="0" rtl="0" algn="l">
+                      <a:pPr marL="0" lvl="0" indent="0" algn="l" rtl="0">
                         <a:spcBef>
                           <a:spcPts val="0"/>
                         </a:spcBef>
@@ -9718,14 +9845,14 @@
                       <a:endParaRPr/>
                     </a:p>
                   </a:txBody>
-                  <a:tcPr marT="91425" marB="91425" marR="91425" marL="91425"/>
+                  <a:tcPr marL="91425" marR="91425" marT="91425" marB="91425"/>
                 </a:tc>
                 <a:tc>
                   <a:txBody>
                     <a:bodyPr/>
                     <a:lstStyle/>
                     <a:p>
-                      <a:pPr indent="0" lvl="0" marL="0" rtl="0" algn="l">
+                      <a:pPr marL="0" lvl="0" indent="0" algn="l" rtl="0">
                         <a:spcBef>
                           <a:spcPts val="0"/>
                         </a:spcBef>
@@ -9741,14 +9868,14 @@
                       <a:endParaRPr/>
                     </a:p>
                   </a:txBody>
-                  <a:tcPr marT="91425" marB="91425" marR="91425" marL="91425"/>
+                  <a:tcPr marL="91425" marR="91425" marT="91425" marB="91425"/>
                 </a:tc>
                 <a:tc>
                   <a:txBody>
                     <a:bodyPr/>
                     <a:lstStyle/>
                     <a:p>
-                      <a:pPr indent="0" lvl="0" marL="0" rtl="0" algn="l">
+                      <a:pPr marL="0" lvl="0" indent="0" algn="l" rtl="0">
                         <a:spcBef>
                           <a:spcPts val="0"/>
                         </a:spcBef>
@@ -9764,14 +9891,14 @@
                       <a:endParaRPr/>
                     </a:p>
                   </a:txBody>
-                  <a:tcPr marT="91425" marB="91425" marR="91425" marL="91425"/>
+                  <a:tcPr marL="91425" marR="91425" marT="91425" marB="91425"/>
                 </a:tc>
                 <a:tc>
                   <a:txBody>
                     <a:bodyPr/>
                     <a:lstStyle/>
                     <a:p>
-                      <a:pPr indent="0" lvl="0" marL="0" rtl="0" algn="l">
+                      <a:pPr marL="0" lvl="0" indent="0" algn="l" rtl="0">
                         <a:spcBef>
                           <a:spcPts val="0"/>
                         </a:spcBef>
@@ -9787,14 +9914,14 @@
                       <a:endParaRPr sz="1100"/>
                     </a:p>
                   </a:txBody>
-                  <a:tcPr marT="91425" marB="91425" marR="91425" marL="91425"/>
+                  <a:tcPr marL="91425" marR="91425" marT="91425" marB="91425"/>
                 </a:tc>
                 <a:tc>
                   <a:txBody>
                     <a:bodyPr/>
                     <a:lstStyle/>
                     <a:p>
-                      <a:pPr indent="0" lvl="0" marL="0" rtl="0" algn="l">
+                      <a:pPr marL="0" lvl="0" indent="0" algn="l" rtl="0">
                         <a:spcBef>
                           <a:spcPts val="0"/>
                         </a:spcBef>
@@ -9810,14 +9937,14 @@
                       <a:endParaRPr/>
                     </a:p>
                   </a:txBody>
-                  <a:tcPr marT="91425" marB="91425" marR="91425" marL="91425"/>
+                  <a:tcPr marL="91425" marR="91425" marT="91425" marB="91425"/>
                 </a:tc>
                 <a:tc>
                   <a:txBody>
                     <a:bodyPr/>
                     <a:lstStyle/>
                     <a:p>
-                      <a:pPr indent="0" lvl="0" marL="0" rtl="0" algn="l">
+                      <a:pPr marL="0" lvl="0" indent="0" algn="l" rtl="0">
                         <a:spcBef>
                           <a:spcPts val="0"/>
                         </a:spcBef>
@@ -9833,8 +9960,13 @@
                       <a:endParaRPr/>
                     </a:p>
                   </a:txBody>
-                  <a:tcPr marT="91425" marB="91425" marR="91425" marL="91425"/>
+                  <a:tcPr marL="91425" marR="91425" marT="91425" marB="91425"/>
                 </a:tc>
+                <a:extLst>
+                  <a:ext uri="{0D108BD9-81ED-4DB2-BD59-A6C34878D82A}">
+                    <a16:rowId xmlns:a16="http://schemas.microsoft.com/office/drawing/2014/main" val="10000"/>
+                  </a:ext>
+                </a:extLst>
               </a:tr>
               <a:tr h="425075">
                 <a:tc>
@@ -9842,7 +9974,7 @@
                     <a:bodyPr/>
                     <a:lstStyle/>
                     <a:p>
-                      <a:pPr indent="0" lvl="0" marL="0" rtl="0" algn="l">
+                      <a:pPr marL="0" lvl="0" indent="0" algn="l" rtl="0">
                         <a:spcBef>
                           <a:spcPts val="0"/>
                         </a:spcBef>
@@ -9858,14 +9990,14 @@
                       <a:endParaRPr/>
                     </a:p>
                   </a:txBody>
-                  <a:tcPr marT="91425" marB="91425" marR="91425" marL="91425"/>
+                  <a:tcPr marL="91425" marR="91425" marT="91425" marB="91425"/>
                 </a:tc>
                 <a:tc>
                   <a:txBody>
                     <a:bodyPr/>
                     <a:lstStyle/>
                     <a:p>
-                      <a:pPr indent="0" lvl="0" marL="0" rtl="0" algn="l">
+                      <a:pPr marL="0" lvl="0" indent="0" algn="l" rtl="0">
                         <a:spcBef>
                           <a:spcPts val="0"/>
                         </a:spcBef>
@@ -9881,7 +10013,7 @@
                       <a:endParaRPr/>
                     </a:p>
                   </a:txBody>
-                  <a:tcPr marT="91425" marB="91425" marR="91425" marL="91425">
+                  <a:tcPr marL="91425" marR="91425" marT="91425" marB="91425">
                     <a:solidFill>
                       <a:srgbClr val="FFFF00"/>
                     </a:solidFill>
@@ -9892,7 +10024,7 @@
                     <a:bodyPr/>
                     <a:lstStyle/>
                     <a:p>
-                      <a:pPr indent="0" lvl="0" marL="0" rtl="0" algn="l">
+                      <a:pPr marL="0" lvl="0" indent="0" algn="l" rtl="0">
                         <a:spcBef>
                           <a:spcPts val="0"/>
                         </a:spcBef>
@@ -9908,14 +10040,14 @@
                       <a:endParaRPr/>
                     </a:p>
                   </a:txBody>
-                  <a:tcPr marT="91425" marB="91425" marR="91425" marL="91425"/>
+                  <a:tcPr marL="91425" marR="91425" marT="91425" marB="91425"/>
                 </a:tc>
                 <a:tc>
                   <a:txBody>
                     <a:bodyPr/>
                     <a:lstStyle/>
                     <a:p>
-                      <a:pPr indent="0" lvl="0" marL="0" rtl="0" algn="l">
+                      <a:pPr marL="0" lvl="0" indent="0" algn="l" rtl="0">
                         <a:spcBef>
                           <a:spcPts val="0"/>
                         </a:spcBef>
@@ -9931,14 +10063,14 @@
                       <a:endParaRPr/>
                     </a:p>
                   </a:txBody>
-                  <a:tcPr marT="91425" marB="91425" marR="91425" marL="91425"/>
+                  <a:tcPr marL="91425" marR="91425" marT="91425" marB="91425"/>
                 </a:tc>
                 <a:tc>
                   <a:txBody>
                     <a:bodyPr/>
                     <a:lstStyle/>
                     <a:p>
-                      <a:pPr indent="0" lvl="0" marL="0" rtl="0" algn="l">
+                      <a:pPr marL="0" lvl="0" indent="0" algn="l" rtl="0">
                         <a:spcBef>
                           <a:spcPts val="0"/>
                         </a:spcBef>
@@ -9954,14 +10086,14 @@
                       <a:endParaRPr/>
                     </a:p>
                   </a:txBody>
-                  <a:tcPr marT="91425" marB="91425" marR="91425" marL="91425"/>
+                  <a:tcPr marL="91425" marR="91425" marT="91425" marB="91425"/>
                 </a:tc>
                 <a:tc>
                   <a:txBody>
                     <a:bodyPr/>
                     <a:lstStyle/>
                     <a:p>
-                      <a:pPr indent="0" lvl="0" marL="0" rtl="0" algn="l">
+                      <a:pPr marL="0" lvl="0" indent="0" algn="l" rtl="0">
                         <a:spcBef>
                           <a:spcPts val="0"/>
                         </a:spcBef>
@@ -9977,14 +10109,14 @@
                       <a:endParaRPr/>
                     </a:p>
                   </a:txBody>
-                  <a:tcPr marT="91425" marB="91425" marR="91425" marL="91425"/>
+                  <a:tcPr marL="91425" marR="91425" marT="91425" marB="91425"/>
                 </a:tc>
                 <a:tc>
                   <a:txBody>
                     <a:bodyPr/>
                     <a:lstStyle/>
                     <a:p>
-                      <a:pPr indent="0" lvl="0" marL="0" rtl="0" algn="l">
+                      <a:pPr marL="0" lvl="0" indent="0" algn="l" rtl="0">
                         <a:spcBef>
                           <a:spcPts val="0"/>
                         </a:spcBef>
@@ -10000,14 +10132,14 @@
                       <a:endParaRPr/>
                     </a:p>
                   </a:txBody>
-                  <a:tcPr marT="91425" marB="91425" marR="91425" marL="91425"/>
+                  <a:tcPr marL="91425" marR="91425" marT="91425" marB="91425"/>
                 </a:tc>
                 <a:tc>
                   <a:txBody>
                     <a:bodyPr/>
                     <a:lstStyle/>
                     <a:p>
-                      <a:pPr indent="0" lvl="0" marL="0" rtl="0" algn="l">
+                      <a:pPr marL="0" lvl="0" indent="0" algn="l" rtl="0">
                         <a:spcBef>
                           <a:spcPts val="0"/>
                         </a:spcBef>
@@ -10023,8 +10155,13 @@
                       <a:endParaRPr/>
                     </a:p>
                   </a:txBody>
-                  <a:tcPr marT="91425" marB="91425" marR="91425" marL="91425"/>
+                  <a:tcPr marL="91425" marR="91425" marT="91425" marB="91425"/>
                 </a:tc>
+                <a:extLst>
+                  <a:ext uri="{0D108BD9-81ED-4DB2-BD59-A6C34878D82A}">
+                    <a16:rowId xmlns:a16="http://schemas.microsoft.com/office/drawing/2014/main" val="10001"/>
+                  </a:ext>
+                </a:extLst>
               </a:tr>
               <a:tr h="534025">
                 <a:tc>
@@ -10032,7 +10169,7 @@
                     <a:bodyPr/>
                     <a:lstStyle/>
                     <a:p>
-                      <a:pPr indent="0" lvl="0" marL="0" rtl="0" algn="l">
+                      <a:pPr marL="0" lvl="0" indent="0" algn="l" rtl="0">
                         <a:spcBef>
                           <a:spcPts val="0"/>
                         </a:spcBef>
@@ -10048,14 +10185,14 @@
                       <a:endParaRPr/>
                     </a:p>
                   </a:txBody>
-                  <a:tcPr marT="91425" marB="91425" marR="91425" marL="91425"/>
+                  <a:tcPr marL="91425" marR="91425" marT="91425" marB="91425"/>
                 </a:tc>
                 <a:tc>
                   <a:txBody>
                     <a:bodyPr/>
                     <a:lstStyle/>
                     <a:p>
-                      <a:pPr indent="0" lvl="0" marL="0" rtl="0" algn="l">
+                      <a:pPr marL="0" lvl="0" indent="0" algn="l" rtl="0">
                         <a:spcBef>
                           <a:spcPts val="0"/>
                         </a:spcBef>
@@ -10071,14 +10208,14 @@
                       <a:endParaRPr/>
                     </a:p>
                   </a:txBody>
-                  <a:tcPr marT="91425" marB="91425" marR="91425" marL="91425"/>
+                  <a:tcPr marL="91425" marR="91425" marT="91425" marB="91425"/>
                 </a:tc>
                 <a:tc>
                   <a:txBody>
                     <a:bodyPr/>
                     <a:lstStyle/>
                     <a:p>
-                      <a:pPr indent="0" lvl="0" marL="0" rtl="0" algn="l">
+                      <a:pPr marL="0" lvl="0" indent="0" algn="l" rtl="0">
                         <a:spcBef>
                           <a:spcPts val="0"/>
                         </a:spcBef>
@@ -10094,14 +10231,14 @@
                       <a:endParaRPr/>
                     </a:p>
                   </a:txBody>
-                  <a:tcPr marT="91425" marB="91425" marR="91425" marL="91425"/>
+                  <a:tcPr marL="91425" marR="91425" marT="91425" marB="91425"/>
                 </a:tc>
                 <a:tc>
                   <a:txBody>
                     <a:bodyPr/>
                     <a:lstStyle/>
                     <a:p>
-                      <a:pPr indent="0" lvl="0" marL="0" rtl="0" algn="l">
+                      <a:pPr marL="0" lvl="0" indent="0" algn="l" rtl="0">
                         <a:spcBef>
                           <a:spcPts val="0"/>
                         </a:spcBef>
@@ -10117,14 +10254,14 @@
                       <a:endParaRPr/>
                     </a:p>
                   </a:txBody>
-                  <a:tcPr marT="91425" marB="91425" marR="91425" marL="91425"/>
+                  <a:tcPr marL="91425" marR="91425" marT="91425" marB="91425"/>
                 </a:tc>
                 <a:tc>
                   <a:txBody>
                     <a:bodyPr/>
                     <a:lstStyle/>
                     <a:p>
-                      <a:pPr indent="0" lvl="0" marL="0" rtl="0" algn="l">
+                      <a:pPr marL="0" lvl="0" indent="0" algn="l" rtl="0">
                         <a:spcBef>
                           <a:spcPts val="0"/>
                         </a:spcBef>
@@ -10140,14 +10277,14 @@
                       <a:endParaRPr/>
                     </a:p>
                   </a:txBody>
-                  <a:tcPr marT="91425" marB="91425" marR="91425" marL="91425"/>
+                  <a:tcPr marL="91425" marR="91425" marT="91425" marB="91425"/>
                 </a:tc>
                 <a:tc>
                   <a:txBody>
                     <a:bodyPr/>
                     <a:lstStyle/>
                     <a:p>
-                      <a:pPr indent="0" lvl="0" marL="0" rtl="0" algn="l">
+                      <a:pPr marL="0" lvl="0" indent="0" algn="l" rtl="0">
                         <a:spcBef>
                           <a:spcPts val="0"/>
                         </a:spcBef>
@@ -10163,14 +10300,14 @@
                       <a:endParaRPr/>
                     </a:p>
                   </a:txBody>
-                  <a:tcPr marT="91425" marB="91425" marR="91425" marL="91425"/>
+                  <a:tcPr marL="91425" marR="91425" marT="91425" marB="91425"/>
                 </a:tc>
                 <a:tc>
                   <a:txBody>
                     <a:bodyPr/>
                     <a:lstStyle/>
                     <a:p>
-                      <a:pPr indent="0" lvl="0" marL="0" rtl="0" algn="l">
+                      <a:pPr marL="0" lvl="0" indent="0" algn="l" rtl="0">
                         <a:spcBef>
                           <a:spcPts val="0"/>
                         </a:spcBef>
@@ -10186,14 +10323,14 @@
                       <a:endParaRPr/>
                     </a:p>
                   </a:txBody>
-                  <a:tcPr marT="91425" marB="91425" marR="91425" marL="91425"/>
+                  <a:tcPr marL="91425" marR="91425" marT="91425" marB="91425"/>
                 </a:tc>
                 <a:tc>
                   <a:txBody>
                     <a:bodyPr/>
                     <a:lstStyle/>
                     <a:p>
-                      <a:pPr indent="0" lvl="0" marL="0" rtl="0" algn="l">
+                      <a:pPr marL="0" lvl="0" indent="0" algn="l" rtl="0">
                         <a:spcBef>
                           <a:spcPts val="0"/>
                         </a:spcBef>
@@ -10209,8 +10346,13 @@
                       <a:endParaRPr/>
                     </a:p>
                   </a:txBody>
-                  <a:tcPr marT="91425" marB="91425" marR="91425" marL="91425"/>
+                  <a:tcPr marL="91425" marR="91425" marT="91425" marB="91425"/>
                 </a:tc>
+                <a:extLst>
+                  <a:ext uri="{0D108BD9-81ED-4DB2-BD59-A6C34878D82A}">
+                    <a16:rowId xmlns:a16="http://schemas.microsoft.com/office/drawing/2014/main" val="10002"/>
+                  </a:ext>
+                </a:extLst>
               </a:tr>
               <a:tr h="425075">
                 <a:tc>
@@ -10218,7 +10360,7 @@
                     <a:bodyPr/>
                     <a:lstStyle/>
                     <a:p>
-                      <a:pPr indent="0" lvl="0" marL="0" rtl="0" algn="l">
+                      <a:pPr marL="0" lvl="0" indent="0" algn="l" rtl="0">
                         <a:spcBef>
                           <a:spcPts val="0"/>
                         </a:spcBef>
@@ -10234,14 +10376,14 @@
                       <a:endParaRPr/>
                     </a:p>
                   </a:txBody>
-                  <a:tcPr marT="91425" marB="91425" marR="91425" marL="91425"/>
+                  <a:tcPr marL="91425" marR="91425" marT="91425" marB="91425"/>
                 </a:tc>
                 <a:tc>
                   <a:txBody>
                     <a:bodyPr/>
                     <a:lstStyle/>
                     <a:p>
-                      <a:pPr indent="0" lvl="0" marL="0" rtl="0" algn="l">
+                      <a:pPr marL="0" lvl="0" indent="0" algn="l" rtl="0">
                         <a:spcBef>
                           <a:spcPts val="0"/>
                         </a:spcBef>
@@ -10257,14 +10399,14 @@
                       <a:endParaRPr/>
                     </a:p>
                   </a:txBody>
-                  <a:tcPr marT="91425" marB="91425" marR="91425" marL="91425"/>
+                  <a:tcPr marL="91425" marR="91425" marT="91425" marB="91425"/>
                 </a:tc>
                 <a:tc>
                   <a:txBody>
                     <a:bodyPr/>
                     <a:lstStyle/>
                     <a:p>
-                      <a:pPr indent="0" lvl="0" marL="0" rtl="0" algn="l">
+                      <a:pPr marL="0" lvl="0" indent="0" algn="l" rtl="0">
                         <a:spcBef>
                           <a:spcPts val="0"/>
                         </a:spcBef>
@@ -10280,14 +10422,14 @@
                       <a:endParaRPr/>
                     </a:p>
                   </a:txBody>
-                  <a:tcPr marT="91425" marB="91425" marR="91425" marL="91425"/>
+                  <a:tcPr marL="91425" marR="91425" marT="91425" marB="91425"/>
                 </a:tc>
                 <a:tc>
                   <a:txBody>
                     <a:bodyPr/>
                     <a:lstStyle/>
                     <a:p>
-                      <a:pPr indent="0" lvl="0" marL="0" rtl="0" algn="l">
+                      <a:pPr marL="0" lvl="0" indent="0" algn="l" rtl="0">
                         <a:spcBef>
                           <a:spcPts val="0"/>
                         </a:spcBef>
@@ -10303,14 +10445,14 @@
                       <a:endParaRPr/>
                     </a:p>
                   </a:txBody>
-                  <a:tcPr marT="91425" marB="91425" marR="91425" marL="91425"/>
+                  <a:tcPr marL="91425" marR="91425" marT="91425" marB="91425"/>
                 </a:tc>
                 <a:tc>
                   <a:txBody>
                     <a:bodyPr/>
                     <a:lstStyle/>
                     <a:p>
-                      <a:pPr indent="0" lvl="0" marL="0" rtl="0" algn="l">
+                      <a:pPr marL="0" lvl="0" indent="0" algn="l" rtl="0">
                         <a:spcBef>
                           <a:spcPts val="0"/>
                         </a:spcBef>
@@ -10326,14 +10468,14 @@
                       <a:endParaRPr/>
                     </a:p>
                   </a:txBody>
-                  <a:tcPr marT="91425" marB="91425" marR="91425" marL="91425"/>
+                  <a:tcPr marL="91425" marR="91425" marT="91425" marB="91425"/>
                 </a:tc>
                 <a:tc>
                   <a:txBody>
                     <a:bodyPr/>
                     <a:lstStyle/>
                     <a:p>
-                      <a:pPr indent="0" lvl="0" marL="0" rtl="0" algn="l">
+                      <a:pPr marL="0" lvl="0" indent="0" algn="l" rtl="0">
                         <a:spcBef>
                           <a:spcPts val="0"/>
                         </a:spcBef>
@@ -10349,14 +10491,14 @@
                       <a:endParaRPr/>
                     </a:p>
                   </a:txBody>
-                  <a:tcPr marT="91425" marB="91425" marR="91425" marL="91425"/>
+                  <a:tcPr marL="91425" marR="91425" marT="91425" marB="91425"/>
                 </a:tc>
                 <a:tc>
                   <a:txBody>
                     <a:bodyPr/>
                     <a:lstStyle/>
                     <a:p>
-                      <a:pPr indent="0" lvl="0" marL="0" rtl="0" algn="l">
+                      <a:pPr marL="0" lvl="0" indent="0" algn="l" rtl="0">
                         <a:spcBef>
                           <a:spcPts val="0"/>
                         </a:spcBef>
@@ -10372,14 +10514,14 @@
                       <a:endParaRPr/>
                     </a:p>
                   </a:txBody>
-                  <a:tcPr marT="91425" marB="91425" marR="91425" marL="91425"/>
+                  <a:tcPr marL="91425" marR="91425" marT="91425" marB="91425"/>
                 </a:tc>
                 <a:tc>
                   <a:txBody>
                     <a:bodyPr/>
                     <a:lstStyle/>
                     <a:p>
-                      <a:pPr indent="0" lvl="0" marL="0" rtl="0" algn="l">
+                      <a:pPr marL="0" lvl="0" indent="0" algn="l" rtl="0">
                         <a:spcBef>
                           <a:spcPts val="0"/>
                         </a:spcBef>
@@ -10395,8 +10537,13 @@
                       <a:endParaRPr/>
                     </a:p>
                   </a:txBody>
-                  <a:tcPr marT="91425" marB="91425" marR="91425" marL="91425"/>
+                  <a:tcPr marL="91425" marR="91425" marT="91425" marB="91425"/>
                 </a:tc>
+                <a:extLst>
+                  <a:ext uri="{0D108BD9-81ED-4DB2-BD59-A6C34878D82A}">
+                    <a16:rowId xmlns:a16="http://schemas.microsoft.com/office/drawing/2014/main" val="10003"/>
+                  </a:ext>
+                </a:extLst>
               </a:tr>
               <a:tr h="425075">
                 <a:tc>
@@ -10404,7 +10551,7 @@
                     <a:bodyPr/>
                     <a:lstStyle/>
                     <a:p>
-                      <a:pPr indent="0" lvl="0" marL="0" rtl="0" algn="l">
+                      <a:pPr marL="0" lvl="0" indent="0" algn="l" rtl="0">
                         <a:spcBef>
                           <a:spcPts val="0"/>
                         </a:spcBef>
@@ -10420,14 +10567,14 @@
                       <a:endParaRPr/>
                     </a:p>
                   </a:txBody>
-                  <a:tcPr marT="91425" marB="91425" marR="91425" marL="91425"/>
+                  <a:tcPr marL="91425" marR="91425" marT="91425" marB="91425"/>
                 </a:tc>
                 <a:tc>
                   <a:txBody>
                     <a:bodyPr/>
                     <a:lstStyle/>
                     <a:p>
-                      <a:pPr indent="0" lvl="0" marL="0" rtl="0" algn="l">
+                      <a:pPr marL="0" lvl="0" indent="0" algn="l" rtl="0">
                         <a:spcBef>
                           <a:spcPts val="0"/>
                         </a:spcBef>
@@ -10443,14 +10590,14 @@
                       <a:endParaRPr/>
                     </a:p>
                   </a:txBody>
-                  <a:tcPr marT="91425" marB="91425" marR="91425" marL="91425"/>
+                  <a:tcPr marL="91425" marR="91425" marT="91425" marB="91425"/>
                 </a:tc>
                 <a:tc>
                   <a:txBody>
                     <a:bodyPr/>
                     <a:lstStyle/>
                     <a:p>
-                      <a:pPr indent="0" lvl="0" marL="0" rtl="0" algn="l">
+                      <a:pPr marL="0" lvl="0" indent="0" algn="l" rtl="0">
                         <a:spcBef>
                           <a:spcPts val="0"/>
                         </a:spcBef>
@@ -10466,14 +10613,14 @@
                       <a:endParaRPr/>
                     </a:p>
                   </a:txBody>
-                  <a:tcPr marT="91425" marB="91425" marR="91425" marL="91425"/>
+                  <a:tcPr marL="91425" marR="91425" marT="91425" marB="91425"/>
                 </a:tc>
                 <a:tc>
                   <a:txBody>
                     <a:bodyPr/>
                     <a:lstStyle/>
                     <a:p>
-                      <a:pPr indent="0" lvl="0" marL="0" rtl="0" algn="l">
+                      <a:pPr marL="0" lvl="0" indent="0" algn="l" rtl="0">
                         <a:spcBef>
                           <a:spcPts val="0"/>
                         </a:spcBef>
@@ -10489,14 +10636,14 @@
                       <a:endParaRPr/>
                     </a:p>
                   </a:txBody>
-                  <a:tcPr marT="91425" marB="91425" marR="91425" marL="91425"/>
+                  <a:tcPr marL="91425" marR="91425" marT="91425" marB="91425"/>
                 </a:tc>
                 <a:tc>
                   <a:txBody>
                     <a:bodyPr/>
                     <a:lstStyle/>
                     <a:p>
-                      <a:pPr indent="0" lvl="0" marL="0" rtl="0" algn="l">
+                      <a:pPr marL="0" lvl="0" indent="0" algn="l" rtl="0">
                         <a:spcBef>
                           <a:spcPts val="0"/>
                         </a:spcBef>
@@ -10512,14 +10659,14 @@
                       <a:endParaRPr/>
                     </a:p>
                   </a:txBody>
-                  <a:tcPr marT="91425" marB="91425" marR="91425" marL="91425"/>
+                  <a:tcPr marL="91425" marR="91425" marT="91425" marB="91425"/>
                 </a:tc>
                 <a:tc>
                   <a:txBody>
                     <a:bodyPr/>
                     <a:lstStyle/>
                     <a:p>
-                      <a:pPr indent="0" lvl="0" marL="0" rtl="0" algn="l">
+                      <a:pPr marL="0" lvl="0" indent="0" algn="l" rtl="0">
                         <a:spcBef>
                           <a:spcPts val="0"/>
                         </a:spcBef>
@@ -10535,14 +10682,14 @@
                       <a:endParaRPr/>
                     </a:p>
                   </a:txBody>
-                  <a:tcPr marT="91425" marB="91425" marR="91425" marL="91425"/>
+                  <a:tcPr marL="91425" marR="91425" marT="91425" marB="91425"/>
                 </a:tc>
                 <a:tc>
                   <a:txBody>
                     <a:bodyPr/>
                     <a:lstStyle/>
                     <a:p>
-                      <a:pPr indent="0" lvl="0" marL="0" rtl="0" algn="l">
+                      <a:pPr marL="0" lvl="0" indent="0" algn="l" rtl="0">
                         <a:spcBef>
                           <a:spcPts val="0"/>
                         </a:spcBef>
@@ -10558,14 +10705,14 @@
                       <a:endParaRPr/>
                     </a:p>
                   </a:txBody>
-                  <a:tcPr marT="91425" marB="91425" marR="91425" marL="91425"/>
+                  <a:tcPr marL="91425" marR="91425" marT="91425" marB="91425"/>
                 </a:tc>
                 <a:tc>
                   <a:txBody>
                     <a:bodyPr/>
                     <a:lstStyle/>
                     <a:p>
-                      <a:pPr indent="0" lvl="0" marL="0" rtl="0" algn="l">
+                      <a:pPr marL="0" lvl="0" indent="0" algn="l" rtl="0">
                         <a:spcBef>
                           <a:spcPts val="0"/>
                         </a:spcBef>
@@ -10581,8 +10728,13 @@
                       <a:endParaRPr/>
                     </a:p>
                   </a:txBody>
-                  <a:tcPr marT="91425" marB="91425" marR="91425" marL="91425"/>
+                  <a:tcPr marL="91425" marR="91425" marT="91425" marB="91425"/>
                 </a:tc>
+                <a:extLst>
+                  <a:ext uri="{0D108BD9-81ED-4DB2-BD59-A6C34878D82A}">
+                    <a16:rowId xmlns:a16="http://schemas.microsoft.com/office/drawing/2014/main" val="10004"/>
+                  </a:ext>
+                </a:extLst>
               </a:tr>
               <a:tr h="425075">
                 <a:tc>
@@ -10590,7 +10742,7 @@
                     <a:bodyPr/>
                     <a:lstStyle/>
                     <a:p>
-                      <a:pPr indent="0" lvl="0" marL="0" rtl="0" algn="l">
+                      <a:pPr marL="0" lvl="0" indent="0" algn="l" rtl="0">
                         <a:spcBef>
                           <a:spcPts val="0"/>
                         </a:spcBef>
@@ -10606,14 +10758,14 @@
                       <a:endParaRPr/>
                     </a:p>
                   </a:txBody>
-                  <a:tcPr marT="91425" marB="91425" marR="91425" marL="91425"/>
+                  <a:tcPr marL="91425" marR="91425" marT="91425" marB="91425"/>
                 </a:tc>
                 <a:tc>
                   <a:txBody>
                     <a:bodyPr/>
                     <a:lstStyle/>
                     <a:p>
-                      <a:pPr indent="0" lvl="0" marL="0" rtl="0" algn="l">
+                      <a:pPr marL="0" lvl="0" indent="0" algn="l" rtl="0">
                         <a:spcBef>
                           <a:spcPts val="0"/>
                         </a:spcBef>
@@ -10629,14 +10781,14 @@
                       <a:endParaRPr/>
                     </a:p>
                   </a:txBody>
-                  <a:tcPr marT="91425" marB="91425" marR="91425" marL="91425"/>
+                  <a:tcPr marL="91425" marR="91425" marT="91425" marB="91425"/>
                 </a:tc>
                 <a:tc>
                   <a:txBody>
                     <a:bodyPr/>
                     <a:lstStyle/>
                     <a:p>
-                      <a:pPr indent="0" lvl="0" marL="0" rtl="0" algn="l">
+                      <a:pPr marL="0" lvl="0" indent="0" algn="l" rtl="0">
                         <a:spcBef>
                           <a:spcPts val="0"/>
                         </a:spcBef>
@@ -10652,14 +10804,14 @@
                       <a:endParaRPr/>
                     </a:p>
                   </a:txBody>
-                  <a:tcPr marT="91425" marB="91425" marR="91425" marL="91425"/>
+                  <a:tcPr marL="91425" marR="91425" marT="91425" marB="91425"/>
                 </a:tc>
                 <a:tc>
                   <a:txBody>
                     <a:bodyPr/>
                     <a:lstStyle/>
                     <a:p>
-                      <a:pPr indent="0" lvl="0" marL="0" rtl="0" algn="l">
+                      <a:pPr marL="0" lvl="0" indent="0" algn="l" rtl="0">
                         <a:spcBef>
                           <a:spcPts val="0"/>
                         </a:spcBef>
@@ -10675,14 +10827,14 @@
                       <a:endParaRPr/>
                     </a:p>
                   </a:txBody>
-                  <a:tcPr marT="91425" marB="91425" marR="91425" marL="91425"/>
+                  <a:tcPr marL="91425" marR="91425" marT="91425" marB="91425"/>
                 </a:tc>
                 <a:tc>
                   <a:txBody>
                     <a:bodyPr/>
                     <a:lstStyle/>
                     <a:p>
-                      <a:pPr indent="0" lvl="0" marL="0" rtl="0" algn="l">
+                      <a:pPr marL="0" lvl="0" indent="0" algn="l" rtl="0">
                         <a:spcBef>
                           <a:spcPts val="0"/>
                         </a:spcBef>
@@ -10698,14 +10850,14 @@
                       <a:endParaRPr/>
                     </a:p>
                   </a:txBody>
-                  <a:tcPr marT="91425" marB="91425" marR="91425" marL="91425"/>
+                  <a:tcPr marL="91425" marR="91425" marT="91425" marB="91425"/>
                 </a:tc>
                 <a:tc>
                   <a:txBody>
                     <a:bodyPr/>
                     <a:lstStyle/>
                     <a:p>
-                      <a:pPr indent="0" lvl="0" marL="0" rtl="0" algn="l">
+                      <a:pPr marL="0" lvl="0" indent="0" algn="l" rtl="0">
                         <a:spcBef>
                           <a:spcPts val="0"/>
                         </a:spcBef>
@@ -10721,14 +10873,14 @@
                       <a:endParaRPr/>
                     </a:p>
                   </a:txBody>
-                  <a:tcPr marT="91425" marB="91425" marR="91425" marL="91425"/>
+                  <a:tcPr marL="91425" marR="91425" marT="91425" marB="91425"/>
                 </a:tc>
                 <a:tc>
                   <a:txBody>
                     <a:bodyPr/>
                     <a:lstStyle/>
                     <a:p>
-                      <a:pPr indent="0" lvl="0" marL="0" rtl="0" algn="l">
+                      <a:pPr marL="0" lvl="0" indent="0" algn="l" rtl="0">
                         <a:spcBef>
                           <a:spcPts val="0"/>
                         </a:spcBef>
@@ -10744,14 +10896,14 @@
                       <a:endParaRPr/>
                     </a:p>
                   </a:txBody>
-                  <a:tcPr marT="91425" marB="91425" marR="91425" marL="91425"/>
+                  <a:tcPr marL="91425" marR="91425" marT="91425" marB="91425"/>
                 </a:tc>
                 <a:tc>
                   <a:txBody>
                     <a:bodyPr/>
                     <a:lstStyle/>
                     <a:p>
-                      <a:pPr indent="0" lvl="0" marL="0" rtl="0" algn="l">
+                      <a:pPr marL="0" lvl="0" indent="0" algn="l" rtl="0">
                         <a:spcBef>
                           <a:spcPts val="0"/>
                         </a:spcBef>
@@ -10767,8 +10919,13 @@
                       <a:endParaRPr/>
                     </a:p>
                   </a:txBody>
-                  <a:tcPr marT="91425" marB="91425" marR="91425" marL="91425"/>
+                  <a:tcPr marL="91425" marR="91425" marT="91425" marB="91425"/>
                 </a:tc>
+                <a:extLst>
+                  <a:ext uri="{0D108BD9-81ED-4DB2-BD59-A6C34878D82A}">
+                    <a16:rowId xmlns:a16="http://schemas.microsoft.com/office/drawing/2014/main" val="10005"/>
+                  </a:ext>
+                </a:extLst>
               </a:tr>
               <a:tr h="425075">
                 <a:tc>
@@ -10776,7 +10933,7 @@
                     <a:bodyPr/>
                     <a:lstStyle/>
                     <a:p>
-                      <a:pPr indent="0" lvl="0" marL="0" rtl="0" algn="l">
+                      <a:pPr marL="0" lvl="0" indent="0" algn="l" rtl="0">
                         <a:spcBef>
                           <a:spcPts val="0"/>
                         </a:spcBef>
@@ -10792,14 +10949,14 @@
                       <a:endParaRPr/>
                     </a:p>
                   </a:txBody>
-                  <a:tcPr marT="91425" marB="91425" marR="91425" marL="91425"/>
+                  <a:tcPr marL="91425" marR="91425" marT="91425" marB="91425"/>
                 </a:tc>
                 <a:tc>
                   <a:txBody>
                     <a:bodyPr/>
                     <a:lstStyle/>
                     <a:p>
-                      <a:pPr indent="0" lvl="0" marL="0" rtl="0" algn="l">
+                      <a:pPr marL="0" lvl="0" indent="0" algn="l" rtl="0">
                         <a:spcBef>
                           <a:spcPts val="0"/>
                         </a:spcBef>
@@ -10815,14 +10972,14 @@
                       <a:endParaRPr/>
                     </a:p>
                   </a:txBody>
-                  <a:tcPr marT="91425" marB="91425" marR="91425" marL="91425"/>
+                  <a:tcPr marL="91425" marR="91425" marT="91425" marB="91425"/>
                 </a:tc>
                 <a:tc>
                   <a:txBody>
                     <a:bodyPr/>
                     <a:lstStyle/>
                     <a:p>
-                      <a:pPr indent="0" lvl="0" marL="0" rtl="0" algn="l">
+                      <a:pPr marL="0" lvl="0" indent="0" algn="l" rtl="0">
                         <a:spcBef>
                           <a:spcPts val="0"/>
                         </a:spcBef>
@@ -10838,14 +10995,14 @@
                       <a:endParaRPr/>
                     </a:p>
                   </a:txBody>
-                  <a:tcPr marT="91425" marB="91425" marR="91425" marL="91425"/>
+                  <a:tcPr marL="91425" marR="91425" marT="91425" marB="91425"/>
                 </a:tc>
                 <a:tc>
                   <a:txBody>
                     <a:bodyPr/>
                     <a:lstStyle/>
                     <a:p>
-                      <a:pPr indent="0" lvl="0" marL="0" rtl="0" algn="l">
+                      <a:pPr marL="0" lvl="0" indent="0" algn="l" rtl="0">
                         <a:spcBef>
                           <a:spcPts val="0"/>
                         </a:spcBef>
@@ -10861,14 +11018,14 @@
                       <a:endParaRPr/>
                     </a:p>
                   </a:txBody>
-                  <a:tcPr marT="91425" marB="91425" marR="91425" marL="91425"/>
+                  <a:tcPr marL="91425" marR="91425" marT="91425" marB="91425"/>
                 </a:tc>
                 <a:tc>
                   <a:txBody>
                     <a:bodyPr/>
                     <a:lstStyle/>
                     <a:p>
-                      <a:pPr indent="0" lvl="0" marL="0" rtl="0" algn="l">
+                      <a:pPr marL="0" lvl="0" indent="0" algn="l" rtl="0">
                         <a:spcBef>
                           <a:spcPts val="0"/>
                         </a:spcBef>
@@ -10884,14 +11041,14 @@
                       <a:endParaRPr/>
                     </a:p>
                   </a:txBody>
-                  <a:tcPr marT="91425" marB="91425" marR="91425" marL="91425"/>
+                  <a:tcPr marL="91425" marR="91425" marT="91425" marB="91425"/>
                 </a:tc>
                 <a:tc>
                   <a:txBody>
                     <a:bodyPr/>
                     <a:lstStyle/>
                     <a:p>
-                      <a:pPr indent="0" lvl="0" marL="0" rtl="0" algn="l">
+                      <a:pPr marL="0" lvl="0" indent="0" algn="l" rtl="0">
                         <a:spcBef>
                           <a:spcPts val="0"/>
                         </a:spcBef>
@@ -10907,14 +11064,14 @@
                       <a:endParaRPr/>
                     </a:p>
                   </a:txBody>
-                  <a:tcPr marT="91425" marB="91425" marR="91425" marL="91425"/>
+                  <a:tcPr marL="91425" marR="91425" marT="91425" marB="91425"/>
                 </a:tc>
                 <a:tc>
                   <a:txBody>
                     <a:bodyPr/>
                     <a:lstStyle/>
                     <a:p>
-                      <a:pPr indent="0" lvl="0" marL="0" rtl="0" algn="l">
+                      <a:pPr marL="0" lvl="0" indent="0" algn="l" rtl="0">
                         <a:spcBef>
                           <a:spcPts val="0"/>
                         </a:spcBef>
@@ -10930,14 +11087,14 @@
                       <a:endParaRPr/>
                     </a:p>
                   </a:txBody>
-                  <a:tcPr marT="91425" marB="91425" marR="91425" marL="91425"/>
+                  <a:tcPr marL="91425" marR="91425" marT="91425" marB="91425"/>
                 </a:tc>
                 <a:tc>
                   <a:txBody>
                     <a:bodyPr/>
                     <a:lstStyle/>
                     <a:p>
-                      <a:pPr indent="0" lvl="0" marL="0" rtl="0" algn="l">
+                      <a:pPr marL="0" lvl="0" indent="0" algn="l" rtl="0">
                         <a:spcBef>
                           <a:spcPts val="0"/>
                         </a:spcBef>
@@ -10953,8 +11110,13 @@
                       <a:endParaRPr/>
                     </a:p>
                   </a:txBody>
-                  <a:tcPr marT="91425" marB="91425" marR="91425" marL="91425"/>
+                  <a:tcPr marL="91425" marR="91425" marT="91425" marB="91425"/>
                 </a:tc>
+                <a:extLst>
+                  <a:ext uri="{0D108BD9-81ED-4DB2-BD59-A6C34878D82A}">
+                    <a16:rowId xmlns:a16="http://schemas.microsoft.com/office/drawing/2014/main" val="10006"/>
+                  </a:ext>
+                </a:extLst>
               </a:tr>
             </a:tbl>
           </a:graphicData>
@@ -10969,11 +11131,11 @@
 </file>
 
 <file path=ppt/slides/slide5.xml><?xml version="1.0" encoding="utf-8"?>
-<p:sld xmlns:a="http://schemas.openxmlformats.org/drawingml/2006/main" xmlns:r="http://schemas.openxmlformats.org/officeDocument/2006/relationships" xmlns:mc="http://schemas.openxmlformats.org/markup-compatibility/2006" xmlns:mv="urn:schemas-microsoft-com:mac:vml" xmlns:p="http://schemas.openxmlformats.org/presentationml/2006/main" xmlns:c="http://schemas.openxmlformats.org/drawingml/2006/chart" xmlns:dgm="http://schemas.openxmlformats.org/drawingml/2006/diagram" xmlns:o="urn:schemas-microsoft-com:office:office" xmlns:v="urn:schemas-microsoft-com:vml" xmlns:pvml="urn:schemas-microsoft-com:office:powerpoint" xmlns:com="http://schemas.openxmlformats.org/drawingml/2006/compatibility" xmlns:p14="http://schemas.microsoft.com/office/powerpoint/2010/main" xmlns:p15="http://schemas.microsoft.com/office/powerpoint/2012/main">
+<p:sld xmlns:a="http://schemas.openxmlformats.org/drawingml/2006/main" xmlns:r="http://schemas.openxmlformats.org/officeDocument/2006/relationships" xmlns:p="http://schemas.openxmlformats.org/presentationml/2006/main">
   <p:cSld>
     <p:spTree>
       <p:nvGrpSpPr>
-        <p:cNvPr id="128" name="Shape 128"/>
+        <p:cNvPr id="1" name="Shape 128"/>
         <p:cNvGrpSpPr/>
         <p:nvPr/>
       </p:nvGrpSpPr>
@@ -10988,7 +11150,9 @@
       <p:sp>
         <p:nvSpPr>
           <p:cNvPr id="129" name="Google Shape;129;p17"/>
-          <p:cNvSpPr txBox="1"/>
+          <p:cNvSpPr txBox="1">
+            <a:spLocks noGrp="1"/>
+          </p:cNvSpPr>
           <p:nvPr>
             <p:ph type="title"/>
           </p:nvPr>
@@ -11003,12 +11167,12 @@
           </a:prstGeom>
         </p:spPr>
         <p:txBody>
-          <a:bodyPr anchorCtr="0" anchor="t" bIns="91425" lIns="91425" spcFirstLastPara="1" rIns="91425" wrap="square" tIns="91425">
+          <a:bodyPr spcFirstLastPara="1" wrap="square" lIns="91425" tIns="91425" rIns="91425" bIns="91425" anchor="t" anchorCtr="0">
             <a:noAutofit/>
           </a:bodyPr>
           <a:lstStyle/>
           <a:p>
-            <a:pPr indent="0" lvl="0" marL="0" rtl="0" algn="l">
+            <a:pPr marL="0" lvl="0" indent="0" algn="l" rtl="0">
               <a:spcBef>
                 <a:spcPts val="0"/>
               </a:spcBef>
@@ -11028,9 +11192,11 @@
       <p:sp>
         <p:nvSpPr>
           <p:cNvPr id="130" name="Google Shape;130;p17"/>
-          <p:cNvSpPr txBox="1"/>
+          <p:cNvSpPr txBox="1">
+            <a:spLocks noGrp="1"/>
+          </p:cNvSpPr>
           <p:nvPr>
-            <p:ph idx="1" type="body"/>
+            <p:ph type="body" idx="1"/>
           </p:nvPr>
         </p:nvSpPr>
         <p:spPr>
@@ -11043,12 +11209,12 @@
           </a:prstGeom>
         </p:spPr>
         <p:txBody>
-          <a:bodyPr anchorCtr="0" anchor="t" bIns="91425" lIns="91425" spcFirstLastPara="1" rIns="91425" wrap="square" tIns="91425">
+          <a:bodyPr spcFirstLastPara="1" wrap="square" lIns="91425" tIns="91425" rIns="91425" bIns="91425" anchor="t" anchorCtr="0">
             <a:noAutofit/>
           </a:bodyPr>
           <a:lstStyle/>
           <a:p>
-            <a:pPr indent="-342900" lvl="0" marL="457200" rtl="0" algn="l">
+            <a:pPr marL="457200" lvl="0" indent="-342900" algn="l" rtl="0">
               <a:spcBef>
                 <a:spcPts val="0"/>
               </a:spcBef>
@@ -11065,7 +11231,7 @@
             <a:endParaRPr/>
           </a:p>
           <a:p>
-            <a:pPr indent="-317500" lvl="1" marL="914400" rtl="0" algn="l">
+            <a:pPr marL="914400" lvl="1" indent="-317500" algn="l" rtl="0">
               <a:spcBef>
                 <a:spcPts val="0"/>
               </a:spcBef>
@@ -11082,7 +11248,7 @@
             <a:endParaRPr/>
           </a:p>
           <a:p>
-            <a:pPr indent="-317500" lvl="1" marL="914400" rtl="0" algn="l">
+            <a:pPr marL="914400" lvl="1" indent="-317500" algn="l" rtl="0">
               <a:spcBef>
                 <a:spcPts val="0"/>
               </a:spcBef>
@@ -11099,7 +11265,7 @@
             <a:endParaRPr/>
           </a:p>
           <a:p>
-            <a:pPr indent="-317500" lvl="1" marL="914400" rtl="0" algn="l">
+            <a:pPr marL="914400" lvl="1" indent="-317500" algn="l" rtl="0">
               <a:spcBef>
                 <a:spcPts val="0"/>
               </a:spcBef>
@@ -11116,7 +11282,7 @@
             <a:endParaRPr/>
           </a:p>
           <a:p>
-            <a:pPr indent="-317500" lvl="1" marL="914400" rtl="0" algn="l">
+            <a:pPr marL="914400" lvl="1" indent="-317500" algn="l" rtl="0">
               <a:spcBef>
                 <a:spcPts val="0"/>
               </a:spcBef>
@@ -11143,11 +11309,11 @@
 </file>
 
 <file path=ppt/slides/slide6.xml><?xml version="1.0" encoding="utf-8"?>
-<p:sld xmlns:a="http://schemas.openxmlformats.org/drawingml/2006/main" xmlns:r="http://schemas.openxmlformats.org/officeDocument/2006/relationships" xmlns:mc="http://schemas.openxmlformats.org/markup-compatibility/2006" xmlns:mv="urn:schemas-microsoft-com:mac:vml" xmlns:p="http://schemas.openxmlformats.org/presentationml/2006/main" xmlns:c="http://schemas.openxmlformats.org/drawingml/2006/chart" xmlns:dgm="http://schemas.openxmlformats.org/drawingml/2006/diagram" xmlns:o="urn:schemas-microsoft-com:office:office" xmlns:v="urn:schemas-microsoft-com:vml" xmlns:pvml="urn:schemas-microsoft-com:office:powerpoint" xmlns:com="http://schemas.openxmlformats.org/drawingml/2006/compatibility" xmlns:p14="http://schemas.microsoft.com/office/powerpoint/2010/main" xmlns:p15="http://schemas.microsoft.com/office/powerpoint/2012/main">
+<p:sld xmlns:a="http://schemas.openxmlformats.org/drawingml/2006/main" xmlns:r="http://schemas.openxmlformats.org/officeDocument/2006/relationships" xmlns:p="http://schemas.openxmlformats.org/presentationml/2006/main">
   <p:cSld>
     <p:spTree>
       <p:nvGrpSpPr>
-        <p:cNvPr id="134" name="Shape 134"/>
+        <p:cNvPr id="1" name="Shape 134"/>
         <p:cNvGrpSpPr/>
         <p:nvPr/>
       </p:nvGrpSpPr>
@@ -11162,7 +11328,9 @@
       <p:sp>
         <p:nvSpPr>
           <p:cNvPr id="135" name="Google Shape;135;p18"/>
-          <p:cNvSpPr txBox="1"/>
+          <p:cNvSpPr txBox="1">
+            <a:spLocks noGrp="1"/>
+          </p:cNvSpPr>
           <p:nvPr>
             <p:ph type="title"/>
           </p:nvPr>
@@ -11177,12 +11345,12 @@
           </a:prstGeom>
         </p:spPr>
         <p:txBody>
-          <a:bodyPr anchorCtr="0" anchor="t" bIns="91425" lIns="91425" spcFirstLastPara="1" rIns="91425" wrap="square" tIns="91425">
+          <a:bodyPr spcFirstLastPara="1" wrap="square" lIns="91425" tIns="91425" rIns="91425" bIns="91425" anchor="t" anchorCtr="0">
             <a:noAutofit/>
           </a:bodyPr>
           <a:lstStyle/>
           <a:p>
-            <a:pPr indent="0" lvl="0" marL="0" rtl="0" algn="l">
+            <a:pPr marL="0" lvl="0" indent="0" algn="l" rtl="0">
               <a:spcBef>
                 <a:spcPts val="0"/>
               </a:spcBef>
@@ -11202,9 +11370,11 @@
       <p:sp>
         <p:nvSpPr>
           <p:cNvPr id="136" name="Google Shape;136;p18"/>
-          <p:cNvSpPr txBox="1"/>
+          <p:cNvSpPr txBox="1">
+            <a:spLocks noGrp="1"/>
+          </p:cNvSpPr>
           <p:nvPr>
-            <p:ph idx="1" type="body"/>
+            <p:ph type="body" idx="1"/>
           </p:nvPr>
         </p:nvSpPr>
         <p:spPr>
@@ -11217,12 +11387,12 @@
           </a:prstGeom>
         </p:spPr>
         <p:txBody>
-          <a:bodyPr anchorCtr="0" anchor="t" bIns="91425" lIns="91425" spcFirstLastPara="1" rIns="91425" wrap="square" tIns="91425">
+          <a:bodyPr spcFirstLastPara="1" wrap="square" lIns="91425" tIns="91425" rIns="91425" bIns="91425" anchor="t" anchorCtr="0">
             <a:noAutofit/>
           </a:bodyPr>
           <a:lstStyle/>
           <a:p>
-            <a:pPr indent="-342900" lvl="0" marL="457200" rtl="0" algn="l">
+            <a:pPr marL="457200" lvl="0" indent="-342900" algn="l" rtl="0">
               <a:spcBef>
                 <a:spcPts val="0"/>
               </a:spcBef>
@@ -11239,7 +11409,7 @@
             <a:endParaRPr/>
           </a:p>
           <a:p>
-            <a:pPr indent="-342900" lvl="0" marL="457200" rtl="0" algn="l">
+            <a:pPr marL="457200" lvl="0" indent="-342900" algn="l" rtl="0">
               <a:spcBef>
                 <a:spcPts val="0"/>
               </a:spcBef>
@@ -11274,11 +11444,11 @@
 </file>
 
 <file path=ppt/slides/slide7.xml><?xml version="1.0" encoding="utf-8"?>
-<p:sld xmlns:a="http://schemas.openxmlformats.org/drawingml/2006/main" xmlns:r="http://schemas.openxmlformats.org/officeDocument/2006/relationships" xmlns:mc="http://schemas.openxmlformats.org/markup-compatibility/2006" xmlns:mv="urn:schemas-microsoft-com:mac:vml" xmlns:p="http://schemas.openxmlformats.org/presentationml/2006/main" xmlns:c="http://schemas.openxmlformats.org/drawingml/2006/chart" xmlns:dgm="http://schemas.openxmlformats.org/drawingml/2006/diagram" xmlns:o="urn:schemas-microsoft-com:office:office" xmlns:v="urn:schemas-microsoft-com:vml" xmlns:pvml="urn:schemas-microsoft-com:office:powerpoint" xmlns:com="http://schemas.openxmlformats.org/drawingml/2006/compatibility" xmlns:p14="http://schemas.microsoft.com/office/powerpoint/2010/main" xmlns:p15="http://schemas.microsoft.com/office/powerpoint/2012/main">
+<p:sld xmlns:a="http://schemas.openxmlformats.org/drawingml/2006/main" xmlns:r="http://schemas.openxmlformats.org/officeDocument/2006/relationships" xmlns:p="http://schemas.openxmlformats.org/presentationml/2006/main">
   <p:cSld>
     <p:spTree>
       <p:nvGrpSpPr>
-        <p:cNvPr id="140" name="Shape 140"/>
+        <p:cNvPr id="1" name="Shape 140"/>
         <p:cNvGrpSpPr/>
         <p:nvPr/>
       </p:nvGrpSpPr>
@@ -11293,7 +11463,9 @@
       <p:sp>
         <p:nvSpPr>
           <p:cNvPr id="141" name="Google Shape;141;p19"/>
-          <p:cNvSpPr txBox="1"/>
+          <p:cNvSpPr txBox="1">
+            <a:spLocks noGrp="1"/>
+          </p:cNvSpPr>
           <p:nvPr>
             <p:ph type="title"/>
           </p:nvPr>
@@ -11308,12 +11480,12 @@
           </a:prstGeom>
         </p:spPr>
         <p:txBody>
-          <a:bodyPr anchorCtr="0" anchor="t" bIns="91425" lIns="91425" spcFirstLastPara="1" rIns="91425" wrap="square" tIns="91425">
+          <a:bodyPr spcFirstLastPara="1" wrap="square" lIns="91425" tIns="91425" rIns="91425" bIns="91425" anchor="t" anchorCtr="0">
             <a:noAutofit/>
           </a:bodyPr>
           <a:lstStyle/>
           <a:p>
-            <a:pPr indent="0" lvl="0" marL="0" rtl="0" algn="l">
+            <a:pPr marL="0" lvl="0" indent="0" algn="l" rtl="0">
               <a:spcBef>
                 <a:spcPts val="0"/>
               </a:spcBef>
@@ -11333,9 +11505,11 @@
       <p:sp>
         <p:nvSpPr>
           <p:cNvPr id="142" name="Google Shape;142;p19"/>
-          <p:cNvSpPr txBox="1"/>
+          <p:cNvSpPr txBox="1">
+            <a:spLocks noGrp="1"/>
+          </p:cNvSpPr>
           <p:nvPr>
-            <p:ph idx="1" type="body"/>
+            <p:ph type="body" idx="1"/>
           </p:nvPr>
         </p:nvSpPr>
         <p:spPr>
@@ -11348,12 +11522,12 @@
           </a:prstGeom>
         </p:spPr>
         <p:txBody>
-          <a:bodyPr anchorCtr="0" anchor="t" bIns="91425" lIns="91425" spcFirstLastPara="1" rIns="91425" wrap="square" tIns="91425">
+          <a:bodyPr spcFirstLastPara="1" wrap="square" lIns="91425" tIns="91425" rIns="91425" bIns="91425" anchor="t" anchorCtr="0">
             <a:noAutofit/>
           </a:bodyPr>
           <a:lstStyle/>
           <a:p>
-            <a:pPr indent="-342900" lvl="0" marL="457200" rtl="0" algn="l">
+            <a:pPr marL="457200" lvl="0" indent="-342900" algn="l" rtl="0">
               <a:spcBef>
                 <a:spcPts val="0"/>
               </a:spcBef>
@@ -11370,7 +11544,7 @@
             <a:endParaRPr/>
           </a:p>
           <a:p>
-            <a:pPr indent="-342900" lvl="0" marL="457200" rtl="0" algn="l">
+            <a:pPr marL="457200" lvl="0" indent="-342900" algn="l" rtl="0">
               <a:spcBef>
                 <a:spcPts val="0"/>
               </a:spcBef>
@@ -11387,7 +11561,7 @@
             <a:endParaRPr/>
           </a:p>
           <a:p>
-            <a:pPr indent="-342900" lvl="0" marL="457200" rtl="0" algn="l">
+            <a:pPr marL="457200" lvl="0" indent="-342900" algn="l" rtl="0">
               <a:spcBef>
                 <a:spcPts val="0"/>
               </a:spcBef>
@@ -11414,7 +11588,7 @@
 </file>
 
 <file path=ppt/theme/theme1.xml><?xml version="1.0" encoding="utf-8"?>
-<a:theme xmlns:a="http://schemas.openxmlformats.org/drawingml/2006/main" xmlns:r="http://schemas.openxmlformats.org/officeDocument/2006/relationships" name="Geometric">
+<a:theme xmlns:a="http://schemas.openxmlformats.org/drawingml/2006/main" name="Geometric">
   <a:themeElements>
     <a:clrScheme name="Geometric">
       <a:dk1>
@@ -11689,11 +11863,13 @@
       </a:bgFillStyleLst>
     </a:fmtScheme>
   </a:themeElements>
+  <a:objectDefaults/>
+  <a:extraClrSchemeLst/>
 </a:theme>
 </file>
 
 <file path=ppt/theme/theme2.xml><?xml version="1.0" encoding="utf-8"?>
-<a:theme xmlns:a="http://schemas.openxmlformats.org/drawingml/2006/main" xmlns:r="http://schemas.openxmlformats.org/officeDocument/2006/relationships">
+<a:theme xmlns:a="http://schemas.openxmlformats.org/drawingml/2006/main">
   <a:themeElements>
     <a:clrScheme name="Default">
       <a:dk1>
@@ -11968,5 +12144,7 @@
       </a:bgFillStyleLst>
     </a:fmtScheme>
   </a:themeElements>
+  <a:objectDefaults/>
+  <a:extraClrSchemeLst/>
 </a:theme>
 </file>